--- a/Documentation/USB RAID pole.pptx
+++ b/Documentation/USB RAID pole.pptx
@@ -20,8 +20,8 @@
     <p:sldId id="269" r:id="rId14"/>
     <p:sldId id="270" r:id="rId15"/>
     <p:sldId id="271" r:id="rId16"/>
-    <p:sldId id="272" r:id="rId17"/>
-    <p:sldId id="274" r:id="rId18"/>
+    <p:sldId id="275" r:id="rId17"/>
+    <p:sldId id="276" r:id="rId18"/>
     <p:sldId id="265" r:id="rId19"/>
   </p:sldIdLst>
   <p:sldSz cx="12192000" cy="6858000"/>
@@ -21387,7 +21387,7 @@
           <a:p>
             <a:fld id="{D208048B-57AF-4F53-BC84-8E0A1033FBEC}" type="datetimeFigureOut">
               <a:rPr lang="en-US" smtClean="0"/>
-              <a:t>5/16/2025</a:t>
+              <a:t>5/19/2025</a:t>
             </a:fld>
             <a:endParaRPr lang="en-US"/>
           </a:p>
@@ -21585,7 +21585,7 @@
           <a:p>
             <a:fld id="{D208048B-57AF-4F53-BC84-8E0A1033FBEC}" type="datetimeFigureOut">
               <a:rPr lang="en-US" smtClean="0"/>
-              <a:t>5/16/2025</a:t>
+              <a:t>5/19/2025</a:t>
             </a:fld>
             <a:endParaRPr lang="en-US"/>
           </a:p>
@@ -23122,7 +23122,7 @@
           <a:p>
             <a:fld id="{D208048B-57AF-4F53-BC84-8E0A1033FBEC}" type="datetimeFigureOut">
               <a:rPr lang="en-US" smtClean="0"/>
-              <a:t>5/16/2025</a:t>
+              <a:t>5/19/2025</a:t>
             </a:fld>
             <a:endParaRPr lang="en-US"/>
           </a:p>
@@ -23322,7 +23322,7 @@
           <a:p>
             <a:fld id="{D208048B-57AF-4F53-BC84-8E0A1033FBEC}" type="datetimeFigureOut">
               <a:rPr lang="en-US" smtClean="0"/>
-              <a:t>5/16/2025</a:t>
+              <a:t>5/19/2025</a:t>
             </a:fld>
             <a:endParaRPr lang="en-US"/>
           </a:p>
@@ -23600,7 +23600,7 @@
           <a:p>
             <a:fld id="{D208048B-57AF-4F53-BC84-8E0A1033FBEC}" type="datetimeFigureOut">
               <a:rPr lang="en-US" smtClean="0"/>
-              <a:t>5/16/2025</a:t>
+              <a:t>5/19/2025</a:t>
             </a:fld>
             <a:endParaRPr lang="en-US"/>
           </a:p>
@@ -24578,7 +24578,7 @@
           <a:p>
             <a:fld id="{D208048B-57AF-4F53-BC84-8E0A1033FBEC}" type="datetimeFigureOut">
               <a:rPr lang="en-US" smtClean="0"/>
-              <a:t>5/16/2025</a:t>
+              <a:t>5/19/2025</a:t>
             </a:fld>
             <a:endParaRPr lang="en-US"/>
           </a:p>
@@ -25698,7 +25698,7 @@
           <a:p>
             <a:fld id="{D208048B-57AF-4F53-BC84-8E0A1033FBEC}" type="datetimeFigureOut">
               <a:rPr lang="en-US" smtClean="0"/>
-              <a:t>5/16/2025</a:t>
+              <a:t>5/19/2025</a:t>
             </a:fld>
             <a:endParaRPr lang="en-US"/>
           </a:p>
@@ -25845,7 +25845,7 @@
           <a:p>
             <a:fld id="{D208048B-57AF-4F53-BC84-8E0A1033FBEC}" type="datetimeFigureOut">
               <a:rPr lang="en-US" smtClean="0"/>
-              <a:t>5/16/2025</a:t>
+              <a:t>5/19/2025</a:t>
             </a:fld>
             <a:endParaRPr lang="en-US"/>
           </a:p>
@@ -25958,7 +25958,7 @@
           <a:p>
             <a:fld id="{D208048B-57AF-4F53-BC84-8E0A1033FBEC}" type="datetimeFigureOut">
               <a:rPr lang="en-US" smtClean="0"/>
-              <a:t>5/16/2025</a:t>
+              <a:t>5/19/2025</a:t>
             </a:fld>
             <a:endParaRPr lang="en-US"/>
           </a:p>
@@ -27604,7 +27604,7 @@
           <a:p>
             <a:fld id="{D208048B-57AF-4F53-BC84-8E0A1033FBEC}" type="datetimeFigureOut">
               <a:rPr lang="en-US" smtClean="0"/>
-              <a:t>5/16/2025</a:t>
+              <a:t>5/19/2025</a:t>
             </a:fld>
             <a:endParaRPr lang="en-US"/>
           </a:p>
@@ -29242,7 +29242,7 @@
           <a:p>
             <a:fld id="{D208048B-57AF-4F53-BC84-8E0A1033FBEC}" type="datetimeFigureOut">
               <a:rPr lang="en-US" smtClean="0"/>
-              <a:t>5/16/2025</a:t>
+              <a:t>5/19/2025</a:t>
             </a:fld>
             <a:endParaRPr lang="en-US"/>
           </a:p>
@@ -30165,7 +30165,7 @@
             <a:fld id="{D208048B-57AF-4F53-BC84-8E0A1033FBEC}" type="datetimeFigureOut">
               <a:rPr lang="en-US" smtClean="0"/>
               <a:pPr/>
-              <a:t>5/16/2025</a:t>
+              <a:t>5/19/2025</a:t>
             </a:fld>
             <a:endParaRPr lang="en-US" dirty="0"/>
           </a:p>
@@ -43020,10 +43020,10 @@
       </p:grpSpPr>
       <p:sp useBgFill="1">
         <p:nvSpPr>
-          <p:cNvPr id="9" name="Rectangle 8">
+          <p:cNvPr id="39" name="Rectangle 38">
             <a:extLst>
               <a:ext uri="{FF2B5EF4-FFF2-40B4-BE49-F238E27FC236}">
-                <a16:creationId xmlns:a16="http://schemas.microsoft.com/office/drawing/2014/main" id="{368ED30B-446A-7180-CA5A-6D8AE620C048}"/>
+                <a16:creationId xmlns:a16="http://schemas.microsoft.com/office/drawing/2014/main" id="{0F358BAA-9C8A-4E17-BAD8-32FD6FFEA730}"/>
               </a:ext>
               <a:ext uri="{C183D7F6-B498-43B3-948B-1728B52AA6E4}">
                 <adec:decorative xmlns:adec="http://schemas.microsoft.com/office/drawing/2017/decorative" val="1"/>
@@ -43069,10 +43069,10 @@
       </p:sp>
       <p:sp>
         <p:nvSpPr>
-          <p:cNvPr id="11" name="Color Fill">
+          <p:cNvPr id="41" name="Color Fill">
             <a:extLst>
               <a:ext uri="{FF2B5EF4-FFF2-40B4-BE49-F238E27FC236}">
-                <a16:creationId xmlns:a16="http://schemas.microsoft.com/office/drawing/2014/main" id="{EDBF366F-1AB5-17A1-7BF4-40BC3F2E7789}"/>
+                <a16:creationId xmlns:a16="http://schemas.microsoft.com/office/drawing/2014/main" id="{4D6F41A4-BEE3-4935-9371-4ADEA67A22F9}"/>
               </a:ext>
               <a:ext uri="{C183D7F6-B498-43B3-948B-1728B52AA6E4}">
                 <adec:decorative xmlns:adec="http://schemas.microsoft.com/office/drawing/2017/decorative" val="1"/>
@@ -43128,10 +43128,10 @@
       </p:sp>
       <p:grpSp>
         <p:nvGrpSpPr>
-          <p:cNvPr id="13" name="Group 12">
+          <p:cNvPr id="43" name="Group 42">
             <a:extLst>
               <a:ext uri="{FF2B5EF4-FFF2-40B4-BE49-F238E27FC236}">
-                <a16:creationId xmlns:a16="http://schemas.microsoft.com/office/drawing/2014/main" id="{7F7E00AC-1E38-BE31-EF95-7310331C6047}"/>
+                <a16:creationId xmlns:a16="http://schemas.microsoft.com/office/drawing/2014/main" id="{7726F010-956A-40BC-8A1F-8002DC729B4C}"/>
               </a:ext>
               <a:ext uri="{C183D7F6-B498-43B3-948B-1728B52AA6E4}">
                 <adec:decorative xmlns:adec="http://schemas.microsoft.com/office/drawing/2017/decorative" val="1"/>
@@ -43159,10 +43159,10 @@
         </p:grpSpPr>
         <p:sp>
           <p:nvSpPr>
-            <p:cNvPr id="14" name="Oval 13">
+            <p:cNvPr id="44" name="Oval 43">
               <a:extLst>
                 <a:ext uri="{FF2B5EF4-FFF2-40B4-BE49-F238E27FC236}">
-                  <a16:creationId xmlns:a16="http://schemas.microsoft.com/office/drawing/2014/main" id="{011D672A-AEB4-F0F6-5EC6-FEADAB21F117}"/>
+                  <a16:creationId xmlns:a16="http://schemas.microsoft.com/office/drawing/2014/main" id="{D386E468-0048-46C4-ADDD-FBE7A6AE9F31}"/>
                 </a:ext>
                 <a:ext uri="{C183D7F6-B498-43B3-948B-1728B52AA6E4}">
                   <adec:decorative xmlns:adec="http://schemas.microsoft.com/office/drawing/2017/decorative" val="1"/>
@@ -43220,10 +43220,10 @@
         </p:sp>
         <p:sp>
           <p:nvSpPr>
-            <p:cNvPr id="15" name="Freeform: Shape 14">
+            <p:cNvPr id="45" name="Freeform: Shape 44">
               <a:extLst>
                 <a:ext uri="{FF2B5EF4-FFF2-40B4-BE49-F238E27FC236}">
-                  <a16:creationId xmlns:a16="http://schemas.microsoft.com/office/drawing/2014/main" id="{34DA4BC3-DCD4-E57A-35E5-3CC786E1229B}"/>
+                  <a16:creationId xmlns:a16="http://schemas.microsoft.com/office/drawing/2014/main" id="{C5B35ED4-0C31-4C8C-A45E-6A3EDEAB2867}"/>
                 </a:ext>
                 <a:ext uri="{C183D7F6-B498-43B3-948B-1728B52AA6E4}">
                   <adec:decorative xmlns:adec="http://schemas.microsoft.com/office/drawing/2017/decorative" val="1"/>
@@ -43324,10 +43324,10 @@
         </p:sp>
         <p:sp>
           <p:nvSpPr>
-            <p:cNvPr id="16" name="Freeform: Shape 15">
+            <p:cNvPr id="46" name="Freeform: Shape 45">
               <a:extLst>
                 <a:ext uri="{FF2B5EF4-FFF2-40B4-BE49-F238E27FC236}">
-                  <a16:creationId xmlns:a16="http://schemas.microsoft.com/office/drawing/2014/main" id="{C0E1BCB2-2F7D-311C-0635-8FF66C4C2D2E}"/>
+                  <a16:creationId xmlns:a16="http://schemas.microsoft.com/office/drawing/2014/main" id="{B40A1EF3-FA93-48F4-9F82-BC0C79635750}"/>
                 </a:ext>
                 <a:ext uri="{C183D7F6-B498-43B3-948B-1728B52AA6E4}">
                   <adec:decorative xmlns:adec="http://schemas.microsoft.com/office/drawing/2017/decorative" val="1"/>
@@ -43454,10 +43454,10 @@
         </p:sp>
         <p:sp>
           <p:nvSpPr>
-            <p:cNvPr id="17" name="Freeform: Shape 16">
+            <p:cNvPr id="47" name="Freeform: Shape 46">
               <a:extLst>
                 <a:ext uri="{FF2B5EF4-FFF2-40B4-BE49-F238E27FC236}">
-                  <a16:creationId xmlns:a16="http://schemas.microsoft.com/office/drawing/2014/main" id="{C395CDBA-CCB7-4714-D6DE-18CE6998FF35}"/>
+                  <a16:creationId xmlns:a16="http://schemas.microsoft.com/office/drawing/2014/main" id="{A985F09D-6969-44D0-B04F-4EDE0FEDAF63}"/>
                 </a:ext>
                 <a:ext uri="{C183D7F6-B498-43B3-948B-1728B52AA6E4}">
                   <adec:decorative xmlns:adec="http://schemas.microsoft.com/office/drawing/2017/decorative" val="1"/>
@@ -43595,10 +43595,10 @@
         </p:sp>
         <p:sp>
           <p:nvSpPr>
-            <p:cNvPr id="18" name="Graphic 9">
+            <p:cNvPr id="48" name="Graphic 9">
               <a:extLst>
                 <a:ext uri="{FF2B5EF4-FFF2-40B4-BE49-F238E27FC236}">
-                  <a16:creationId xmlns:a16="http://schemas.microsoft.com/office/drawing/2014/main" id="{7D8F1D9E-9418-A14D-C382-28C24D481755}"/>
+                  <a16:creationId xmlns:a16="http://schemas.microsoft.com/office/drawing/2014/main" id="{003913A0-A3C0-4ED8-8920-318068FBC46F}"/>
                 </a:ext>
                 <a:ext uri="{C183D7F6-B498-43B3-948B-1728B52AA6E4}">
                   <adec:decorative xmlns:adec="http://schemas.microsoft.com/office/drawing/2017/decorative" val="1"/>
@@ -43724,10 +43724,10 @@
       </p:grpSp>
       <p:sp>
         <p:nvSpPr>
-          <p:cNvPr id="20" name="Texture">
+          <p:cNvPr id="50" name="Texture">
             <a:extLst>
               <a:ext uri="{FF2B5EF4-FFF2-40B4-BE49-F238E27FC236}">
-                <a16:creationId xmlns:a16="http://schemas.microsoft.com/office/drawing/2014/main" id="{81C369C6-443D-6A00-2F27-12BCBC695E52}"/>
+                <a16:creationId xmlns:a16="http://schemas.microsoft.com/office/drawing/2014/main" id="{7FE1D329-7CB2-4DF5-B0C0-36DD19EBC66D}"/>
               </a:ext>
               <a:ext uri="{C183D7F6-B498-43B3-948B-1728B52AA6E4}">
                 <adec:decorative xmlns:adec="http://schemas.microsoft.com/office/drawing/2017/decorative" val="1"/>
@@ -43776,10 +43776,10 @@
       </p:sp>
       <p:sp useBgFill="1">
         <p:nvSpPr>
-          <p:cNvPr id="22" name="Background Fill">
+          <p:cNvPr id="52" name="Background Fill">
             <a:extLst>
               <a:ext uri="{FF2B5EF4-FFF2-40B4-BE49-F238E27FC236}">
-                <a16:creationId xmlns:a16="http://schemas.microsoft.com/office/drawing/2014/main" id="{3DDF4CFC-12EC-FD19-D092-2F20DFE97E69}"/>
+                <a16:creationId xmlns:a16="http://schemas.microsoft.com/office/drawing/2014/main" id="{17EA1F2D-693A-4E79-9D69-EDA2A763CC84}"/>
               </a:ext>
               <a:ext uri="{C183D7F6-B498-43B3-948B-1728B52AA6E4}">
                 <adec:decorative xmlns:adec="http://schemas.microsoft.com/office/drawing/2017/decorative" val="1"/>
@@ -43825,10 +43825,10 @@
       </p:sp>
       <p:sp>
         <p:nvSpPr>
-          <p:cNvPr id="24" name="Color Fill">
+          <p:cNvPr id="54" name="Color Fill">
             <a:extLst>
               <a:ext uri="{FF2B5EF4-FFF2-40B4-BE49-F238E27FC236}">
-                <a16:creationId xmlns:a16="http://schemas.microsoft.com/office/drawing/2014/main" id="{E1C8173E-7803-30D3-6482-6F98C9D21441}"/>
+                <a16:creationId xmlns:a16="http://schemas.microsoft.com/office/drawing/2014/main" id="{0A26F20B-3813-4E7C-80FF-8F80274DC338}"/>
               </a:ext>
               <a:ext uri="{C183D7F6-B498-43B3-948B-1728B52AA6E4}">
                 <adec:decorative xmlns:adec="http://schemas.microsoft.com/office/drawing/2017/decorative" val="1"/>
@@ -43848,7 +43848,7 @@
         </p:nvSpPr>
         <p:spPr>
           <a:xfrm>
-            <a:off x="0" y="0"/>
+            <a:off x="11952" y="0"/>
             <a:ext cx="12188952" cy="6858000"/>
           </a:xfrm>
           <a:prstGeom prst="rect">
@@ -43884,10 +43884,10 @@
       </p:sp>
       <p:grpSp>
         <p:nvGrpSpPr>
-          <p:cNvPr id="26" name="Group 25">
+          <p:cNvPr id="56" name="Group 55">
             <a:extLst>
               <a:ext uri="{FF2B5EF4-FFF2-40B4-BE49-F238E27FC236}">
-                <a16:creationId xmlns:a16="http://schemas.microsoft.com/office/drawing/2014/main" id="{841DAD0B-5037-E535-CF07-86119D09733A}"/>
+                <a16:creationId xmlns:a16="http://schemas.microsoft.com/office/drawing/2014/main" id="{2B32B464-FDD8-41D9-A7F3-9AA731534DCB}"/>
               </a:ext>
               <a:ext uri="{C183D7F6-B498-43B3-948B-1728B52AA6E4}">
                 <adec:decorative xmlns:adec="http://schemas.microsoft.com/office/drawing/2017/decorative" val="1"/>
@@ -43907,18 +43907,18 @@
         </p:nvGrpSpPr>
         <p:grpSpPr>
           <a:xfrm>
-            <a:off x="7649180" y="-1190"/>
-            <a:ext cx="4263283" cy="6859191"/>
-            <a:chOff x="7649180" y="-1190"/>
-            <a:chExt cx="4263283" cy="6859191"/>
+            <a:off x="7739089" y="-3532"/>
+            <a:ext cx="4461815" cy="6861532"/>
+            <a:chOff x="7739089" y="-3532"/>
+            <a:chExt cx="4461815" cy="6861532"/>
           </a:xfrm>
         </p:grpSpPr>
         <p:sp>
           <p:nvSpPr>
-            <p:cNvPr id="27" name="Oval 26">
+            <p:cNvPr id="57" name="Oval 56">
               <a:extLst>
                 <a:ext uri="{FF2B5EF4-FFF2-40B4-BE49-F238E27FC236}">
-                  <a16:creationId xmlns:a16="http://schemas.microsoft.com/office/drawing/2014/main" id="{66CB5B6B-F994-CE4C-158D-D423071F539B}"/>
+                  <a16:creationId xmlns:a16="http://schemas.microsoft.com/office/drawing/2014/main" id="{837BB846-50A1-46A2-8FBC-B6C3E6FD2C06}"/>
                 </a:ext>
                 <a:ext uri="{C183D7F6-B498-43B3-948B-1728B52AA6E4}">
                   <adec:decorative xmlns:adec="http://schemas.microsoft.com/office/drawing/2017/decorative" val="1"/>
@@ -43936,183 +43936,17 @@
           </p:nvSpPr>
           <p:spPr>
             <a:xfrm>
-              <a:off x="11202463" y="453951"/>
-              <a:ext cx="608046" cy="608046"/>
+              <a:off x="8907984" y="4121414"/>
+              <a:ext cx="514757" cy="516940"/>
             </a:xfrm>
             <a:prstGeom prst="ellipse">
               <a:avLst/>
             </a:prstGeom>
             <a:solidFill>
-              <a:schemeClr val="accent1">
+              <a:schemeClr val="accent3">
                 <a:lumMod val="60000"/>
                 <a:lumOff val="40000"/>
-                <a:alpha val="60000"/>
               </a:schemeClr>
-            </a:solidFill>
-            <a:ln w="9331" cap="flat">
-              <a:noFill/>
-              <a:prstDash val="solid"/>
-              <a:miter/>
-            </a:ln>
-          </p:spPr>
-          <p:txBody>
-            <a:bodyPr rtlCol="0" anchor="ctr"/>
-            <a:lstStyle/>
-            <a:p>
-              <a:endParaRPr lang="en-US">
-                <a:solidFill>
-                  <a:schemeClr val="tx1"/>
-                </a:solidFill>
-              </a:endParaRPr>
-            </a:p>
-          </p:txBody>
-        </p:sp>
-        <p:sp>
-          <p:nvSpPr>
-            <p:cNvPr id="28" name="Graphic 18">
-              <a:extLst>
-                <a:ext uri="{FF2B5EF4-FFF2-40B4-BE49-F238E27FC236}">
-                  <a16:creationId xmlns:a16="http://schemas.microsoft.com/office/drawing/2014/main" id="{9FC16A65-A642-B4D8-2677-6859E2B9700B}"/>
-                </a:ext>
-                <a:ext uri="{C183D7F6-B498-43B3-948B-1728B52AA6E4}">
-                  <adec:decorative xmlns:adec="http://schemas.microsoft.com/office/drawing/2017/decorative" val="1"/>
-                </a:ext>
-              </a:extLst>
-            </p:cNvPr>
-            <p:cNvSpPr/>
-            <p:nvPr>
-              <p:extLst>
-                <p:ext uri="{386F3935-93C4-4BCD-93E2-E3B085C9AB24}">
-                  <p16:designElem xmlns:p16="http://schemas.microsoft.com/office/powerpoint/2015/main" val="1"/>
-                </p:ext>
-              </p:extLst>
-            </p:nvPr>
-          </p:nvSpPr>
-          <p:spPr>
-            <a:xfrm>
-              <a:off x="7649180" y="4581409"/>
-              <a:ext cx="856614" cy="1305524"/>
-            </a:xfrm>
-            <a:custGeom>
-              <a:avLst/>
-              <a:gdLst>
-                <a:gd name="connsiteX0" fmla="*/ 3413379 w 3413378"/>
-                <a:gd name="connsiteY0" fmla="*/ 3266028 h 6532054"/>
-                <a:gd name="connsiteX1" fmla="*/ 1706689 w 3413378"/>
-                <a:gd name="connsiteY1" fmla="*/ 6532055 h 6532054"/>
-                <a:gd name="connsiteX2" fmla="*/ 0 w 3413378"/>
-                <a:gd name="connsiteY2" fmla="*/ 3266028 h 6532054"/>
-                <a:gd name="connsiteX3" fmla="*/ 1706689 w 3413378"/>
-                <a:gd name="connsiteY3" fmla="*/ 0 h 6532054"/>
-                <a:gd name="connsiteX4" fmla="*/ 3413379 w 3413378"/>
-                <a:gd name="connsiteY4" fmla="*/ 3266028 h 6532054"/>
-              </a:gdLst>
-              <a:ahLst/>
-              <a:cxnLst>
-                <a:cxn ang="0">
-                  <a:pos x="connsiteX0" y="connsiteY0"/>
-                </a:cxn>
-                <a:cxn ang="0">
-                  <a:pos x="connsiteX1" y="connsiteY1"/>
-                </a:cxn>
-                <a:cxn ang="0">
-                  <a:pos x="connsiteX2" y="connsiteY2"/>
-                </a:cxn>
-                <a:cxn ang="0">
-                  <a:pos x="connsiteX3" y="connsiteY3"/>
-                </a:cxn>
-                <a:cxn ang="0">
-                  <a:pos x="connsiteX4" y="connsiteY4"/>
-                </a:cxn>
-              </a:cxnLst>
-              <a:rect l="l" t="t" r="r" b="b"/>
-              <a:pathLst>
-                <a:path w="3413378" h="6532054">
-                  <a:moveTo>
-                    <a:pt x="3413379" y="3266028"/>
-                  </a:moveTo>
-                  <a:cubicBezTo>
-                    <a:pt x="3413379" y="5069777"/>
-                    <a:pt x="1706689" y="6532055"/>
-                    <a:pt x="1706689" y="6532055"/>
-                  </a:cubicBezTo>
-                  <a:cubicBezTo>
-                    <a:pt x="1706689" y="6532055"/>
-                    <a:pt x="0" y="5069777"/>
-                    <a:pt x="0" y="3266028"/>
-                  </a:cubicBezTo>
-                  <a:cubicBezTo>
-                    <a:pt x="0" y="1462278"/>
-                    <a:pt x="1706689" y="0"/>
-                    <a:pt x="1706689" y="0"/>
-                  </a:cubicBezTo>
-                  <a:cubicBezTo>
-                    <a:pt x="1706689" y="0"/>
-                    <a:pt x="3413379" y="1462278"/>
-                    <a:pt x="3413379" y="3266028"/>
-                  </a:cubicBezTo>
-                  <a:close/>
-                </a:path>
-              </a:pathLst>
-            </a:custGeom>
-            <a:pattFill prst="pct5">
-              <a:fgClr>
-                <a:schemeClr val="accent4">
-                  <a:lumMod val="60000"/>
-                  <a:lumOff val="40000"/>
-                </a:schemeClr>
-              </a:fgClr>
-              <a:bgClr>
-                <a:schemeClr val="accent1">
-                  <a:lumMod val="75000"/>
-                </a:schemeClr>
-              </a:bgClr>
-            </a:pattFill>
-            <a:ln w="9525" cap="flat">
-              <a:noFill/>
-              <a:prstDash val="solid"/>
-              <a:miter/>
-            </a:ln>
-          </p:spPr>
-          <p:txBody>
-            <a:bodyPr rtlCol="0" anchor="ctr"/>
-            <a:lstStyle/>
-            <a:p>
-              <a:endParaRPr lang="en-US"/>
-            </a:p>
-          </p:txBody>
-        </p:sp>
-        <p:sp>
-          <p:nvSpPr>
-            <p:cNvPr id="29" name="Oval 28">
-              <a:extLst>
-                <a:ext uri="{FF2B5EF4-FFF2-40B4-BE49-F238E27FC236}">
-                  <a16:creationId xmlns:a16="http://schemas.microsoft.com/office/drawing/2014/main" id="{7003F7F8-E30C-8E91-B838-7A0871FF0EC0}"/>
-                </a:ext>
-                <a:ext uri="{C183D7F6-B498-43B3-948B-1728B52AA6E4}">
-                  <adec:decorative xmlns:adec="http://schemas.microsoft.com/office/drawing/2017/decorative" val="1"/>
-                </a:ext>
-              </a:extLst>
-            </p:cNvPr>
-            <p:cNvSpPr/>
-            <p:nvPr>
-              <p:extLst>
-                <p:ext uri="{386F3935-93C4-4BCD-93E2-E3B085C9AB24}">
-                  <p16:designElem xmlns:p16="http://schemas.microsoft.com/office/powerpoint/2015/main" val="1"/>
-                </p:ext>
-              </p:extLst>
-            </p:nvPr>
-          </p:nvSpPr>
-          <p:spPr>
-            <a:xfrm>
-              <a:off x="8666922" y="5224794"/>
-              <a:ext cx="439469" cy="439469"/>
-            </a:xfrm>
-            <a:prstGeom prst="ellipse">
-              <a:avLst/>
-            </a:prstGeom>
-            <a:solidFill>
-              <a:schemeClr val="accent5"/>
             </a:solidFill>
             <a:ln>
               <a:noFill/>
@@ -44138,17 +43972,17 @@
             <a:bodyPr rtlCol="0" anchor="ctr"/>
             <a:lstStyle/>
             <a:p>
-              <a:pPr algn="ctr"/>
-              <a:endParaRPr lang="en-US"/>
+              <a:pPr lvl="0" algn="ctr"/>
+              <a:endParaRPr lang="en-US" dirty="0"/>
             </a:p>
           </p:txBody>
         </p:sp>
         <p:sp>
           <p:nvSpPr>
-            <p:cNvPr id="30" name="Freeform: Shape 29">
+            <p:cNvPr id="58" name="Freeform: Shape 57">
               <a:extLst>
                 <a:ext uri="{FF2B5EF4-FFF2-40B4-BE49-F238E27FC236}">
-                  <a16:creationId xmlns:a16="http://schemas.microsoft.com/office/drawing/2014/main" id="{B6B6F97B-DB33-CA78-CC08-98C5EB573061}"/>
+                  <a16:creationId xmlns:a16="http://schemas.microsoft.com/office/drawing/2014/main" id="{FB55FAE3-D1E1-4BDC-8B93-A37313A84EB3}"/>
                 </a:ext>
                 <a:ext uri="{C183D7F6-B498-43B3-948B-1728B52AA6E4}">
                   <adec:decorative xmlns:adec="http://schemas.microsoft.com/office/drawing/2017/decorative" val="1"/>
@@ -44166,22 +44000,28 @@
           </p:nvSpPr>
           <p:spPr>
             <a:xfrm>
-              <a:off x="8314482" y="-1190"/>
-              <a:ext cx="3597981" cy="1501977"/>
+              <a:off x="8348375" y="4121414"/>
+              <a:ext cx="3266317" cy="2736586"/>
             </a:xfrm>
             <a:custGeom>
               <a:avLst/>
               <a:gdLst>
-                <a:gd name="connsiteX0" fmla="*/ 0 w 3597981"/>
-                <a:gd name="connsiteY0" fmla="*/ 0 h 1501977"/>
-                <a:gd name="connsiteX1" fmla="*/ 3597981 w 3597981"/>
-                <a:gd name="connsiteY1" fmla="*/ 0 h 1501977"/>
-                <a:gd name="connsiteX2" fmla="*/ 3590068 w 3597981"/>
-                <a:gd name="connsiteY2" fmla="*/ 51850 h 1501977"/>
-                <a:gd name="connsiteX3" fmla="*/ 1810819 w 3597981"/>
-                <a:gd name="connsiteY3" fmla="*/ 1501977 h 1501977"/>
-                <a:gd name="connsiteX4" fmla="*/ 0 w 3597981"/>
-                <a:gd name="connsiteY4" fmla="*/ 1501977 h 1501977"/>
+                <a:gd name="connsiteX0" fmla="*/ 1635557 w 3266317"/>
+                <a:gd name="connsiteY0" fmla="*/ 0 h 2736586"/>
+                <a:gd name="connsiteX1" fmla="*/ 3266317 w 3266317"/>
+                <a:gd name="connsiteY1" fmla="*/ 0 h 2736586"/>
+                <a:gd name="connsiteX2" fmla="*/ 3266317 w 3266317"/>
+                <a:gd name="connsiteY2" fmla="*/ 1630760 h 2736586"/>
+                <a:gd name="connsiteX3" fmla="*/ 2892838 w 3266317"/>
+                <a:gd name="connsiteY3" fmla="*/ 2671131 h 2736586"/>
+                <a:gd name="connsiteX4" fmla="*/ 2833348 w 3266317"/>
+                <a:gd name="connsiteY4" fmla="*/ 2736586 h 2736586"/>
+                <a:gd name="connsiteX5" fmla="*/ 0 w 3266317"/>
+                <a:gd name="connsiteY5" fmla="*/ 2736586 h 2736586"/>
+                <a:gd name="connsiteX6" fmla="*/ 0 w 3266317"/>
+                <a:gd name="connsiteY6" fmla="*/ 1635558 h 2736586"/>
+                <a:gd name="connsiteX7" fmla="*/ 1635557 w 3266317"/>
+                <a:gd name="connsiteY7" fmla="*/ 0 h 2736586"/>
               </a:gdLst>
               <a:ahLst/>
               <a:cxnLst>
@@ -44200,136 +44040,46 @@
                 <a:cxn ang="0">
                   <a:pos x="connsiteX4" y="connsiteY4"/>
                 </a:cxn>
+                <a:cxn ang="0">
+                  <a:pos x="connsiteX5" y="connsiteY5"/>
+                </a:cxn>
+                <a:cxn ang="0">
+                  <a:pos x="connsiteX6" y="connsiteY6"/>
+                </a:cxn>
+                <a:cxn ang="0">
+                  <a:pos x="connsiteX7" y="connsiteY7"/>
+                </a:cxn>
               </a:cxnLst>
               <a:rect l="l" t="t" r="r" b="b"/>
               <a:pathLst>
-                <a:path w="3597981" h="1501977">
+                <a:path w="3266317" h="2736586">
                   <a:moveTo>
-                    <a:pt x="0" y="0"/>
+                    <a:pt x="1635557" y="0"/>
                   </a:moveTo>
                   <a:lnTo>
-                    <a:pt x="3597981" y="0"/>
+                    <a:pt x="3266317" y="0"/>
                   </a:lnTo>
                   <a:lnTo>
-                    <a:pt x="3590068" y="51850"/>
+                    <a:pt x="3266317" y="1630760"/>
                   </a:lnTo>
                   <a:cubicBezTo>
-                    <a:pt x="3420721" y="879443"/>
-                    <a:pt x="2688479" y="1501977"/>
-                    <a:pt x="1810819" y="1501977"/>
+                    <a:pt x="3266317" y="2025955"/>
+                    <a:pt x="3126159" y="2388411"/>
+                    <a:pt x="2892838" y="2671131"/>
                   </a:cubicBezTo>
                   <a:lnTo>
-                    <a:pt x="0" y="1501977"/>
-                  </a:lnTo>
-                  <a:close/>
-                </a:path>
-              </a:pathLst>
-            </a:custGeom>
-            <a:solidFill>
-              <a:schemeClr val="accent1">
-                <a:lumMod val="75000"/>
-                <a:alpha val="65000"/>
-              </a:schemeClr>
-            </a:solidFill>
-            <a:ln w="9331" cap="flat">
-              <a:noFill/>
-              <a:prstDash val="solid"/>
-              <a:miter/>
-            </a:ln>
-          </p:spPr>
-          <p:txBody>
-            <a:bodyPr rtlCol="0" anchor="ctr"/>
-            <a:lstStyle/>
-            <a:p>
-              <a:endParaRPr lang="en-US" dirty="0"/>
-            </a:p>
-          </p:txBody>
-        </p:sp>
-        <p:sp>
-          <p:nvSpPr>
-            <p:cNvPr id="31" name="Freeform: Shape 30">
-              <a:extLst>
-                <a:ext uri="{FF2B5EF4-FFF2-40B4-BE49-F238E27FC236}">
-                  <a16:creationId xmlns:a16="http://schemas.microsoft.com/office/drawing/2014/main" id="{154EA687-B323-253B-14D3-831172EE7F3D}"/>
-                </a:ext>
-                <a:ext uri="{C183D7F6-B498-43B3-948B-1728B52AA6E4}">
-                  <adec:decorative xmlns:adec="http://schemas.microsoft.com/office/drawing/2017/decorative" val="1"/>
-                </a:ext>
-              </a:extLst>
-            </p:cNvPr>
-            <p:cNvSpPr/>
-            <p:nvPr>
-              <p:extLst>
-                <p:ext uri="{386F3935-93C4-4BCD-93E2-E3B085C9AB24}">
-                  <p16:designElem xmlns:p16="http://schemas.microsoft.com/office/powerpoint/2015/main" val="1"/>
-                </p:ext>
-              </p:extLst>
-            </p:nvPr>
-          </p:nvSpPr>
-          <p:spPr>
-            <a:xfrm>
-              <a:off x="8288140" y="5358010"/>
-              <a:ext cx="3597678" cy="1499991"/>
-            </a:xfrm>
-            <a:custGeom>
-              <a:avLst/>
-              <a:gdLst>
-                <a:gd name="connsiteX0" fmla="*/ 1786859 w 3597678"/>
-                <a:gd name="connsiteY0" fmla="*/ 0 h 1499991"/>
-                <a:gd name="connsiteX1" fmla="*/ 3597678 w 3597678"/>
-                <a:gd name="connsiteY1" fmla="*/ 0 h 1499991"/>
-                <a:gd name="connsiteX2" fmla="*/ 3597678 w 3597678"/>
-                <a:gd name="connsiteY2" fmla="*/ 1499991 h 1499991"/>
-                <a:gd name="connsiteX3" fmla="*/ 0 w 3597678"/>
-                <a:gd name="connsiteY3" fmla="*/ 1499991 h 1499991"/>
-                <a:gd name="connsiteX4" fmla="*/ 7610 w 3597678"/>
-                <a:gd name="connsiteY4" fmla="*/ 1450127 h 1499991"/>
-                <a:gd name="connsiteX5" fmla="*/ 1786859 w 3597678"/>
-                <a:gd name="connsiteY5" fmla="*/ 0 h 1499991"/>
-              </a:gdLst>
-              <a:ahLst/>
-              <a:cxnLst>
-                <a:cxn ang="0">
-                  <a:pos x="connsiteX0" y="connsiteY0"/>
-                </a:cxn>
-                <a:cxn ang="0">
-                  <a:pos x="connsiteX1" y="connsiteY1"/>
-                </a:cxn>
-                <a:cxn ang="0">
-                  <a:pos x="connsiteX2" y="connsiteY2"/>
-                </a:cxn>
-                <a:cxn ang="0">
-                  <a:pos x="connsiteX3" y="connsiteY3"/>
-                </a:cxn>
-                <a:cxn ang="0">
-                  <a:pos x="connsiteX4" y="connsiteY4"/>
-                </a:cxn>
-                <a:cxn ang="0">
-                  <a:pos x="connsiteX5" y="connsiteY5"/>
-                </a:cxn>
-              </a:cxnLst>
-              <a:rect l="l" t="t" r="r" b="b"/>
-              <a:pathLst>
-                <a:path w="3597678" h="1499991">
-                  <a:moveTo>
-                    <a:pt x="1786859" y="0"/>
-                  </a:moveTo>
-                  <a:lnTo>
-                    <a:pt x="3597678" y="0"/>
+                    <a:pt x="2833348" y="2736586"/>
                   </a:lnTo>
                   <a:lnTo>
-                    <a:pt x="3597678" y="1499991"/>
+                    <a:pt x="0" y="2736586"/>
                   </a:lnTo>
                   <a:lnTo>
-                    <a:pt x="0" y="1499991"/>
-                  </a:lnTo>
-                  <a:lnTo>
-                    <a:pt x="7610" y="1450127"/>
+                    <a:pt x="0" y="1635558"/>
                   </a:lnTo>
                   <a:cubicBezTo>
-                    <a:pt x="176957" y="622534"/>
-                    <a:pt x="909198" y="0"/>
-                    <a:pt x="1786859" y="0"/>
+                    <a:pt x="0" y="732255"/>
+                    <a:pt x="732254" y="0"/>
+                    <a:pt x="1635557" y="0"/>
                   </a:cubicBezTo>
                   <a:close/>
                 </a:path>
@@ -44352,16 +44102,17 @@
             <a:bodyPr rtlCol="0" anchor="ctr"/>
             <a:lstStyle/>
             <a:p>
-              <a:endParaRPr lang="en-US" dirty="0"/>
+              <a:pPr lvl="0"/>
+              <a:endParaRPr lang="en-US"/>
             </a:p>
           </p:txBody>
         </p:sp>
         <p:sp>
           <p:nvSpPr>
-            <p:cNvPr id="32" name="Graphic 9">
+            <p:cNvPr id="59" name="Freeform: Shape 58">
               <a:extLst>
                 <a:ext uri="{FF2B5EF4-FFF2-40B4-BE49-F238E27FC236}">
-                  <a16:creationId xmlns:a16="http://schemas.microsoft.com/office/drawing/2014/main" id="{A9C40B7C-C1CE-A816-F75C-25B6003200A3}"/>
+                  <a16:creationId xmlns:a16="http://schemas.microsoft.com/office/drawing/2014/main" id="{3F45B5D3-1E2D-41D8-9D96-ABC220F21569}"/>
                 </a:ext>
                 <a:ext uri="{C183D7F6-B498-43B3-948B-1728B52AA6E4}">
                   <adec:decorative xmlns:adec="http://schemas.microsoft.com/office/drawing/2017/decorative" val="1"/>
@@ -44379,8 +44130,151 @@
           </p:nvSpPr>
           <p:spPr>
             <a:xfrm>
-              <a:off x="8389791" y="1693710"/>
-              <a:ext cx="3496027" cy="3496025"/>
+              <a:off x="11764579" y="3404614"/>
+              <a:ext cx="436325" cy="1309674"/>
+            </a:xfrm>
+            <a:custGeom>
+              <a:avLst/>
+              <a:gdLst>
+                <a:gd name="connsiteX0" fmla="*/ 470325 w 477612"/>
+                <a:gd name="connsiteY0" fmla="*/ 0 h 1433600"/>
+                <a:gd name="connsiteX1" fmla="*/ 475607 w 477612"/>
+                <a:gd name="connsiteY1" fmla="*/ 3701 h 1433600"/>
+                <a:gd name="connsiteX2" fmla="*/ 477612 w 477612"/>
+                <a:gd name="connsiteY2" fmla="*/ 5160 h 1433600"/>
+                <a:gd name="connsiteX3" fmla="*/ 477612 w 477612"/>
+                <a:gd name="connsiteY3" fmla="*/ 1428441 h 1433600"/>
+                <a:gd name="connsiteX4" fmla="*/ 475607 w 477612"/>
+                <a:gd name="connsiteY4" fmla="*/ 1429900 h 1433600"/>
+                <a:gd name="connsiteX5" fmla="*/ 470325 w 477612"/>
+                <a:gd name="connsiteY5" fmla="*/ 1433600 h 1433600"/>
+                <a:gd name="connsiteX6" fmla="*/ 0 w 477612"/>
+                <a:gd name="connsiteY6" fmla="*/ 716800 h 1433600"/>
+                <a:gd name="connsiteX7" fmla="*/ 470325 w 477612"/>
+                <a:gd name="connsiteY7" fmla="*/ 0 h 1433600"/>
+              </a:gdLst>
+              <a:ahLst/>
+              <a:cxnLst>
+                <a:cxn ang="0">
+                  <a:pos x="connsiteX0" y="connsiteY0"/>
+                </a:cxn>
+                <a:cxn ang="0">
+                  <a:pos x="connsiteX1" y="connsiteY1"/>
+                </a:cxn>
+                <a:cxn ang="0">
+                  <a:pos x="connsiteX2" y="connsiteY2"/>
+                </a:cxn>
+                <a:cxn ang="0">
+                  <a:pos x="connsiteX3" y="connsiteY3"/>
+                </a:cxn>
+                <a:cxn ang="0">
+                  <a:pos x="connsiteX4" y="connsiteY4"/>
+                </a:cxn>
+                <a:cxn ang="0">
+                  <a:pos x="connsiteX5" y="connsiteY5"/>
+                </a:cxn>
+                <a:cxn ang="0">
+                  <a:pos x="connsiteX6" y="connsiteY6"/>
+                </a:cxn>
+                <a:cxn ang="0">
+                  <a:pos x="connsiteX7" y="connsiteY7"/>
+                </a:cxn>
+              </a:cxnLst>
+              <a:rect l="l" t="t" r="r" b="b"/>
+              <a:pathLst>
+                <a:path w="477612" h="1433600">
+                  <a:moveTo>
+                    <a:pt x="470325" y="0"/>
+                  </a:moveTo>
+                  <a:cubicBezTo>
+                    <a:pt x="470325" y="0"/>
+                    <a:pt x="472162" y="1254"/>
+                    <a:pt x="475607" y="3701"/>
+                  </a:cubicBezTo>
+                  <a:lnTo>
+                    <a:pt x="477612" y="5160"/>
+                  </a:lnTo>
+                  <a:lnTo>
+                    <a:pt x="477612" y="1428441"/>
+                  </a:lnTo>
+                  <a:lnTo>
+                    <a:pt x="475607" y="1429900"/>
+                  </a:lnTo>
+                  <a:cubicBezTo>
+                    <a:pt x="472162" y="1432347"/>
+                    <a:pt x="470325" y="1433600"/>
+                    <a:pt x="470325" y="1433600"/>
+                  </a:cubicBezTo>
+                  <a:cubicBezTo>
+                    <a:pt x="470325" y="1433600"/>
+                    <a:pt x="0" y="1112672"/>
+                    <a:pt x="0" y="716800"/>
+                  </a:cubicBezTo>
+                  <a:cubicBezTo>
+                    <a:pt x="0" y="320929"/>
+                    <a:pt x="470325" y="0"/>
+                    <a:pt x="470325" y="0"/>
+                  </a:cubicBezTo>
+                  <a:close/>
+                </a:path>
+              </a:pathLst>
+            </a:custGeom>
+            <a:pattFill prst="pct5">
+              <a:fgClr>
+                <a:schemeClr val="tx2">
+                  <a:lumMod val="75000"/>
+                  <a:lumOff val="25000"/>
+                </a:schemeClr>
+              </a:fgClr>
+              <a:bgClr>
+                <a:schemeClr val="accent1">
+                  <a:lumMod val="60000"/>
+                  <a:lumOff val="40000"/>
+                </a:schemeClr>
+              </a:bgClr>
+            </a:pattFill>
+            <a:ln w="9525" cap="flat">
+              <a:noFill/>
+              <a:prstDash val="solid"/>
+              <a:miter/>
+            </a:ln>
+          </p:spPr>
+          <p:txBody>
+            <a:bodyPr wrap="square" rtlCol="0" anchor="ctr">
+              <a:noAutofit/>
+            </a:bodyPr>
+            <a:lstStyle/>
+            <a:p>
+              <a:pPr lvl="0"/>
+              <a:endParaRPr lang="en-US" dirty="0"/>
+            </a:p>
+          </p:txBody>
+        </p:sp>
+        <p:sp>
+          <p:nvSpPr>
+            <p:cNvPr id="60" name="Graphic 9">
+              <a:extLst>
+                <a:ext uri="{FF2B5EF4-FFF2-40B4-BE49-F238E27FC236}">
+                  <a16:creationId xmlns:a16="http://schemas.microsoft.com/office/drawing/2014/main" id="{BB3C8A82-EA4E-4E28-9541-B5155E32BDC7}"/>
+                </a:ext>
+                <a:ext uri="{C183D7F6-B498-43B3-948B-1728B52AA6E4}">
+                  <adec:decorative xmlns:adec="http://schemas.microsoft.com/office/drawing/2017/decorative" val="1"/>
+                </a:ext>
+              </a:extLst>
+            </p:cNvPr>
+            <p:cNvSpPr/>
+            <p:nvPr>
+              <p:extLst>
+                <p:ext uri="{386F3935-93C4-4BCD-93E2-E3B085C9AB24}">
+                  <p16:designElem xmlns:p16="http://schemas.microsoft.com/office/powerpoint/2015/main" val="1"/>
+                </p:ext>
+              </p:extLst>
+            </p:nvPr>
+          </p:nvSpPr>
+          <p:spPr>
+            <a:xfrm>
+              <a:off x="7739089" y="-3532"/>
+              <a:ext cx="3875603" cy="3875603"/>
             </a:xfrm>
             <a:custGeom>
               <a:avLst/>
@@ -44457,12 +44351,139 @@
               </a:pathLst>
             </a:custGeom>
             <a:solidFill>
-              <a:srgbClr val="FFFFFF"/>
+              <a:schemeClr val="accent1">
+                <a:alpha val="60000"/>
+              </a:schemeClr>
             </a:solidFill>
-            <a:ln w="38100" cap="flat">
-              <a:solidFill>
-                <a:srgbClr val="F7F7F7"/>
-              </a:solidFill>
+            <a:ln w="9331" cap="flat">
+              <a:noFill/>
+              <a:prstDash val="solid"/>
+              <a:miter/>
+            </a:ln>
+          </p:spPr>
+          <p:txBody>
+            <a:bodyPr rtlCol="0" anchor="ctr"/>
+            <a:lstStyle/>
+            <a:p>
+              <a:endParaRPr lang="en-US"/>
+            </a:p>
+          </p:txBody>
+        </p:sp>
+        <p:sp>
+          <p:nvSpPr>
+            <p:cNvPr id="61" name="Graphic 9">
+              <a:extLst>
+                <a:ext uri="{FF2B5EF4-FFF2-40B4-BE49-F238E27FC236}">
+                  <a16:creationId xmlns:a16="http://schemas.microsoft.com/office/drawing/2014/main" id="{C65AC3E4-8626-485D-8F38-A6197D41CA09}"/>
+                </a:ext>
+                <a:ext uri="{C183D7F6-B498-43B3-948B-1728B52AA6E4}">
+                  <adec:decorative xmlns:adec="http://schemas.microsoft.com/office/drawing/2017/decorative" val="1"/>
+                </a:ext>
+              </a:extLst>
+            </p:cNvPr>
+            <p:cNvSpPr/>
+            <p:nvPr>
+              <p:extLst>
+                <p:ext uri="{386F3935-93C4-4BCD-93E2-E3B085C9AB24}">
+                  <p16:designElem xmlns:p16="http://schemas.microsoft.com/office/powerpoint/2015/main" val="1"/>
+                </p:ext>
+              </p:extLst>
+            </p:nvPr>
+          </p:nvSpPr>
+          <p:spPr>
+            <a:xfrm>
+              <a:off x="7931792" y="168275"/>
+              <a:ext cx="3499104" cy="3499104"/>
+            </a:xfrm>
+            <a:custGeom>
+              <a:avLst/>
+              <a:gdLst>
+                <a:gd name="connsiteX0" fmla="*/ 6861546 w 6861545"/>
+                <a:gd name="connsiteY0" fmla="*/ 6861546 h 6861545"/>
+                <a:gd name="connsiteX1" fmla="*/ 3435812 w 6861545"/>
+                <a:gd name="connsiteY1" fmla="*/ 6861546 h 6861545"/>
+                <a:gd name="connsiteX2" fmla="*/ 0 w 6861545"/>
+                <a:gd name="connsiteY2" fmla="*/ 3425734 h 6861545"/>
+                <a:gd name="connsiteX3" fmla="*/ 0 w 6861545"/>
+                <a:gd name="connsiteY3" fmla="*/ 0 h 6861545"/>
+                <a:gd name="connsiteX4" fmla="*/ 3425734 w 6861545"/>
+                <a:gd name="connsiteY4" fmla="*/ 0 h 6861545"/>
+                <a:gd name="connsiteX5" fmla="*/ 6861546 w 6861545"/>
+                <a:gd name="connsiteY5" fmla="*/ 3435812 h 6861545"/>
+                <a:gd name="connsiteX6" fmla="*/ 6861546 w 6861545"/>
+                <a:gd name="connsiteY6" fmla="*/ 6861546 h 6861545"/>
+              </a:gdLst>
+              <a:ahLst/>
+              <a:cxnLst>
+                <a:cxn ang="0">
+                  <a:pos x="connsiteX0" y="connsiteY0"/>
+                </a:cxn>
+                <a:cxn ang="0">
+                  <a:pos x="connsiteX1" y="connsiteY1"/>
+                </a:cxn>
+                <a:cxn ang="0">
+                  <a:pos x="connsiteX2" y="connsiteY2"/>
+                </a:cxn>
+                <a:cxn ang="0">
+                  <a:pos x="connsiteX3" y="connsiteY3"/>
+                </a:cxn>
+                <a:cxn ang="0">
+                  <a:pos x="connsiteX4" y="connsiteY4"/>
+                </a:cxn>
+                <a:cxn ang="0">
+                  <a:pos x="connsiteX5" y="connsiteY5"/>
+                </a:cxn>
+                <a:cxn ang="0">
+                  <a:pos x="connsiteX6" y="connsiteY6"/>
+                </a:cxn>
+              </a:cxnLst>
+              <a:rect l="l" t="t" r="r" b="b"/>
+              <a:pathLst>
+                <a:path w="6861545" h="6861545">
+                  <a:moveTo>
+                    <a:pt x="6861546" y="6861546"/>
+                  </a:moveTo>
+                  <a:lnTo>
+                    <a:pt x="3435812" y="6861546"/>
+                  </a:lnTo>
+                  <a:cubicBezTo>
+                    <a:pt x="1538245" y="6861546"/>
+                    <a:pt x="0" y="5323301"/>
+                    <a:pt x="0" y="3425734"/>
+                  </a:cubicBezTo>
+                  <a:lnTo>
+                    <a:pt x="0" y="0"/>
+                  </a:lnTo>
+                  <a:lnTo>
+                    <a:pt x="3425734" y="0"/>
+                  </a:lnTo>
+                  <a:cubicBezTo>
+                    <a:pt x="5323301" y="0"/>
+                    <a:pt x="6861546" y="1538245"/>
+                    <a:pt x="6861546" y="3435812"/>
+                  </a:cubicBezTo>
+                  <a:lnTo>
+                    <a:pt x="6861546" y="6861546"/>
+                  </a:lnTo>
+                  <a:close/>
+                </a:path>
+              </a:pathLst>
+            </a:custGeom>
+            <a:pattFill prst="pct5">
+              <a:fgClr>
+                <a:schemeClr val="accent4">
+                  <a:lumMod val="60000"/>
+                  <a:lumOff val="40000"/>
+                </a:schemeClr>
+              </a:fgClr>
+              <a:bgClr>
+                <a:schemeClr val="accent1">
+                  <a:lumMod val="75000"/>
+                </a:schemeClr>
+              </a:bgClr>
+            </a:pattFill>
+            <a:ln w="9525" cap="flat">
+              <a:noFill/>
               <a:prstDash val="solid"/>
               <a:miter/>
             </a:ln>
@@ -44478,10 +44499,10 @@
       </p:grpSp>
       <p:sp>
         <p:nvSpPr>
-          <p:cNvPr id="34" name="Texture">
+          <p:cNvPr id="63" name="Texture">
             <a:extLst>
               <a:ext uri="{FF2B5EF4-FFF2-40B4-BE49-F238E27FC236}">
-                <a16:creationId xmlns:a16="http://schemas.microsoft.com/office/drawing/2014/main" id="{9FE13A22-C729-22B4-4803-3867F3481C11}"/>
+                <a16:creationId xmlns:a16="http://schemas.microsoft.com/office/drawing/2014/main" id="{5373211B-420C-4BF9-81EE-37671F101EEF}"/>
               </a:ext>
               <a:ext uri="{C183D7F6-B498-43B3-948B-1728B52AA6E4}">
                 <adec:decorative xmlns:adec="http://schemas.microsoft.com/office/drawing/2017/decorative" val="1"/>
@@ -44546,63 +44567,111 @@
         </p:nvSpPr>
         <p:spPr>
           <a:xfrm>
-            <a:off x="129653" y="2489571"/>
-            <a:ext cx="8104995" cy="1878858"/>
+            <a:off x="550290" y="2057510"/>
+            <a:ext cx="7092448" cy="2742980"/>
           </a:xfrm>
         </p:spPr>
         <p:txBody>
           <a:bodyPr vert="horz" lIns="91440" tIns="45720" rIns="91440" bIns="45720" rtlCol="0" anchor="b">
-            <a:normAutofit fontScale="90000"/>
+            <a:normAutofit/>
           </a:bodyPr>
           <a:lstStyle/>
           <a:p>
             <a:r>
-              <a:rPr lang="cs-CZ" dirty="0"/>
-              <a:t>2. Jak bys na svém webu zajistil pro uživatele možnost přejmenování souboru či adresáře?</a:t>
-            </a:r>
-            <a:endParaRPr lang="en-US" dirty="0"/>
+              <a:rPr lang="en-US" sz="4600" dirty="0"/>
+              <a:t>2. Jak </a:t>
+            </a:r>
+            <a:r>
+              <a:rPr lang="en-US" sz="4600" dirty="0" err="1"/>
+              <a:t>bys</a:t>
+            </a:r>
+            <a:r>
+              <a:rPr lang="en-US" sz="4600" dirty="0"/>
+              <a:t> </a:t>
+            </a:r>
+            <a:r>
+              <a:rPr lang="en-US" sz="4600" dirty="0" err="1"/>
+              <a:t>na</a:t>
+            </a:r>
+            <a:r>
+              <a:rPr lang="en-US" sz="4600" dirty="0"/>
+              <a:t> </a:t>
+            </a:r>
+            <a:r>
+              <a:rPr lang="en-US" sz="4600" dirty="0" err="1"/>
+              <a:t>svém</a:t>
+            </a:r>
+            <a:r>
+              <a:rPr lang="en-US" sz="4600" dirty="0"/>
+              <a:t> </a:t>
+            </a:r>
+            <a:r>
+              <a:rPr lang="en-US" sz="4600" dirty="0" err="1"/>
+              <a:t>webu</a:t>
+            </a:r>
+            <a:r>
+              <a:rPr lang="en-US" sz="4600" dirty="0"/>
+              <a:t> </a:t>
+            </a:r>
+            <a:r>
+              <a:rPr lang="en-US" sz="4600" dirty="0" err="1"/>
+              <a:t>zajistil</a:t>
+            </a:r>
+            <a:r>
+              <a:rPr lang="en-US" sz="4600" dirty="0"/>
+              <a:t> pro </a:t>
+            </a:r>
+            <a:r>
+              <a:rPr lang="en-US" sz="4600" dirty="0" err="1"/>
+              <a:t>uživatele</a:t>
+            </a:r>
+            <a:r>
+              <a:rPr lang="en-US" sz="4600" dirty="0"/>
+              <a:t> </a:t>
+            </a:r>
+            <a:r>
+              <a:rPr lang="en-US" sz="4600" dirty="0" err="1"/>
+              <a:t>možnost</a:t>
+            </a:r>
+            <a:r>
+              <a:rPr lang="en-US" sz="4600" dirty="0"/>
+              <a:t> </a:t>
+            </a:r>
+            <a:r>
+              <a:rPr lang="en-US" sz="4600" dirty="0" err="1"/>
+              <a:t>přejmenování</a:t>
+            </a:r>
+            <a:r>
+              <a:rPr lang="en-US" sz="4600" dirty="0"/>
+              <a:t> </a:t>
+            </a:r>
+            <a:r>
+              <a:rPr lang="en-US" sz="4600" dirty="0" err="1"/>
+              <a:t>souboru</a:t>
+            </a:r>
+            <a:r>
+              <a:rPr lang="en-US" sz="4600" dirty="0"/>
+              <a:t> </a:t>
+            </a:r>
+            <a:r>
+              <a:rPr lang="en-US" sz="4600" dirty="0" err="1"/>
+              <a:t>či</a:t>
+            </a:r>
+            <a:r>
+              <a:rPr lang="en-US" sz="4600" dirty="0"/>
+              <a:t> </a:t>
+            </a:r>
+            <a:r>
+              <a:rPr lang="en-US" sz="4600" dirty="0" err="1"/>
+              <a:t>adresáře</a:t>
+            </a:r>
+            <a:r>
+              <a:rPr lang="en-US" sz="4600" dirty="0"/>
+              <a:t>?</a:t>
+            </a:r>
           </a:p>
         </p:txBody>
       </p:sp>
-      <p:pic>
-        <p:nvPicPr>
-          <p:cNvPr id="6" name="Graphic 5" descr="Zámek">
-            <a:extLst>
-              <a:ext uri="{FF2B5EF4-FFF2-40B4-BE49-F238E27FC236}">
-                <a16:creationId xmlns:a16="http://schemas.microsoft.com/office/drawing/2014/main" id="{20B9D66F-0F47-29AA-48D6-40957B058A1B}"/>
-              </a:ext>
-            </a:extLst>
-          </p:cNvPr>
-          <p:cNvPicPr>
-            <a:picLocks noChangeAspect="1"/>
-          </p:cNvPicPr>
-          <p:nvPr/>
-        </p:nvPicPr>
-        <p:blipFill>
-          <a:blip r:embed="rId3">
-            <a:extLst>
-              <a:ext uri="{28A0092B-C50C-407E-A947-70E740481C1C}">
-                <a14:useLocalDpi xmlns:a14="http://schemas.microsoft.com/office/drawing/2010/main" val="0"/>
-              </a:ext>
-              <a:ext uri="{96DAC541-7B7A-43D3-8B79-37D633B846F1}">
-                <asvg:svgBlip xmlns:asvg="http://schemas.microsoft.com/office/drawing/2016/SVG/main" r:embed="rId4"/>
-              </a:ext>
-            </a:extLst>
-          </a:blip>
-          <a:stretch>
-            <a:fillRect/>
-          </a:stretch>
-        </p:blipFill>
-        <p:spPr>
-          <a:xfrm>
-            <a:off x="8891720" y="2251775"/>
-            <a:ext cx="2398656" cy="2398656"/>
-          </a:xfrm>
-          <a:prstGeom prst="rect">
-            <a:avLst/>
-          </a:prstGeom>
-        </p:spPr>
-      </p:pic>
     </p:spTree>
     <p:extLst>
       <p:ext uri="{BB962C8B-B14F-4D97-AF65-F5344CB8AC3E}">
@@ -44632,7 +44701,7 @@
         <p:cNvPr id="1" name="">
           <a:extLst>
             <a:ext uri="{FF2B5EF4-FFF2-40B4-BE49-F238E27FC236}">
-              <a16:creationId xmlns:a16="http://schemas.microsoft.com/office/drawing/2014/main" id="{1EC1C830-1D2E-476E-544F-7BD3999A1051}"/>
+              <a16:creationId xmlns:a16="http://schemas.microsoft.com/office/drawing/2014/main" id="{DFDC7574-4C8E-91D9-4A46-98F6D707F18C}"/>
             </a:ext>
           </a:extLst>
         </p:cNvPr>
@@ -44649,10 +44718,10 @@
       </p:grpSpPr>
       <p:sp useBgFill="1">
         <p:nvSpPr>
-          <p:cNvPr id="9" name="Rectangle 8">
+          <p:cNvPr id="39" name="Rectangle 38">
             <a:extLst>
               <a:ext uri="{FF2B5EF4-FFF2-40B4-BE49-F238E27FC236}">
-                <a16:creationId xmlns:a16="http://schemas.microsoft.com/office/drawing/2014/main" id="{19BDE3DE-A894-ED93-C663-5E48FFA921CB}"/>
+                <a16:creationId xmlns:a16="http://schemas.microsoft.com/office/drawing/2014/main" id="{4D7F1266-C2FF-F276-8A70-27FAAB6336C4}"/>
               </a:ext>
               <a:ext uri="{C183D7F6-B498-43B3-948B-1728B52AA6E4}">
                 <adec:decorative xmlns:adec="http://schemas.microsoft.com/office/drawing/2017/decorative" val="1"/>
@@ -44698,10 +44767,10 @@
       </p:sp>
       <p:sp>
         <p:nvSpPr>
-          <p:cNvPr id="11" name="Color Fill">
+          <p:cNvPr id="41" name="Color Fill">
             <a:extLst>
               <a:ext uri="{FF2B5EF4-FFF2-40B4-BE49-F238E27FC236}">
-                <a16:creationId xmlns:a16="http://schemas.microsoft.com/office/drawing/2014/main" id="{AC21D951-8ECB-33B7-7547-C47D634A1DD3}"/>
+                <a16:creationId xmlns:a16="http://schemas.microsoft.com/office/drawing/2014/main" id="{E074FE38-B2AC-AB60-E3DF-7554E5277995}"/>
               </a:ext>
               <a:ext uri="{C183D7F6-B498-43B3-948B-1728B52AA6E4}">
                 <adec:decorative xmlns:adec="http://schemas.microsoft.com/office/drawing/2017/decorative" val="1"/>
@@ -44757,10 +44826,10 @@
       </p:sp>
       <p:grpSp>
         <p:nvGrpSpPr>
-          <p:cNvPr id="13" name="Group 12">
+          <p:cNvPr id="43" name="Group 42">
             <a:extLst>
               <a:ext uri="{FF2B5EF4-FFF2-40B4-BE49-F238E27FC236}">
-                <a16:creationId xmlns:a16="http://schemas.microsoft.com/office/drawing/2014/main" id="{DE41F54D-F2BF-D970-AF38-9985438E3B30}"/>
+                <a16:creationId xmlns:a16="http://schemas.microsoft.com/office/drawing/2014/main" id="{41CE3AC6-4299-486B-5930-80196DF62318}"/>
               </a:ext>
               <a:ext uri="{C183D7F6-B498-43B3-948B-1728B52AA6E4}">
                 <adec:decorative xmlns:adec="http://schemas.microsoft.com/office/drawing/2017/decorative" val="1"/>
@@ -44788,10 +44857,10 @@
         </p:grpSpPr>
         <p:sp>
           <p:nvSpPr>
-            <p:cNvPr id="14" name="Oval 13">
+            <p:cNvPr id="44" name="Oval 43">
               <a:extLst>
                 <a:ext uri="{FF2B5EF4-FFF2-40B4-BE49-F238E27FC236}">
-                  <a16:creationId xmlns:a16="http://schemas.microsoft.com/office/drawing/2014/main" id="{D6439CD7-B635-B717-0D4B-D27925B9AC7D}"/>
+                  <a16:creationId xmlns:a16="http://schemas.microsoft.com/office/drawing/2014/main" id="{D98B77F3-897C-2F85-F3FA-11E1CADFF0BC}"/>
                 </a:ext>
                 <a:ext uri="{C183D7F6-B498-43B3-948B-1728B52AA6E4}">
                   <adec:decorative xmlns:adec="http://schemas.microsoft.com/office/drawing/2017/decorative" val="1"/>
@@ -44849,10 +44918,10 @@
         </p:sp>
         <p:sp>
           <p:nvSpPr>
-            <p:cNvPr id="15" name="Freeform: Shape 14">
+            <p:cNvPr id="45" name="Freeform: Shape 44">
               <a:extLst>
                 <a:ext uri="{FF2B5EF4-FFF2-40B4-BE49-F238E27FC236}">
-                  <a16:creationId xmlns:a16="http://schemas.microsoft.com/office/drawing/2014/main" id="{936F8EA7-2BD9-2D6F-D0B0-80B8EE746763}"/>
+                  <a16:creationId xmlns:a16="http://schemas.microsoft.com/office/drawing/2014/main" id="{7C2191D7-5615-D116-0660-A49BD5E07D56}"/>
                 </a:ext>
                 <a:ext uri="{C183D7F6-B498-43B3-948B-1728B52AA6E4}">
                   <adec:decorative xmlns:adec="http://schemas.microsoft.com/office/drawing/2017/decorative" val="1"/>
@@ -44953,10 +45022,10 @@
         </p:sp>
         <p:sp>
           <p:nvSpPr>
-            <p:cNvPr id="16" name="Freeform: Shape 15">
+            <p:cNvPr id="46" name="Freeform: Shape 45">
               <a:extLst>
                 <a:ext uri="{FF2B5EF4-FFF2-40B4-BE49-F238E27FC236}">
-                  <a16:creationId xmlns:a16="http://schemas.microsoft.com/office/drawing/2014/main" id="{50D5C342-E29E-9B4A-9F1B-E59F5C5B1293}"/>
+                  <a16:creationId xmlns:a16="http://schemas.microsoft.com/office/drawing/2014/main" id="{FFD425BC-1ED3-D588-0776-C66F942B0EAD}"/>
                 </a:ext>
                 <a:ext uri="{C183D7F6-B498-43B3-948B-1728B52AA6E4}">
                   <adec:decorative xmlns:adec="http://schemas.microsoft.com/office/drawing/2017/decorative" val="1"/>
@@ -45083,10 +45152,10 @@
         </p:sp>
         <p:sp>
           <p:nvSpPr>
-            <p:cNvPr id="17" name="Freeform: Shape 16">
+            <p:cNvPr id="47" name="Freeform: Shape 46">
               <a:extLst>
                 <a:ext uri="{FF2B5EF4-FFF2-40B4-BE49-F238E27FC236}">
-                  <a16:creationId xmlns:a16="http://schemas.microsoft.com/office/drawing/2014/main" id="{E0EA999B-DC13-B980-638C-47391E18964A}"/>
+                  <a16:creationId xmlns:a16="http://schemas.microsoft.com/office/drawing/2014/main" id="{46636E11-0803-361E-F5D3-510D924FA71F}"/>
                 </a:ext>
                 <a:ext uri="{C183D7F6-B498-43B3-948B-1728B52AA6E4}">
                   <adec:decorative xmlns:adec="http://schemas.microsoft.com/office/drawing/2017/decorative" val="1"/>
@@ -45224,10 +45293,10 @@
         </p:sp>
         <p:sp>
           <p:nvSpPr>
-            <p:cNvPr id="18" name="Graphic 9">
+            <p:cNvPr id="48" name="Graphic 9">
               <a:extLst>
                 <a:ext uri="{FF2B5EF4-FFF2-40B4-BE49-F238E27FC236}">
-                  <a16:creationId xmlns:a16="http://schemas.microsoft.com/office/drawing/2014/main" id="{DD480C47-ECAD-E8D2-6ADE-9BCD88CEB5E3}"/>
+                  <a16:creationId xmlns:a16="http://schemas.microsoft.com/office/drawing/2014/main" id="{1C2C7003-66B3-8F50-E933-47AAAE7BD306}"/>
                 </a:ext>
                 <a:ext uri="{C183D7F6-B498-43B3-948B-1728B52AA6E4}">
                   <adec:decorative xmlns:adec="http://schemas.microsoft.com/office/drawing/2017/decorative" val="1"/>
@@ -45353,10 +45422,10 @@
       </p:grpSp>
       <p:sp>
         <p:nvSpPr>
-          <p:cNvPr id="20" name="Texture">
+          <p:cNvPr id="50" name="Texture">
             <a:extLst>
               <a:ext uri="{FF2B5EF4-FFF2-40B4-BE49-F238E27FC236}">
-                <a16:creationId xmlns:a16="http://schemas.microsoft.com/office/drawing/2014/main" id="{CFB0CBFD-2065-2A92-971E-FED8B260F4DC}"/>
+                <a16:creationId xmlns:a16="http://schemas.microsoft.com/office/drawing/2014/main" id="{113CF6F0-5468-433A-1B59-54BD506AA269}"/>
               </a:ext>
               <a:ext uri="{C183D7F6-B498-43B3-948B-1728B52AA6E4}">
                 <adec:decorative xmlns:adec="http://schemas.microsoft.com/office/drawing/2017/decorative" val="1"/>
@@ -45405,10 +45474,10 @@
       </p:sp>
       <p:sp useBgFill="1">
         <p:nvSpPr>
-          <p:cNvPr id="22" name="Background Fill">
+          <p:cNvPr id="52" name="Background Fill">
             <a:extLst>
               <a:ext uri="{FF2B5EF4-FFF2-40B4-BE49-F238E27FC236}">
-                <a16:creationId xmlns:a16="http://schemas.microsoft.com/office/drawing/2014/main" id="{DB369AD4-CD7C-4D8C-83CA-BDA00D4AF83E}"/>
+                <a16:creationId xmlns:a16="http://schemas.microsoft.com/office/drawing/2014/main" id="{5697656B-ACC0-0942-6259-064F1BFB9047}"/>
               </a:ext>
               <a:ext uri="{C183D7F6-B498-43B3-948B-1728B52AA6E4}">
                 <adec:decorative xmlns:adec="http://schemas.microsoft.com/office/drawing/2017/decorative" val="1"/>
@@ -45454,10 +45523,1797 @@
       </p:sp>
       <p:sp>
         <p:nvSpPr>
-          <p:cNvPr id="24" name="Color Fill">
+          <p:cNvPr id="54" name="Color Fill">
             <a:extLst>
               <a:ext uri="{FF2B5EF4-FFF2-40B4-BE49-F238E27FC236}">
-                <a16:creationId xmlns:a16="http://schemas.microsoft.com/office/drawing/2014/main" id="{979C1424-2006-5F62-75E6-E836BCB9BD72}"/>
+                <a16:creationId xmlns:a16="http://schemas.microsoft.com/office/drawing/2014/main" id="{1F2D2970-3A7C-0525-5456-8EAC11E56C93}"/>
+              </a:ext>
+              <a:ext uri="{C183D7F6-B498-43B3-948B-1728B52AA6E4}">
+                <adec:decorative xmlns:adec="http://schemas.microsoft.com/office/drawing/2017/decorative" val="1"/>
+              </a:ext>
+            </a:extLst>
+          </p:cNvPr>
+          <p:cNvSpPr>
+            <a:spLocks noGrp="1" noRot="1" noChangeAspect="1" noMove="1" noResize="1" noEditPoints="1" noAdjustHandles="1" noChangeArrowheads="1" noChangeShapeType="1" noTextEdit="1"/>
+          </p:cNvSpPr>
+          <p:nvPr>
+            <p:extLst>
+              <p:ext uri="{386F3935-93C4-4BCD-93E2-E3B085C9AB24}">
+                <p16:designElem xmlns:p16="http://schemas.microsoft.com/office/powerpoint/2015/main" val="1"/>
+              </p:ext>
+            </p:extLst>
+          </p:nvPr>
+        </p:nvSpPr>
+        <p:spPr>
+          <a:xfrm>
+            <a:off x="11952" y="0"/>
+            <a:ext cx="12188952" cy="6858000"/>
+          </a:xfrm>
+          <a:prstGeom prst="rect">
+            <a:avLst/>
+          </a:prstGeom>
+          <a:solidFill>
+            <a:schemeClr val="bg2">
+              <a:lumMod val="75000"/>
+              <a:lumOff val="25000"/>
+              <a:alpha val="40000"/>
+            </a:schemeClr>
+          </a:solidFill>
+          <a:ln w="9525" cap="flat">
+            <a:noFill/>
+            <a:prstDash val="solid"/>
+            <a:miter/>
+          </a:ln>
+        </p:spPr>
+        <p:txBody>
+          <a:bodyPr rtlCol="0" anchor="ctr"/>
+          <a:lstStyle/>
+          <a:p>
+            <a:endParaRPr lang="en-US" dirty="0">
+              <a:solidFill>
+                <a:schemeClr val="bg2">
+                  <a:lumMod val="75000"/>
+                  <a:lumOff val="25000"/>
+                </a:schemeClr>
+              </a:solidFill>
+            </a:endParaRPr>
+          </a:p>
+        </p:txBody>
+      </p:sp>
+      <p:grpSp>
+        <p:nvGrpSpPr>
+          <p:cNvPr id="56" name="Group 55">
+            <a:extLst>
+              <a:ext uri="{FF2B5EF4-FFF2-40B4-BE49-F238E27FC236}">
+                <a16:creationId xmlns:a16="http://schemas.microsoft.com/office/drawing/2014/main" id="{C3A71838-0AC2-713B-4071-903B432A62BB}"/>
+              </a:ext>
+              <a:ext uri="{C183D7F6-B498-43B3-948B-1728B52AA6E4}">
+                <adec:decorative xmlns:adec="http://schemas.microsoft.com/office/drawing/2017/decorative" val="1"/>
+              </a:ext>
+            </a:extLst>
+          </p:cNvPr>
+          <p:cNvGrpSpPr>
+            <a:grpSpLocks noGrp="1" noUngrp="1" noRot="1" noChangeAspect="1" noMove="1" noResize="1"/>
+          </p:cNvGrpSpPr>
+          <p:nvPr>
+            <p:extLst>
+              <p:ext uri="{386F3935-93C4-4BCD-93E2-E3B085C9AB24}">
+                <p16:designElem xmlns:p16="http://schemas.microsoft.com/office/powerpoint/2015/main" val="1"/>
+              </p:ext>
+            </p:extLst>
+          </p:nvPr>
+        </p:nvGrpSpPr>
+        <p:grpSpPr>
+          <a:xfrm>
+            <a:off x="7739089" y="-3532"/>
+            <a:ext cx="4461815" cy="6861532"/>
+            <a:chOff x="7739089" y="-3532"/>
+            <a:chExt cx="4461815" cy="6861532"/>
+          </a:xfrm>
+        </p:grpSpPr>
+        <p:sp>
+          <p:nvSpPr>
+            <p:cNvPr id="57" name="Oval 56">
+              <a:extLst>
+                <a:ext uri="{FF2B5EF4-FFF2-40B4-BE49-F238E27FC236}">
+                  <a16:creationId xmlns:a16="http://schemas.microsoft.com/office/drawing/2014/main" id="{E10C68A6-A44F-5877-2647-0522BB3A5281}"/>
+                </a:ext>
+                <a:ext uri="{C183D7F6-B498-43B3-948B-1728B52AA6E4}">
+                  <adec:decorative xmlns:adec="http://schemas.microsoft.com/office/drawing/2017/decorative" val="1"/>
+                </a:ext>
+              </a:extLst>
+            </p:cNvPr>
+            <p:cNvSpPr/>
+            <p:nvPr>
+              <p:extLst>
+                <p:ext uri="{386F3935-93C4-4BCD-93E2-E3B085C9AB24}">
+                  <p16:designElem xmlns:p16="http://schemas.microsoft.com/office/powerpoint/2015/main" val="1"/>
+                </p:ext>
+              </p:extLst>
+            </p:nvPr>
+          </p:nvSpPr>
+          <p:spPr>
+            <a:xfrm>
+              <a:off x="8907984" y="4121414"/>
+              <a:ext cx="514757" cy="516940"/>
+            </a:xfrm>
+            <a:prstGeom prst="ellipse">
+              <a:avLst/>
+            </a:prstGeom>
+            <a:solidFill>
+              <a:schemeClr val="accent3">
+                <a:lumMod val="60000"/>
+                <a:lumOff val="40000"/>
+              </a:schemeClr>
+            </a:solidFill>
+            <a:ln>
+              <a:noFill/>
+            </a:ln>
+          </p:spPr>
+          <p:style>
+            <a:lnRef idx="2">
+              <a:schemeClr val="accent1">
+                <a:shade val="50000"/>
+              </a:schemeClr>
+            </a:lnRef>
+            <a:fillRef idx="1">
+              <a:schemeClr val="accent1"/>
+            </a:fillRef>
+            <a:effectRef idx="0">
+              <a:schemeClr val="accent1"/>
+            </a:effectRef>
+            <a:fontRef idx="minor">
+              <a:schemeClr val="lt1"/>
+            </a:fontRef>
+          </p:style>
+          <p:txBody>
+            <a:bodyPr rtlCol="0" anchor="ctr"/>
+            <a:lstStyle/>
+            <a:p>
+              <a:pPr lvl="0" algn="ctr"/>
+              <a:endParaRPr lang="en-US" dirty="0"/>
+            </a:p>
+          </p:txBody>
+        </p:sp>
+        <p:sp>
+          <p:nvSpPr>
+            <p:cNvPr id="58" name="Freeform: Shape 57">
+              <a:extLst>
+                <a:ext uri="{FF2B5EF4-FFF2-40B4-BE49-F238E27FC236}">
+                  <a16:creationId xmlns:a16="http://schemas.microsoft.com/office/drawing/2014/main" id="{3504CF15-51B4-0231-F4C1-DF29C3D4190D}"/>
+                </a:ext>
+                <a:ext uri="{C183D7F6-B498-43B3-948B-1728B52AA6E4}">
+                  <adec:decorative xmlns:adec="http://schemas.microsoft.com/office/drawing/2017/decorative" val="1"/>
+                </a:ext>
+              </a:extLst>
+            </p:cNvPr>
+            <p:cNvSpPr/>
+            <p:nvPr>
+              <p:extLst>
+                <p:ext uri="{386F3935-93C4-4BCD-93E2-E3B085C9AB24}">
+                  <p16:designElem xmlns:p16="http://schemas.microsoft.com/office/powerpoint/2015/main" val="1"/>
+                </p:ext>
+              </p:extLst>
+            </p:nvPr>
+          </p:nvSpPr>
+          <p:spPr>
+            <a:xfrm>
+              <a:off x="8348375" y="4121414"/>
+              <a:ext cx="3266317" cy="2736586"/>
+            </a:xfrm>
+            <a:custGeom>
+              <a:avLst/>
+              <a:gdLst>
+                <a:gd name="connsiteX0" fmla="*/ 1635557 w 3266317"/>
+                <a:gd name="connsiteY0" fmla="*/ 0 h 2736586"/>
+                <a:gd name="connsiteX1" fmla="*/ 3266317 w 3266317"/>
+                <a:gd name="connsiteY1" fmla="*/ 0 h 2736586"/>
+                <a:gd name="connsiteX2" fmla="*/ 3266317 w 3266317"/>
+                <a:gd name="connsiteY2" fmla="*/ 1630760 h 2736586"/>
+                <a:gd name="connsiteX3" fmla="*/ 2892838 w 3266317"/>
+                <a:gd name="connsiteY3" fmla="*/ 2671131 h 2736586"/>
+                <a:gd name="connsiteX4" fmla="*/ 2833348 w 3266317"/>
+                <a:gd name="connsiteY4" fmla="*/ 2736586 h 2736586"/>
+                <a:gd name="connsiteX5" fmla="*/ 0 w 3266317"/>
+                <a:gd name="connsiteY5" fmla="*/ 2736586 h 2736586"/>
+                <a:gd name="connsiteX6" fmla="*/ 0 w 3266317"/>
+                <a:gd name="connsiteY6" fmla="*/ 1635558 h 2736586"/>
+                <a:gd name="connsiteX7" fmla="*/ 1635557 w 3266317"/>
+                <a:gd name="connsiteY7" fmla="*/ 0 h 2736586"/>
+              </a:gdLst>
+              <a:ahLst/>
+              <a:cxnLst>
+                <a:cxn ang="0">
+                  <a:pos x="connsiteX0" y="connsiteY0"/>
+                </a:cxn>
+                <a:cxn ang="0">
+                  <a:pos x="connsiteX1" y="connsiteY1"/>
+                </a:cxn>
+                <a:cxn ang="0">
+                  <a:pos x="connsiteX2" y="connsiteY2"/>
+                </a:cxn>
+                <a:cxn ang="0">
+                  <a:pos x="connsiteX3" y="connsiteY3"/>
+                </a:cxn>
+                <a:cxn ang="0">
+                  <a:pos x="connsiteX4" y="connsiteY4"/>
+                </a:cxn>
+                <a:cxn ang="0">
+                  <a:pos x="connsiteX5" y="connsiteY5"/>
+                </a:cxn>
+                <a:cxn ang="0">
+                  <a:pos x="connsiteX6" y="connsiteY6"/>
+                </a:cxn>
+                <a:cxn ang="0">
+                  <a:pos x="connsiteX7" y="connsiteY7"/>
+                </a:cxn>
+              </a:cxnLst>
+              <a:rect l="l" t="t" r="r" b="b"/>
+              <a:pathLst>
+                <a:path w="3266317" h="2736586">
+                  <a:moveTo>
+                    <a:pt x="1635557" y="0"/>
+                  </a:moveTo>
+                  <a:lnTo>
+                    <a:pt x="3266317" y="0"/>
+                  </a:lnTo>
+                  <a:lnTo>
+                    <a:pt x="3266317" y="1630760"/>
+                  </a:lnTo>
+                  <a:cubicBezTo>
+                    <a:pt x="3266317" y="2025955"/>
+                    <a:pt x="3126159" y="2388411"/>
+                    <a:pt x="2892838" y="2671131"/>
+                  </a:cubicBezTo>
+                  <a:lnTo>
+                    <a:pt x="2833348" y="2736586"/>
+                  </a:lnTo>
+                  <a:lnTo>
+                    <a:pt x="0" y="2736586"/>
+                  </a:lnTo>
+                  <a:lnTo>
+                    <a:pt x="0" y="1635558"/>
+                  </a:lnTo>
+                  <a:cubicBezTo>
+                    <a:pt x="0" y="732255"/>
+                    <a:pt x="732254" y="0"/>
+                    <a:pt x="1635557" y="0"/>
+                  </a:cubicBezTo>
+                  <a:close/>
+                </a:path>
+              </a:pathLst>
+            </a:custGeom>
+            <a:solidFill>
+              <a:schemeClr val="accent1">
+                <a:lumMod val="60000"/>
+                <a:lumOff val="40000"/>
+                <a:alpha val="60000"/>
+              </a:schemeClr>
+            </a:solidFill>
+            <a:ln w="9331" cap="flat">
+              <a:noFill/>
+              <a:prstDash val="solid"/>
+              <a:miter/>
+            </a:ln>
+          </p:spPr>
+          <p:txBody>
+            <a:bodyPr rtlCol="0" anchor="ctr"/>
+            <a:lstStyle/>
+            <a:p>
+              <a:pPr lvl="0"/>
+              <a:endParaRPr lang="en-US"/>
+            </a:p>
+          </p:txBody>
+        </p:sp>
+        <p:sp>
+          <p:nvSpPr>
+            <p:cNvPr id="59" name="Freeform: Shape 58">
+              <a:extLst>
+                <a:ext uri="{FF2B5EF4-FFF2-40B4-BE49-F238E27FC236}">
+                  <a16:creationId xmlns:a16="http://schemas.microsoft.com/office/drawing/2014/main" id="{542CF840-CD2D-5E3D-EDD4-992F2B08295E}"/>
+                </a:ext>
+                <a:ext uri="{C183D7F6-B498-43B3-948B-1728B52AA6E4}">
+                  <adec:decorative xmlns:adec="http://schemas.microsoft.com/office/drawing/2017/decorative" val="1"/>
+                </a:ext>
+              </a:extLst>
+            </p:cNvPr>
+            <p:cNvSpPr/>
+            <p:nvPr>
+              <p:extLst>
+                <p:ext uri="{386F3935-93C4-4BCD-93E2-E3B085C9AB24}">
+                  <p16:designElem xmlns:p16="http://schemas.microsoft.com/office/powerpoint/2015/main" val="1"/>
+                </p:ext>
+              </p:extLst>
+            </p:nvPr>
+          </p:nvSpPr>
+          <p:spPr>
+            <a:xfrm>
+              <a:off x="11764579" y="3404614"/>
+              <a:ext cx="436325" cy="1309674"/>
+            </a:xfrm>
+            <a:custGeom>
+              <a:avLst/>
+              <a:gdLst>
+                <a:gd name="connsiteX0" fmla="*/ 470325 w 477612"/>
+                <a:gd name="connsiteY0" fmla="*/ 0 h 1433600"/>
+                <a:gd name="connsiteX1" fmla="*/ 475607 w 477612"/>
+                <a:gd name="connsiteY1" fmla="*/ 3701 h 1433600"/>
+                <a:gd name="connsiteX2" fmla="*/ 477612 w 477612"/>
+                <a:gd name="connsiteY2" fmla="*/ 5160 h 1433600"/>
+                <a:gd name="connsiteX3" fmla="*/ 477612 w 477612"/>
+                <a:gd name="connsiteY3" fmla="*/ 1428441 h 1433600"/>
+                <a:gd name="connsiteX4" fmla="*/ 475607 w 477612"/>
+                <a:gd name="connsiteY4" fmla="*/ 1429900 h 1433600"/>
+                <a:gd name="connsiteX5" fmla="*/ 470325 w 477612"/>
+                <a:gd name="connsiteY5" fmla="*/ 1433600 h 1433600"/>
+                <a:gd name="connsiteX6" fmla="*/ 0 w 477612"/>
+                <a:gd name="connsiteY6" fmla="*/ 716800 h 1433600"/>
+                <a:gd name="connsiteX7" fmla="*/ 470325 w 477612"/>
+                <a:gd name="connsiteY7" fmla="*/ 0 h 1433600"/>
+              </a:gdLst>
+              <a:ahLst/>
+              <a:cxnLst>
+                <a:cxn ang="0">
+                  <a:pos x="connsiteX0" y="connsiteY0"/>
+                </a:cxn>
+                <a:cxn ang="0">
+                  <a:pos x="connsiteX1" y="connsiteY1"/>
+                </a:cxn>
+                <a:cxn ang="0">
+                  <a:pos x="connsiteX2" y="connsiteY2"/>
+                </a:cxn>
+                <a:cxn ang="0">
+                  <a:pos x="connsiteX3" y="connsiteY3"/>
+                </a:cxn>
+                <a:cxn ang="0">
+                  <a:pos x="connsiteX4" y="connsiteY4"/>
+                </a:cxn>
+                <a:cxn ang="0">
+                  <a:pos x="connsiteX5" y="connsiteY5"/>
+                </a:cxn>
+                <a:cxn ang="0">
+                  <a:pos x="connsiteX6" y="connsiteY6"/>
+                </a:cxn>
+                <a:cxn ang="0">
+                  <a:pos x="connsiteX7" y="connsiteY7"/>
+                </a:cxn>
+              </a:cxnLst>
+              <a:rect l="l" t="t" r="r" b="b"/>
+              <a:pathLst>
+                <a:path w="477612" h="1433600">
+                  <a:moveTo>
+                    <a:pt x="470325" y="0"/>
+                  </a:moveTo>
+                  <a:cubicBezTo>
+                    <a:pt x="470325" y="0"/>
+                    <a:pt x="472162" y="1254"/>
+                    <a:pt x="475607" y="3701"/>
+                  </a:cubicBezTo>
+                  <a:lnTo>
+                    <a:pt x="477612" y="5160"/>
+                  </a:lnTo>
+                  <a:lnTo>
+                    <a:pt x="477612" y="1428441"/>
+                  </a:lnTo>
+                  <a:lnTo>
+                    <a:pt x="475607" y="1429900"/>
+                  </a:lnTo>
+                  <a:cubicBezTo>
+                    <a:pt x="472162" y="1432347"/>
+                    <a:pt x="470325" y="1433600"/>
+                    <a:pt x="470325" y="1433600"/>
+                  </a:cubicBezTo>
+                  <a:cubicBezTo>
+                    <a:pt x="470325" y="1433600"/>
+                    <a:pt x="0" y="1112672"/>
+                    <a:pt x="0" y="716800"/>
+                  </a:cubicBezTo>
+                  <a:cubicBezTo>
+                    <a:pt x="0" y="320929"/>
+                    <a:pt x="470325" y="0"/>
+                    <a:pt x="470325" y="0"/>
+                  </a:cubicBezTo>
+                  <a:close/>
+                </a:path>
+              </a:pathLst>
+            </a:custGeom>
+            <a:pattFill prst="pct5">
+              <a:fgClr>
+                <a:schemeClr val="tx2">
+                  <a:lumMod val="75000"/>
+                  <a:lumOff val="25000"/>
+                </a:schemeClr>
+              </a:fgClr>
+              <a:bgClr>
+                <a:schemeClr val="accent1">
+                  <a:lumMod val="60000"/>
+                  <a:lumOff val="40000"/>
+                </a:schemeClr>
+              </a:bgClr>
+            </a:pattFill>
+            <a:ln w="9525" cap="flat">
+              <a:noFill/>
+              <a:prstDash val="solid"/>
+              <a:miter/>
+            </a:ln>
+          </p:spPr>
+          <p:txBody>
+            <a:bodyPr wrap="square" rtlCol="0" anchor="ctr">
+              <a:noAutofit/>
+            </a:bodyPr>
+            <a:lstStyle/>
+            <a:p>
+              <a:pPr lvl="0"/>
+              <a:endParaRPr lang="en-US" dirty="0"/>
+            </a:p>
+          </p:txBody>
+        </p:sp>
+        <p:sp>
+          <p:nvSpPr>
+            <p:cNvPr id="60" name="Graphic 9">
+              <a:extLst>
+                <a:ext uri="{FF2B5EF4-FFF2-40B4-BE49-F238E27FC236}">
+                  <a16:creationId xmlns:a16="http://schemas.microsoft.com/office/drawing/2014/main" id="{4B36B9EE-A1B3-3FB7-A031-ED5F372251A9}"/>
+                </a:ext>
+                <a:ext uri="{C183D7F6-B498-43B3-948B-1728B52AA6E4}">
+                  <adec:decorative xmlns:adec="http://schemas.microsoft.com/office/drawing/2017/decorative" val="1"/>
+                </a:ext>
+              </a:extLst>
+            </p:cNvPr>
+            <p:cNvSpPr/>
+            <p:nvPr>
+              <p:extLst>
+                <p:ext uri="{386F3935-93C4-4BCD-93E2-E3B085C9AB24}">
+                  <p16:designElem xmlns:p16="http://schemas.microsoft.com/office/powerpoint/2015/main" val="1"/>
+                </p:ext>
+              </p:extLst>
+            </p:nvPr>
+          </p:nvSpPr>
+          <p:spPr>
+            <a:xfrm>
+              <a:off x="7739089" y="-3532"/>
+              <a:ext cx="3875603" cy="3875603"/>
+            </a:xfrm>
+            <a:custGeom>
+              <a:avLst/>
+              <a:gdLst>
+                <a:gd name="connsiteX0" fmla="*/ 6861546 w 6861545"/>
+                <a:gd name="connsiteY0" fmla="*/ 6861546 h 6861545"/>
+                <a:gd name="connsiteX1" fmla="*/ 3435812 w 6861545"/>
+                <a:gd name="connsiteY1" fmla="*/ 6861546 h 6861545"/>
+                <a:gd name="connsiteX2" fmla="*/ 0 w 6861545"/>
+                <a:gd name="connsiteY2" fmla="*/ 3425734 h 6861545"/>
+                <a:gd name="connsiteX3" fmla="*/ 0 w 6861545"/>
+                <a:gd name="connsiteY3" fmla="*/ 0 h 6861545"/>
+                <a:gd name="connsiteX4" fmla="*/ 3425734 w 6861545"/>
+                <a:gd name="connsiteY4" fmla="*/ 0 h 6861545"/>
+                <a:gd name="connsiteX5" fmla="*/ 6861546 w 6861545"/>
+                <a:gd name="connsiteY5" fmla="*/ 3435812 h 6861545"/>
+                <a:gd name="connsiteX6" fmla="*/ 6861546 w 6861545"/>
+                <a:gd name="connsiteY6" fmla="*/ 6861546 h 6861545"/>
+              </a:gdLst>
+              <a:ahLst/>
+              <a:cxnLst>
+                <a:cxn ang="0">
+                  <a:pos x="connsiteX0" y="connsiteY0"/>
+                </a:cxn>
+                <a:cxn ang="0">
+                  <a:pos x="connsiteX1" y="connsiteY1"/>
+                </a:cxn>
+                <a:cxn ang="0">
+                  <a:pos x="connsiteX2" y="connsiteY2"/>
+                </a:cxn>
+                <a:cxn ang="0">
+                  <a:pos x="connsiteX3" y="connsiteY3"/>
+                </a:cxn>
+                <a:cxn ang="0">
+                  <a:pos x="connsiteX4" y="connsiteY4"/>
+                </a:cxn>
+                <a:cxn ang="0">
+                  <a:pos x="connsiteX5" y="connsiteY5"/>
+                </a:cxn>
+                <a:cxn ang="0">
+                  <a:pos x="connsiteX6" y="connsiteY6"/>
+                </a:cxn>
+              </a:cxnLst>
+              <a:rect l="l" t="t" r="r" b="b"/>
+              <a:pathLst>
+                <a:path w="6861545" h="6861545">
+                  <a:moveTo>
+                    <a:pt x="6861546" y="6861546"/>
+                  </a:moveTo>
+                  <a:lnTo>
+                    <a:pt x="3435812" y="6861546"/>
+                  </a:lnTo>
+                  <a:cubicBezTo>
+                    <a:pt x="1538245" y="6861546"/>
+                    <a:pt x="0" y="5323301"/>
+                    <a:pt x="0" y="3425734"/>
+                  </a:cubicBezTo>
+                  <a:lnTo>
+                    <a:pt x="0" y="0"/>
+                  </a:lnTo>
+                  <a:lnTo>
+                    <a:pt x="3425734" y="0"/>
+                  </a:lnTo>
+                  <a:cubicBezTo>
+                    <a:pt x="5323301" y="0"/>
+                    <a:pt x="6861546" y="1538245"/>
+                    <a:pt x="6861546" y="3435812"/>
+                  </a:cubicBezTo>
+                  <a:lnTo>
+                    <a:pt x="6861546" y="6861546"/>
+                  </a:lnTo>
+                  <a:close/>
+                </a:path>
+              </a:pathLst>
+            </a:custGeom>
+            <a:solidFill>
+              <a:schemeClr val="accent1">
+                <a:alpha val="60000"/>
+              </a:schemeClr>
+            </a:solidFill>
+            <a:ln w="9331" cap="flat">
+              <a:noFill/>
+              <a:prstDash val="solid"/>
+              <a:miter/>
+            </a:ln>
+          </p:spPr>
+          <p:txBody>
+            <a:bodyPr rtlCol="0" anchor="ctr"/>
+            <a:lstStyle/>
+            <a:p>
+              <a:endParaRPr lang="en-US"/>
+            </a:p>
+          </p:txBody>
+        </p:sp>
+        <p:sp>
+          <p:nvSpPr>
+            <p:cNvPr id="61" name="Graphic 9">
+              <a:extLst>
+                <a:ext uri="{FF2B5EF4-FFF2-40B4-BE49-F238E27FC236}">
+                  <a16:creationId xmlns:a16="http://schemas.microsoft.com/office/drawing/2014/main" id="{20197058-F635-2314-2C2A-B6A3D2E3CFCB}"/>
+                </a:ext>
+                <a:ext uri="{C183D7F6-B498-43B3-948B-1728B52AA6E4}">
+                  <adec:decorative xmlns:adec="http://schemas.microsoft.com/office/drawing/2017/decorative" val="1"/>
+                </a:ext>
+              </a:extLst>
+            </p:cNvPr>
+            <p:cNvSpPr/>
+            <p:nvPr>
+              <p:extLst>
+                <p:ext uri="{386F3935-93C4-4BCD-93E2-E3B085C9AB24}">
+                  <p16:designElem xmlns:p16="http://schemas.microsoft.com/office/powerpoint/2015/main" val="1"/>
+                </p:ext>
+              </p:extLst>
+            </p:nvPr>
+          </p:nvSpPr>
+          <p:spPr>
+            <a:xfrm>
+              <a:off x="7931792" y="168275"/>
+              <a:ext cx="3499104" cy="3499104"/>
+            </a:xfrm>
+            <a:custGeom>
+              <a:avLst/>
+              <a:gdLst>
+                <a:gd name="connsiteX0" fmla="*/ 6861546 w 6861545"/>
+                <a:gd name="connsiteY0" fmla="*/ 6861546 h 6861545"/>
+                <a:gd name="connsiteX1" fmla="*/ 3435812 w 6861545"/>
+                <a:gd name="connsiteY1" fmla="*/ 6861546 h 6861545"/>
+                <a:gd name="connsiteX2" fmla="*/ 0 w 6861545"/>
+                <a:gd name="connsiteY2" fmla="*/ 3425734 h 6861545"/>
+                <a:gd name="connsiteX3" fmla="*/ 0 w 6861545"/>
+                <a:gd name="connsiteY3" fmla="*/ 0 h 6861545"/>
+                <a:gd name="connsiteX4" fmla="*/ 3425734 w 6861545"/>
+                <a:gd name="connsiteY4" fmla="*/ 0 h 6861545"/>
+                <a:gd name="connsiteX5" fmla="*/ 6861546 w 6861545"/>
+                <a:gd name="connsiteY5" fmla="*/ 3435812 h 6861545"/>
+                <a:gd name="connsiteX6" fmla="*/ 6861546 w 6861545"/>
+                <a:gd name="connsiteY6" fmla="*/ 6861546 h 6861545"/>
+              </a:gdLst>
+              <a:ahLst/>
+              <a:cxnLst>
+                <a:cxn ang="0">
+                  <a:pos x="connsiteX0" y="connsiteY0"/>
+                </a:cxn>
+                <a:cxn ang="0">
+                  <a:pos x="connsiteX1" y="connsiteY1"/>
+                </a:cxn>
+                <a:cxn ang="0">
+                  <a:pos x="connsiteX2" y="connsiteY2"/>
+                </a:cxn>
+                <a:cxn ang="0">
+                  <a:pos x="connsiteX3" y="connsiteY3"/>
+                </a:cxn>
+                <a:cxn ang="0">
+                  <a:pos x="connsiteX4" y="connsiteY4"/>
+                </a:cxn>
+                <a:cxn ang="0">
+                  <a:pos x="connsiteX5" y="connsiteY5"/>
+                </a:cxn>
+                <a:cxn ang="0">
+                  <a:pos x="connsiteX6" y="connsiteY6"/>
+                </a:cxn>
+              </a:cxnLst>
+              <a:rect l="l" t="t" r="r" b="b"/>
+              <a:pathLst>
+                <a:path w="6861545" h="6861545">
+                  <a:moveTo>
+                    <a:pt x="6861546" y="6861546"/>
+                  </a:moveTo>
+                  <a:lnTo>
+                    <a:pt x="3435812" y="6861546"/>
+                  </a:lnTo>
+                  <a:cubicBezTo>
+                    <a:pt x="1538245" y="6861546"/>
+                    <a:pt x="0" y="5323301"/>
+                    <a:pt x="0" y="3425734"/>
+                  </a:cubicBezTo>
+                  <a:lnTo>
+                    <a:pt x="0" y="0"/>
+                  </a:lnTo>
+                  <a:lnTo>
+                    <a:pt x="3425734" y="0"/>
+                  </a:lnTo>
+                  <a:cubicBezTo>
+                    <a:pt x="5323301" y="0"/>
+                    <a:pt x="6861546" y="1538245"/>
+                    <a:pt x="6861546" y="3435812"/>
+                  </a:cubicBezTo>
+                  <a:lnTo>
+                    <a:pt x="6861546" y="6861546"/>
+                  </a:lnTo>
+                  <a:close/>
+                </a:path>
+              </a:pathLst>
+            </a:custGeom>
+            <a:pattFill prst="pct5">
+              <a:fgClr>
+                <a:schemeClr val="accent4">
+                  <a:lumMod val="60000"/>
+                  <a:lumOff val="40000"/>
+                </a:schemeClr>
+              </a:fgClr>
+              <a:bgClr>
+                <a:schemeClr val="accent1">
+                  <a:lumMod val="75000"/>
+                </a:schemeClr>
+              </a:bgClr>
+            </a:pattFill>
+            <a:ln w="9525" cap="flat">
+              <a:noFill/>
+              <a:prstDash val="solid"/>
+              <a:miter/>
+            </a:ln>
+          </p:spPr>
+          <p:txBody>
+            <a:bodyPr rtlCol="0" anchor="ctr"/>
+            <a:lstStyle/>
+            <a:p>
+              <a:endParaRPr lang="en-US" dirty="0"/>
+            </a:p>
+          </p:txBody>
+        </p:sp>
+      </p:grpSp>
+      <p:sp>
+        <p:nvSpPr>
+          <p:cNvPr id="63" name="Texture">
+            <a:extLst>
+              <a:ext uri="{FF2B5EF4-FFF2-40B4-BE49-F238E27FC236}">
+                <a16:creationId xmlns:a16="http://schemas.microsoft.com/office/drawing/2014/main" id="{FEFA21DC-1311-A7CA-93C2-48D01AC9B972}"/>
+              </a:ext>
+              <a:ext uri="{C183D7F6-B498-43B3-948B-1728B52AA6E4}">
+                <adec:decorative xmlns:adec="http://schemas.microsoft.com/office/drawing/2017/decorative" val="1"/>
+              </a:ext>
+            </a:extLst>
+          </p:cNvPr>
+          <p:cNvSpPr>
+            <a:spLocks noGrp="1" noRot="1" noChangeAspect="1" noMove="1" noResize="1" noEditPoints="1" noAdjustHandles="1" noChangeArrowheads="1" noChangeShapeType="1" noTextEdit="1"/>
+          </p:cNvSpPr>
+          <p:nvPr>
+            <p:extLst>
+              <p:ext uri="{386F3935-93C4-4BCD-93E2-E3B085C9AB24}">
+                <p16:designElem xmlns:p16="http://schemas.microsoft.com/office/powerpoint/2015/main" val="1"/>
+              </p:ext>
+            </p:extLst>
+          </p:nvPr>
+        </p:nvSpPr>
+        <p:spPr>
+          <a:xfrm>
+            <a:off x="3048" y="0"/>
+            <a:ext cx="12188952" cy="6858000"/>
+          </a:xfrm>
+          <a:prstGeom prst="rect">
+            <a:avLst/>
+          </a:prstGeom>
+          <a:blipFill dpi="0" rotWithShape="1">
+            <a:blip r:embed="rId2">
+              <a:alphaModFix amt="6000"/>
+            </a:blip>
+            <a:srcRect/>
+            <a:tile tx="0" ty="0" sx="100000" sy="100000" flip="none" algn="tl"/>
+          </a:blipFill>
+          <a:ln w="9525" cap="flat">
+            <a:noFill/>
+            <a:prstDash val="solid"/>
+            <a:miter/>
+          </a:ln>
+        </p:spPr>
+        <p:txBody>
+          <a:bodyPr rtlCol="0" anchor="ctr"/>
+          <a:lstStyle/>
+          <a:p>
+            <a:endParaRPr lang="en-US" dirty="0"/>
+          </a:p>
+        </p:txBody>
+      </p:sp>
+      <p:sp>
+        <p:nvSpPr>
+          <p:cNvPr id="5" name="Nadpis 1">
+            <a:extLst>
+              <a:ext uri="{FF2B5EF4-FFF2-40B4-BE49-F238E27FC236}">
+                <a16:creationId xmlns:a16="http://schemas.microsoft.com/office/drawing/2014/main" id="{B9061570-FF27-53C1-3948-D229F8437D61}"/>
+              </a:ext>
+            </a:extLst>
+          </p:cNvPr>
+          <p:cNvSpPr txBox="1">
+            <a:spLocks/>
+          </p:cNvSpPr>
+          <p:nvPr/>
+        </p:nvSpPr>
+        <p:spPr>
+          <a:xfrm>
+            <a:off x="609600" y="820449"/>
+            <a:ext cx="7685037" cy="1325563"/>
+          </a:xfrm>
+          <a:prstGeom prst="rect">
+            <a:avLst/>
+          </a:prstGeom>
+        </p:spPr>
+        <p:txBody>
+          <a:bodyPr vert="horz" lIns="91440" tIns="45720" rIns="91440" bIns="45720" rtlCol="0" anchor="b">
+            <a:normAutofit/>
+          </a:bodyPr>
+          <a:lstStyle>
+            <a:lvl1pPr algn="l" defTabSz="914400" rtl="0" eaLnBrk="1" latinLnBrk="0" hangingPunct="1">
+              <a:lnSpc>
+                <a:spcPct val="90000"/>
+              </a:lnSpc>
+              <a:spcBef>
+                <a:spcPct val="0"/>
+              </a:spcBef>
+              <a:buNone/>
+              <a:defRPr sz="4400" kern="1200">
+                <a:solidFill>
+                  <a:schemeClr val="tx1"/>
+                </a:solidFill>
+                <a:latin typeface="+mj-lt"/>
+                <a:ea typeface="+mj-ea"/>
+                <a:cs typeface="+mj-cs"/>
+              </a:defRPr>
+            </a:lvl1pPr>
+          </a:lstStyle>
+          <a:p>
+            <a:r>
+              <a:rPr lang="cs-CZ" dirty="0"/>
+              <a:t>Tlačítko na hlavní stránce</a:t>
+            </a:r>
+          </a:p>
+        </p:txBody>
+      </p:sp>
+      <p:sp>
+        <p:nvSpPr>
+          <p:cNvPr id="6" name="Nadpis 1">
+            <a:extLst>
+              <a:ext uri="{FF2B5EF4-FFF2-40B4-BE49-F238E27FC236}">
+                <a16:creationId xmlns:a16="http://schemas.microsoft.com/office/drawing/2014/main" id="{315C8577-3E2F-1912-F4A8-F9814A9DDA59}"/>
+              </a:ext>
+            </a:extLst>
+          </p:cNvPr>
+          <p:cNvSpPr>
+            <a:spLocks noGrp="1"/>
+          </p:cNvSpPr>
+          <p:nvPr>
+            <p:ph type="title"/>
+          </p:nvPr>
+        </p:nvSpPr>
+        <p:spPr>
+          <a:xfrm>
+            <a:off x="562566" y="2310004"/>
+            <a:ext cx="7639509" cy="1616731"/>
+          </a:xfrm>
+          <a:solidFill>
+            <a:schemeClr val="accent4">
+              <a:lumMod val="50000"/>
+            </a:schemeClr>
+          </a:solidFill>
+        </p:spPr>
+        <p:txBody>
+          <a:bodyPr vert="horz" lIns="91440" tIns="45720" rIns="91440" bIns="45720" rtlCol="0" anchor="b">
+            <a:normAutofit/>
+          </a:bodyPr>
+          <a:lstStyle/>
+          <a:p>
+            <a:pPr>
+              <a:lnSpc>
+                <a:spcPts val="1425"/>
+              </a:lnSpc>
+            </a:pPr>
+            <a:r>
+              <a:rPr lang="cs-CZ" sz="1400" b="0" dirty="0">
+                <a:solidFill>
+                  <a:srgbClr val="569CD6"/>
+                </a:solidFill>
+                <a:effectLst/>
+                <a:latin typeface="Consolas" panose="020B0609020204030204" pitchFamily="49" charset="0"/>
+              </a:rPr>
+              <a:t>&lt;?</a:t>
+            </a:r>
+            <a:r>
+              <a:rPr lang="cs-CZ" sz="1400" b="0" dirty="0" err="1">
+                <a:solidFill>
+                  <a:srgbClr val="569CD6"/>
+                </a:solidFill>
+                <a:effectLst/>
+                <a:latin typeface="Consolas" panose="020B0609020204030204" pitchFamily="49" charset="0"/>
+              </a:rPr>
+              <a:t>php</a:t>
+            </a:r>
+            <a:r>
+              <a:rPr lang="cs-CZ" sz="1400" b="0" dirty="0">
+                <a:solidFill>
+                  <a:srgbClr val="D4D4D4"/>
+                </a:solidFill>
+                <a:effectLst/>
+                <a:latin typeface="Consolas" panose="020B0609020204030204" pitchFamily="49" charset="0"/>
+              </a:rPr>
+              <a:t> </a:t>
+            </a:r>
+            <a:r>
+              <a:rPr lang="cs-CZ" sz="1400" b="0" dirty="0" err="1">
+                <a:solidFill>
+                  <a:srgbClr val="C586C0"/>
+                </a:solidFill>
+                <a:effectLst/>
+                <a:latin typeface="Consolas" panose="020B0609020204030204" pitchFamily="49" charset="0"/>
+              </a:rPr>
+              <a:t>if</a:t>
+            </a:r>
+            <a:r>
+              <a:rPr lang="cs-CZ" sz="1400" b="0" dirty="0">
+                <a:solidFill>
+                  <a:srgbClr val="D4D4D4"/>
+                </a:solidFill>
+                <a:effectLst/>
+                <a:latin typeface="Consolas" panose="020B0609020204030204" pitchFamily="49" charset="0"/>
+              </a:rPr>
+              <a:t> (</a:t>
+            </a:r>
+            <a:r>
+              <a:rPr lang="cs-CZ" sz="1400" b="0" dirty="0" err="1">
+                <a:solidFill>
+                  <a:srgbClr val="DCDCAA"/>
+                </a:solidFill>
+                <a:effectLst/>
+                <a:latin typeface="Consolas" panose="020B0609020204030204" pitchFamily="49" charset="0"/>
+              </a:rPr>
+              <a:t>isset</a:t>
+            </a:r>
+            <a:r>
+              <a:rPr lang="cs-CZ" sz="1400" b="0" dirty="0">
+                <a:solidFill>
+                  <a:srgbClr val="D4D4D4"/>
+                </a:solidFill>
+                <a:effectLst/>
+                <a:latin typeface="Consolas" panose="020B0609020204030204" pitchFamily="49" charset="0"/>
+              </a:rPr>
+              <a:t>(</a:t>
+            </a:r>
+            <a:r>
+              <a:rPr lang="cs-CZ" sz="1400" b="0" dirty="0">
+                <a:solidFill>
+                  <a:srgbClr val="9CDCFE"/>
+                </a:solidFill>
+                <a:effectLst/>
+                <a:latin typeface="Consolas" panose="020B0609020204030204" pitchFamily="49" charset="0"/>
+              </a:rPr>
+              <a:t>$_SESSION</a:t>
+            </a:r>
+            <a:r>
+              <a:rPr lang="cs-CZ" sz="1400" b="0" dirty="0">
+                <a:solidFill>
+                  <a:srgbClr val="D4D4D4"/>
+                </a:solidFill>
+                <a:effectLst/>
+                <a:latin typeface="Consolas" panose="020B0609020204030204" pitchFamily="49" charset="0"/>
+              </a:rPr>
+              <a:t>[</a:t>
+            </a:r>
+            <a:r>
+              <a:rPr lang="cs-CZ" sz="1400" b="0" dirty="0">
+                <a:solidFill>
+                  <a:srgbClr val="CE9178"/>
+                </a:solidFill>
+                <a:effectLst/>
+                <a:latin typeface="Consolas" panose="020B0609020204030204" pitchFamily="49" charset="0"/>
+              </a:rPr>
+              <a:t>"</a:t>
+            </a:r>
+            <a:r>
+              <a:rPr lang="cs-CZ" sz="1400" b="0" dirty="0" err="1">
+                <a:solidFill>
+                  <a:srgbClr val="CE9178"/>
+                </a:solidFill>
+                <a:effectLst/>
+                <a:latin typeface="Consolas" panose="020B0609020204030204" pitchFamily="49" charset="0"/>
+              </a:rPr>
+              <a:t>upPer</a:t>
+            </a:r>
+            <a:r>
+              <a:rPr lang="cs-CZ" sz="1400" b="0" dirty="0">
+                <a:solidFill>
+                  <a:srgbClr val="CE9178"/>
+                </a:solidFill>
+                <a:effectLst/>
+                <a:latin typeface="Consolas" panose="020B0609020204030204" pitchFamily="49" charset="0"/>
+              </a:rPr>
+              <a:t>"</a:t>
+            </a:r>
+            <a:r>
+              <a:rPr lang="cs-CZ" sz="1400" b="0" dirty="0">
+                <a:solidFill>
+                  <a:srgbClr val="D4D4D4"/>
+                </a:solidFill>
+                <a:effectLst/>
+                <a:latin typeface="Consolas" panose="020B0609020204030204" pitchFamily="49" charset="0"/>
+              </a:rPr>
+              <a:t>]) &amp;&amp; </a:t>
+            </a:r>
+            <a:r>
+              <a:rPr lang="cs-CZ" sz="1400" b="0" dirty="0">
+                <a:solidFill>
+                  <a:srgbClr val="9CDCFE"/>
+                </a:solidFill>
+                <a:effectLst/>
+                <a:latin typeface="Consolas" panose="020B0609020204030204" pitchFamily="49" charset="0"/>
+              </a:rPr>
+              <a:t>$_SESSION</a:t>
+            </a:r>
+            <a:r>
+              <a:rPr lang="cs-CZ" sz="1400" b="0" dirty="0">
+                <a:solidFill>
+                  <a:srgbClr val="D4D4D4"/>
+                </a:solidFill>
+                <a:effectLst/>
+                <a:latin typeface="Consolas" panose="020B0609020204030204" pitchFamily="49" charset="0"/>
+              </a:rPr>
+              <a:t>[</a:t>
+            </a:r>
+            <a:r>
+              <a:rPr lang="cs-CZ" sz="1400" b="0" dirty="0">
+                <a:solidFill>
+                  <a:srgbClr val="CE9178"/>
+                </a:solidFill>
+                <a:effectLst/>
+                <a:latin typeface="Consolas" panose="020B0609020204030204" pitchFamily="49" charset="0"/>
+              </a:rPr>
+              <a:t>"</a:t>
+            </a:r>
+            <a:r>
+              <a:rPr lang="cs-CZ" sz="1400" b="0" dirty="0" err="1">
+                <a:solidFill>
+                  <a:srgbClr val="CE9178"/>
+                </a:solidFill>
+                <a:effectLst/>
+                <a:latin typeface="Consolas" panose="020B0609020204030204" pitchFamily="49" charset="0"/>
+              </a:rPr>
+              <a:t>upPer</a:t>
+            </a:r>
+            <a:r>
+              <a:rPr lang="cs-CZ" sz="1400" b="0" dirty="0">
+                <a:solidFill>
+                  <a:srgbClr val="CE9178"/>
+                </a:solidFill>
+                <a:effectLst/>
+                <a:latin typeface="Consolas" panose="020B0609020204030204" pitchFamily="49" charset="0"/>
+              </a:rPr>
+              <a:t>"</a:t>
+            </a:r>
+            <a:r>
+              <a:rPr lang="cs-CZ" sz="1400" b="0" dirty="0">
+                <a:solidFill>
+                  <a:srgbClr val="D4D4D4"/>
+                </a:solidFill>
+                <a:effectLst/>
+                <a:latin typeface="Consolas" panose="020B0609020204030204" pitchFamily="49" charset="0"/>
+              </a:rPr>
+              <a:t>] == </a:t>
+            </a:r>
+            <a:r>
+              <a:rPr lang="cs-CZ" sz="1400" b="0" dirty="0" err="1">
+                <a:solidFill>
+                  <a:srgbClr val="569CD6"/>
+                </a:solidFill>
+                <a:effectLst/>
+                <a:latin typeface="Consolas" panose="020B0609020204030204" pitchFamily="49" charset="0"/>
+              </a:rPr>
+              <a:t>true</a:t>
+            </a:r>
+            <a:r>
+              <a:rPr lang="cs-CZ" sz="1400" b="0" dirty="0">
+                <a:solidFill>
+                  <a:srgbClr val="D4D4D4"/>
+                </a:solidFill>
+                <a:effectLst/>
+                <a:latin typeface="Consolas" panose="020B0609020204030204" pitchFamily="49" charset="0"/>
+              </a:rPr>
+              <a:t>) : </a:t>
+            </a:r>
+            <a:r>
+              <a:rPr lang="cs-CZ" sz="1400" b="0" dirty="0">
+                <a:solidFill>
+                  <a:srgbClr val="569CD6"/>
+                </a:solidFill>
+                <a:effectLst/>
+                <a:latin typeface="Consolas" panose="020B0609020204030204" pitchFamily="49" charset="0"/>
+              </a:rPr>
+              <a:t>?&gt;</a:t>
+            </a:r>
+            <a:br>
+              <a:rPr lang="cs-CZ" sz="1400" b="0" dirty="0">
+                <a:solidFill>
+                  <a:srgbClr val="CCCCCC"/>
+                </a:solidFill>
+                <a:effectLst/>
+                <a:latin typeface="Consolas" panose="020B0609020204030204" pitchFamily="49" charset="0"/>
+              </a:rPr>
+            </a:br>
+            <a:r>
+              <a:rPr lang="cs-CZ" sz="1400" b="0" dirty="0">
+                <a:solidFill>
+                  <a:srgbClr val="CCCCCC"/>
+                </a:solidFill>
+                <a:effectLst/>
+                <a:latin typeface="Consolas" panose="020B0609020204030204" pitchFamily="49" charset="0"/>
+              </a:rPr>
+              <a:t>    </a:t>
+            </a:r>
+            <a:r>
+              <a:rPr lang="cs-CZ" sz="1400" b="0" dirty="0">
+                <a:solidFill>
+                  <a:srgbClr val="808080"/>
+                </a:solidFill>
+                <a:effectLst/>
+                <a:latin typeface="Consolas" panose="020B0609020204030204" pitchFamily="49" charset="0"/>
+              </a:rPr>
+              <a:t>&lt;</a:t>
+            </a:r>
+            <a:r>
+              <a:rPr lang="cs-CZ" sz="1400" b="0" dirty="0" err="1">
+                <a:solidFill>
+                  <a:srgbClr val="569CD6"/>
+                </a:solidFill>
+                <a:effectLst/>
+                <a:latin typeface="Consolas" panose="020B0609020204030204" pitchFamily="49" charset="0"/>
+              </a:rPr>
+              <a:t>button</a:t>
+            </a:r>
+            <a:r>
+              <a:rPr lang="cs-CZ" sz="1400" b="0" dirty="0">
+                <a:solidFill>
+                  <a:srgbClr val="CCCCCC"/>
+                </a:solidFill>
+                <a:effectLst/>
+                <a:latin typeface="Consolas" panose="020B0609020204030204" pitchFamily="49" charset="0"/>
+              </a:rPr>
+              <a:t> </a:t>
+            </a:r>
+            <a:r>
+              <a:rPr lang="cs-CZ" sz="1400" b="0" dirty="0">
+                <a:solidFill>
+                  <a:srgbClr val="9CDCFE"/>
+                </a:solidFill>
+                <a:effectLst/>
+                <a:latin typeface="Consolas" panose="020B0609020204030204" pitchFamily="49" charset="0"/>
+              </a:rPr>
+              <a:t>type</a:t>
+            </a:r>
+            <a:r>
+              <a:rPr lang="cs-CZ" sz="1400" b="0" dirty="0">
+                <a:solidFill>
+                  <a:srgbClr val="CCCCCC"/>
+                </a:solidFill>
+                <a:effectLst/>
+                <a:latin typeface="Consolas" panose="020B0609020204030204" pitchFamily="49" charset="0"/>
+              </a:rPr>
+              <a:t>=</a:t>
+            </a:r>
+            <a:r>
+              <a:rPr lang="cs-CZ" sz="1400" b="0" dirty="0">
+                <a:solidFill>
+                  <a:srgbClr val="CE9178"/>
+                </a:solidFill>
+                <a:effectLst/>
+                <a:latin typeface="Consolas" panose="020B0609020204030204" pitchFamily="49" charset="0"/>
+              </a:rPr>
+              <a:t>"</a:t>
+            </a:r>
+            <a:r>
+              <a:rPr lang="cs-CZ" sz="1400" b="0" dirty="0" err="1">
+                <a:solidFill>
+                  <a:srgbClr val="CE9178"/>
+                </a:solidFill>
+                <a:effectLst/>
+                <a:latin typeface="Consolas" panose="020B0609020204030204" pitchFamily="49" charset="0"/>
+              </a:rPr>
+              <a:t>button</a:t>
+            </a:r>
+            <a:r>
+              <a:rPr lang="cs-CZ" sz="1400" b="0" dirty="0">
+                <a:solidFill>
+                  <a:srgbClr val="CE9178"/>
+                </a:solidFill>
+                <a:effectLst/>
+                <a:latin typeface="Consolas" panose="020B0609020204030204" pitchFamily="49" charset="0"/>
+              </a:rPr>
+              <a:t>"</a:t>
+            </a:r>
+            <a:r>
+              <a:rPr lang="cs-CZ" sz="1400" b="0" dirty="0">
+                <a:solidFill>
+                  <a:srgbClr val="CCCCCC"/>
+                </a:solidFill>
+                <a:effectLst/>
+                <a:latin typeface="Consolas" panose="020B0609020204030204" pitchFamily="49" charset="0"/>
+              </a:rPr>
+              <a:t> </a:t>
+            </a:r>
+            <a:r>
+              <a:rPr lang="cs-CZ" sz="1400" b="0" dirty="0" err="1">
+                <a:solidFill>
+                  <a:srgbClr val="9CDCFE"/>
+                </a:solidFill>
+                <a:effectLst/>
+                <a:latin typeface="Consolas" panose="020B0609020204030204" pitchFamily="49" charset="0"/>
+              </a:rPr>
+              <a:t>class</a:t>
+            </a:r>
+            <a:r>
+              <a:rPr lang="cs-CZ" sz="1400" b="0" dirty="0">
+                <a:solidFill>
+                  <a:srgbClr val="CCCCCC"/>
+                </a:solidFill>
+                <a:effectLst/>
+                <a:latin typeface="Consolas" panose="020B0609020204030204" pitchFamily="49" charset="0"/>
+              </a:rPr>
+              <a:t>=</a:t>
+            </a:r>
+            <a:r>
+              <a:rPr lang="cs-CZ" sz="1400" b="0" dirty="0">
+                <a:solidFill>
+                  <a:srgbClr val="CE9178"/>
+                </a:solidFill>
+                <a:effectLst/>
+                <a:latin typeface="Consolas" panose="020B0609020204030204" pitchFamily="49" charset="0"/>
+              </a:rPr>
+              <a:t>"</a:t>
+            </a:r>
+            <a:r>
+              <a:rPr lang="cs-CZ" sz="1400" b="0" dirty="0" err="1">
+                <a:solidFill>
+                  <a:srgbClr val="CE9178"/>
+                </a:solidFill>
+                <a:effectLst/>
+                <a:latin typeface="Consolas" panose="020B0609020204030204" pitchFamily="49" charset="0"/>
+              </a:rPr>
+              <a:t>btn</a:t>
+            </a:r>
+            <a:r>
+              <a:rPr lang="cs-CZ" sz="1400" b="0" dirty="0">
+                <a:solidFill>
+                  <a:srgbClr val="CE9178"/>
+                </a:solidFill>
+                <a:effectLst/>
+                <a:latin typeface="Consolas" panose="020B0609020204030204" pitchFamily="49" charset="0"/>
+              </a:rPr>
+              <a:t> </a:t>
+            </a:r>
+            <a:r>
+              <a:rPr lang="cs-CZ" sz="1400" b="0" dirty="0" err="1">
+                <a:solidFill>
+                  <a:srgbClr val="CE9178"/>
+                </a:solidFill>
+                <a:effectLst/>
+                <a:latin typeface="Consolas" panose="020B0609020204030204" pitchFamily="49" charset="0"/>
+              </a:rPr>
+              <a:t>btn-warning</a:t>
+            </a:r>
+            <a:r>
+              <a:rPr lang="cs-CZ" sz="1400" b="0" dirty="0">
+                <a:solidFill>
+                  <a:srgbClr val="CE9178"/>
+                </a:solidFill>
+                <a:effectLst/>
+                <a:latin typeface="Consolas" panose="020B0609020204030204" pitchFamily="49" charset="0"/>
+              </a:rPr>
+              <a:t> mt-1 mb-1"</a:t>
+            </a:r>
+            <a:r>
+              <a:rPr lang="cs-CZ" sz="1400" b="0" dirty="0">
+                <a:solidFill>
+                  <a:srgbClr val="CCCCCC"/>
+                </a:solidFill>
+                <a:effectLst/>
+                <a:latin typeface="Consolas" panose="020B0609020204030204" pitchFamily="49" charset="0"/>
+              </a:rPr>
+              <a:t> </a:t>
+            </a:r>
+            <a:r>
+              <a:rPr lang="cs-CZ" sz="1400" b="0" dirty="0" err="1">
+                <a:solidFill>
+                  <a:srgbClr val="9CDCFE"/>
+                </a:solidFill>
+                <a:effectLst/>
+                <a:latin typeface="Consolas" panose="020B0609020204030204" pitchFamily="49" charset="0"/>
+              </a:rPr>
+              <a:t>onclick</a:t>
+            </a:r>
+            <a:r>
+              <a:rPr lang="cs-CZ" sz="1400" b="0" dirty="0">
+                <a:solidFill>
+                  <a:srgbClr val="CCCCCC"/>
+                </a:solidFill>
+                <a:effectLst/>
+                <a:latin typeface="Consolas" panose="020B0609020204030204" pitchFamily="49" charset="0"/>
+              </a:rPr>
+              <a:t>=</a:t>
+            </a:r>
+            <a:r>
+              <a:rPr lang="cs-CZ" sz="1400" b="0" dirty="0">
+                <a:solidFill>
+                  <a:srgbClr val="CE9178"/>
+                </a:solidFill>
+                <a:effectLst/>
+                <a:latin typeface="Consolas" panose="020B0609020204030204" pitchFamily="49" charset="0"/>
+              </a:rPr>
+              <a:t>"</a:t>
+            </a:r>
+            <a:r>
+              <a:rPr lang="cs-CZ" sz="1400" b="0" dirty="0" err="1">
+                <a:solidFill>
+                  <a:srgbClr val="DCDCAA"/>
+                </a:solidFill>
+                <a:effectLst/>
+                <a:latin typeface="Consolas" panose="020B0609020204030204" pitchFamily="49" charset="0"/>
+              </a:rPr>
+              <a:t>openRenameModal</a:t>
+            </a:r>
+            <a:r>
+              <a:rPr lang="cs-CZ" sz="1400" b="0" dirty="0">
+                <a:solidFill>
+                  <a:srgbClr val="CE9178"/>
+                </a:solidFill>
+                <a:effectLst/>
+                <a:latin typeface="Consolas" panose="020B0609020204030204" pitchFamily="49" charset="0"/>
+              </a:rPr>
+              <a:t>('</a:t>
+            </a:r>
+            <a:r>
+              <a:rPr lang="cs-CZ" sz="1400" b="0" dirty="0">
+                <a:solidFill>
+                  <a:srgbClr val="569CD6"/>
+                </a:solidFill>
+                <a:effectLst/>
+                <a:latin typeface="Consolas" panose="020B0609020204030204" pitchFamily="49" charset="0"/>
+              </a:rPr>
+              <a:t>&lt;?=</a:t>
+            </a:r>
+            <a:r>
+              <a:rPr lang="cs-CZ" sz="1400" b="0" dirty="0">
+                <a:solidFill>
+                  <a:srgbClr val="D4D4D4"/>
+                </a:solidFill>
+                <a:effectLst/>
+                <a:latin typeface="Consolas" panose="020B0609020204030204" pitchFamily="49" charset="0"/>
+              </a:rPr>
+              <a:t> </a:t>
+            </a:r>
+            <a:r>
+              <a:rPr lang="cs-CZ" sz="1400" b="0" dirty="0" err="1">
+                <a:solidFill>
+                  <a:srgbClr val="DCDCAA"/>
+                </a:solidFill>
+                <a:effectLst/>
+                <a:latin typeface="Consolas" panose="020B0609020204030204" pitchFamily="49" charset="0"/>
+              </a:rPr>
+              <a:t>htmlspecialchars</a:t>
+            </a:r>
+            <a:r>
+              <a:rPr lang="cs-CZ" sz="1400" b="0" dirty="0">
+                <a:solidFill>
+                  <a:srgbClr val="D4D4D4"/>
+                </a:solidFill>
+                <a:effectLst/>
+                <a:latin typeface="Consolas" panose="020B0609020204030204" pitchFamily="49" charset="0"/>
+              </a:rPr>
+              <a:t>(</a:t>
+            </a:r>
+            <a:r>
+              <a:rPr lang="cs-CZ" sz="1400" b="0" dirty="0" err="1">
+                <a:solidFill>
+                  <a:srgbClr val="DCDCAA"/>
+                </a:solidFill>
+                <a:effectLst/>
+                <a:latin typeface="Consolas" panose="020B0609020204030204" pitchFamily="49" charset="0"/>
+              </a:rPr>
+              <a:t>addslashes</a:t>
+            </a:r>
+            <a:r>
+              <a:rPr lang="cs-CZ" sz="1400" b="0" dirty="0">
+                <a:solidFill>
+                  <a:srgbClr val="D4D4D4"/>
+                </a:solidFill>
+                <a:effectLst/>
+                <a:latin typeface="Consolas" panose="020B0609020204030204" pitchFamily="49" charset="0"/>
+              </a:rPr>
+              <a:t>(</a:t>
+            </a:r>
+            <a:r>
+              <a:rPr lang="cs-CZ" sz="1400" b="0" dirty="0">
+                <a:solidFill>
+                  <a:srgbClr val="9CDCFE"/>
+                </a:solidFill>
+                <a:effectLst/>
+                <a:latin typeface="Consolas" panose="020B0609020204030204" pitchFamily="49" charset="0"/>
+              </a:rPr>
+              <a:t>$</a:t>
+            </a:r>
+            <a:r>
+              <a:rPr lang="cs-CZ" sz="1400" b="0" dirty="0" err="1">
+                <a:solidFill>
+                  <a:srgbClr val="9CDCFE"/>
+                </a:solidFill>
+                <a:effectLst/>
+                <a:latin typeface="Consolas" panose="020B0609020204030204" pitchFamily="49" charset="0"/>
+              </a:rPr>
+              <a:t>file</a:t>
+            </a:r>
+            <a:r>
+              <a:rPr lang="cs-CZ" sz="1400" b="0" dirty="0">
+                <a:solidFill>
+                  <a:srgbClr val="D4D4D4"/>
+                </a:solidFill>
+                <a:effectLst/>
+                <a:latin typeface="Consolas" panose="020B0609020204030204" pitchFamily="49" charset="0"/>
+              </a:rPr>
+              <a:t>)) </a:t>
+            </a:r>
+            <a:r>
+              <a:rPr lang="cs-CZ" sz="1400" b="0" dirty="0">
+                <a:solidFill>
+                  <a:srgbClr val="569CD6"/>
+                </a:solidFill>
+                <a:effectLst/>
+                <a:latin typeface="Consolas" panose="020B0609020204030204" pitchFamily="49" charset="0"/>
+              </a:rPr>
+              <a:t>?&gt;</a:t>
+            </a:r>
+            <a:r>
+              <a:rPr lang="cs-CZ" sz="1400" b="0" dirty="0">
+                <a:solidFill>
+                  <a:srgbClr val="CE9178"/>
+                </a:solidFill>
+                <a:effectLst/>
+                <a:latin typeface="Consolas" panose="020B0609020204030204" pitchFamily="49" charset="0"/>
+              </a:rPr>
+              <a:t>‘,  '</a:t>
+            </a:r>
+            <a:r>
+              <a:rPr lang="cs-CZ" sz="1400" b="0" dirty="0">
+                <a:solidFill>
+                  <a:srgbClr val="569CD6"/>
+                </a:solidFill>
+                <a:effectLst/>
+                <a:latin typeface="Consolas" panose="020B0609020204030204" pitchFamily="49" charset="0"/>
+              </a:rPr>
+              <a:t>&lt;?=</a:t>
+            </a:r>
+            <a:r>
+              <a:rPr lang="cs-CZ" sz="1400" b="0" dirty="0">
+                <a:solidFill>
+                  <a:srgbClr val="D4D4D4"/>
+                </a:solidFill>
+                <a:effectLst/>
+                <a:latin typeface="Consolas" panose="020B0609020204030204" pitchFamily="49" charset="0"/>
+              </a:rPr>
+              <a:t> </a:t>
+            </a:r>
+            <a:r>
+              <a:rPr lang="cs-CZ" sz="1400" b="0" dirty="0" err="1">
+                <a:solidFill>
+                  <a:srgbClr val="DCDCAA"/>
+                </a:solidFill>
+                <a:effectLst/>
+                <a:latin typeface="Consolas" panose="020B0609020204030204" pitchFamily="49" charset="0"/>
+              </a:rPr>
+              <a:t>htmlspecialchars</a:t>
+            </a:r>
+            <a:r>
+              <a:rPr lang="cs-CZ" sz="1400" b="0" dirty="0">
+                <a:solidFill>
+                  <a:srgbClr val="D4D4D4"/>
+                </a:solidFill>
+                <a:effectLst/>
+                <a:latin typeface="Consolas" panose="020B0609020204030204" pitchFamily="49" charset="0"/>
+              </a:rPr>
+              <a:t>(</a:t>
+            </a:r>
+            <a:r>
+              <a:rPr lang="cs-CZ" sz="1400" b="0" dirty="0" err="1">
+                <a:solidFill>
+                  <a:srgbClr val="DCDCAA"/>
+                </a:solidFill>
+                <a:effectLst/>
+                <a:latin typeface="Consolas" panose="020B0609020204030204" pitchFamily="49" charset="0"/>
+              </a:rPr>
+              <a:t>addslashes</a:t>
+            </a:r>
+            <a:r>
+              <a:rPr lang="cs-CZ" sz="1400" b="0" dirty="0">
+                <a:solidFill>
+                  <a:srgbClr val="D4D4D4"/>
+                </a:solidFill>
+                <a:effectLst/>
+                <a:latin typeface="Consolas" panose="020B0609020204030204" pitchFamily="49" charset="0"/>
+              </a:rPr>
+              <a:t>(</a:t>
+            </a:r>
+            <a:r>
+              <a:rPr lang="cs-CZ" sz="1400" b="0" dirty="0">
+                <a:solidFill>
+                  <a:srgbClr val="9CDCFE"/>
+                </a:solidFill>
+                <a:effectLst/>
+                <a:latin typeface="Consolas" panose="020B0609020204030204" pitchFamily="49" charset="0"/>
+              </a:rPr>
+              <a:t>$</a:t>
+            </a:r>
+            <a:r>
+              <a:rPr lang="cs-CZ" sz="1400" b="0" dirty="0" err="1">
+                <a:solidFill>
+                  <a:srgbClr val="9CDCFE"/>
+                </a:solidFill>
+                <a:effectLst/>
+                <a:latin typeface="Consolas" panose="020B0609020204030204" pitchFamily="49" charset="0"/>
+              </a:rPr>
+              <a:t>currentPath</a:t>
+            </a:r>
+            <a:r>
+              <a:rPr lang="cs-CZ" sz="1400" b="0" dirty="0">
+                <a:solidFill>
+                  <a:srgbClr val="D4D4D4"/>
+                </a:solidFill>
+                <a:effectLst/>
+                <a:latin typeface="Consolas" panose="020B0609020204030204" pitchFamily="49" charset="0"/>
+              </a:rPr>
+              <a:t> . </a:t>
+            </a:r>
+            <a:r>
+              <a:rPr lang="cs-CZ" sz="1400" b="0" dirty="0">
+                <a:solidFill>
+                  <a:srgbClr val="CE9178"/>
+                </a:solidFill>
+                <a:effectLst/>
+                <a:latin typeface="Consolas" panose="020B0609020204030204" pitchFamily="49" charset="0"/>
+              </a:rPr>
+              <a:t>'/'</a:t>
+            </a:r>
+            <a:r>
+              <a:rPr lang="cs-CZ" sz="1400" b="0" dirty="0">
+                <a:solidFill>
+                  <a:srgbClr val="D4D4D4"/>
+                </a:solidFill>
+                <a:effectLst/>
+                <a:latin typeface="Consolas" panose="020B0609020204030204" pitchFamily="49" charset="0"/>
+              </a:rPr>
+              <a:t> . </a:t>
+            </a:r>
+            <a:r>
+              <a:rPr lang="cs-CZ" sz="1400" b="0" dirty="0">
+                <a:solidFill>
+                  <a:srgbClr val="9CDCFE"/>
+                </a:solidFill>
+                <a:effectLst/>
+                <a:latin typeface="Consolas" panose="020B0609020204030204" pitchFamily="49" charset="0"/>
+              </a:rPr>
+              <a:t>$</a:t>
+            </a:r>
+            <a:r>
+              <a:rPr lang="cs-CZ" sz="1400" b="0" dirty="0" err="1">
+                <a:solidFill>
+                  <a:srgbClr val="9CDCFE"/>
+                </a:solidFill>
+                <a:effectLst/>
+                <a:latin typeface="Consolas" panose="020B0609020204030204" pitchFamily="49" charset="0"/>
+              </a:rPr>
+              <a:t>file</a:t>
+            </a:r>
+            <a:r>
+              <a:rPr lang="cs-CZ" sz="1400" b="0" dirty="0">
+                <a:solidFill>
+                  <a:srgbClr val="D4D4D4"/>
+                </a:solidFill>
+                <a:effectLst/>
+                <a:latin typeface="Consolas" panose="020B0609020204030204" pitchFamily="49" charset="0"/>
+              </a:rPr>
+              <a:t>)) </a:t>
+            </a:r>
+            <a:r>
+              <a:rPr lang="cs-CZ" sz="1400" b="0" dirty="0">
+                <a:solidFill>
+                  <a:srgbClr val="569CD6"/>
+                </a:solidFill>
+                <a:effectLst/>
+                <a:latin typeface="Consolas" panose="020B0609020204030204" pitchFamily="49" charset="0"/>
+              </a:rPr>
+              <a:t>?&gt;</a:t>
+            </a:r>
+            <a:r>
+              <a:rPr lang="cs-CZ" sz="1400" b="0" dirty="0">
+                <a:solidFill>
+                  <a:srgbClr val="CE9178"/>
+                </a:solidFill>
+                <a:effectLst/>
+                <a:latin typeface="Consolas" panose="020B0609020204030204" pitchFamily="49" charset="0"/>
+              </a:rPr>
+              <a:t>')"</a:t>
+            </a:r>
+            <a:r>
+              <a:rPr lang="cs-CZ" sz="1400" b="0" dirty="0">
+                <a:solidFill>
+                  <a:srgbClr val="808080"/>
+                </a:solidFill>
+                <a:effectLst/>
+                <a:latin typeface="Consolas" panose="020B0609020204030204" pitchFamily="49" charset="0"/>
+              </a:rPr>
+              <a:t>&gt;</a:t>
+            </a:r>
+            <a:r>
+              <a:rPr lang="cs-CZ" sz="1400" b="0" dirty="0" err="1">
+                <a:solidFill>
+                  <a:srgbClr val="CCCCCC"/>
+                </a:solidFill>
+                <a:effectLst/>
+                <a:latin typeface="Consolas" panose="020B0609020204030204" pitchFamily="49" charset="0"/>
+              </a:rPr>
+              <a:t>Rename</a:t>
+            </a:r>
+            <a:r>
+              <a:rPr lang="cs-CZ" sz="1400" b="0" dirty="0">
+                <a:solidFill>
+                  <a:srgbClr val="808080"/>
+                </a:solidFill>
+                <a:effectLst/>
+                <a:latin typeface="Consolas" panose="020B0609020204030204" pitchFamily="49" charset="0"/>
+              </a:rPr>
+              <a:t>&lt;/</a:t>
+            </a:r>
+            <a:r>
+              <a:rPr lang="cs-CZ" sz="1400" b="0" dirty="0" err="1">
+                <a:solidFill>
+                  <a:srgbClr val="569CD6"/>
+                </a:solidFill>
+                <a:effectLst/>
+                <a:latin typeface="Consolas" panose="020B0609020204030204" pitchFamily="49" charset="0"/>
+              </a:rPr>
+              <a:t>button</a:t>
+            </a:r>
+            <a:r>
+              <a:rPr lang="cs-CZ" sz="1400" b="0" dirty="0">
+                <a:solidFill>
+                  <a:srgbClr val="808080"/>
+                </a:solidFill>
+                <a:effectLst/>
+                <a:latin typeface="Consolas" panose="020B0609020204030204" pitchFamily="49" charset="0"/>
+              </a:rPr>
+              <a:t>&gt;</a:t>
+            </a:r>
+            <a:br>
+              <a:rPr lang="cs-CZ" sz="1400" b="0" dirty="0">
+                <a:solidFill>
+                  <a:srgbClr val="808080"/>
+                </a:solidFill>
+                <a:effectLst/>
+                <a:latin typeface="Consolas" panose="020B0609020204030204" pitchFamily="49" charset="0"/>
+              </a:rPr>
+            </a:br>
+            <a:br>
+              <a:rPr lang="cs-CZ" sz="1400" b="0" dirty="0">
+                <a:solidFill>
+                  <a:srgbClr val="CCCCCC"/>
+                </a:solidFill>
+                <a:effectLst/>
+                <a:latin typeface="Consolas" panose="020B0609020204030204" pitchFamily="49" charset="0"/>
+              </a:rPr>
+            </a:br>
+            <a:r>
+              <a:rPr lang="cs-CZ" sz="1400" b="0" dirty="0">
+                <a:solidFill>
+                  <a:srgbClr val="569CD6"/>
+                </a:solidFill>
+                <a:effectLst/>
+                <a:latin typeface="Consolas" panose="020B0609020204030204" pitchFamily="49" charset="0"/>
+              </a:rPr>
+              <a:t>&lt;?</a:t>
+            </a:r>
+            <a:r>
+              <a:rPr lang="cs-CZ" sz="1400" b="0" dirty="0" err="1">
+                <a:solidFill>
+                  <a:srgbClr val="569CD6"/>
+                </a:solidFill>
+                <a:effectLst/>
+                <a:latin typeface="Consolas" panose="020B0609020204030204" pitchFamily="49" charset="0"/>
+              </a:rPr>
+              <a:t>php</a:t>
+            </a:r>
+            <a:r>
+              <a:rPr lang="cs-CZ" sz="1400" b="0" dirty="0">
+                <a:solidFill>
+                  <a:srgbClr val="D4D4D4"/>
+                </a:solidFill>
+                <a:effectLst/>
+                <a:latin typeface="Consolas" panose="020B0609020204030204" pitchFamily="49" charset="0"/>
+              </a:rPr>
+              <a:t> </a:t>
+            </a:r>
+            <a:r>
+              <a:rPr lang="cs-CZ" sz="1400" b="0" dirty="0" err="1">
+                <a:solidFill>
+                  <a:srgbClr val="C586C0"/>
+                </a:solidFill>
+                <a:effectLst/>
+                <a:latin typeface="Consolas" panose="020B0609020204030204" pitchFamily="49" charset="0"/>
+              </a:rPr>
+              <a:t>endif</a:t>
+            </a:r>
+            <a:r>
+              <a:rPr lang="cs-CZ" sz="1400" b="0" dirty="0">
+                <a:solidFill>
+                  <a:srgbClr val="D4D4D4"/>
+                </a:solidFill>
+                <a:effectLst/>
+                <a:latin typeface="Consolas" panose="020B0609020204030204" pitchFamily="49" charset="0"/>
+              </a:rPr>
+              <a:t>; </a:t>
+            </a:r>
+            <a:r>
+              <a:rPr lang="cs-CZ" sz="1400" b="0" dirty="0">
+                <a:solidFill>
+                  <a:srgbClr val="569CD6"/>
+                </a:solidFill>
+                <a:effectLst/>
+                <a:latin typeface="Consolas" panose="020B0609020204030204" pitchFamily="49" charset="0"/>
+              </a:rPr>
+              <a:t>?&gt;</a:t>
+            </a:r>
+            <a:br>
+              <a:rPr lang="cs-CZ" sz="800" b="0" dirty="0">
+                <a:solidFill>
+                  <a:srgbClr val="CCCCCC"/>
+                </a:solidFill>
+                <a:effectLst/>
+                <a:latin typeface="Consolas" panose="020B0609020204030204" pitchFamily="49" charset="0"/>
+              </a:rPr>
+            </a:br>
+            <a:endParaRPr lang="cs-CZ" sz="800" b="0" dirty="0">
+              <a:solidFill>
+                <a:srgbClr val="CCCCCC"/>
+              </a:solidFill>
+              <a:effectLst/>
+              <a:latin typeface="Consolas" panose="020B0609020204030204" pitchFamily="49" charset="0"/>
+            </a:endParaRPr>
+          </a:p>
+        </p:txBody>
+      </p:sp>
+    </p:spTree>
+    <p:extLst>
+      <p:ext uri="{BB962C8B-B14F-4D97-AF65-F5344CB8AC3E}">
+        <p14:creationId xmlns:p14="http://schemas.microsoft.com/office/powerpoint/2010/main" val="3492440898"/>
+      </p:ext>
+    </p:extLst>
+  </p:cSld>
+  <p:clrMapOvr>
+    <a:masterClrMapping/>
+  </p:clrMapOvr>
+</p:sld>
+</file>
+
+<file path=ppt/slides/slide17.xml><?xml version="1.0" encoding="utf-8"?>
+<p:sld xmlns:a="http://schemas.openxmlformats.org/drawingml/2006/main" xmlns:r="http://schemas.openxmlformats.org/officeDocument/2006/relationships" xmlns:p="http://schemas.openxmlformats.org/presentationml/2006/main">
+  <p:cSld>
+    <p:bg>
+      <p:bgPr>
+        <a:solidFill>
+          <a:schemeClr val="bg2"/>
+        </a:solidFill>
+        <a:effectLst/>
+      </p:bgPr>
+    </p:bg>
+    <p:spTree>
+      <p:nvGrpSpPr>
+        <p:cNvPr id="1" name="">
+          <a:extLst>
+            <a:ext uri="{FF2B5EF4-FFF2-40B4-BE49-F238E27FC236}">
+              <a16:creationId xmlns:a16="http://schemas.microsoft.com/office/drawing/2014/main" id="{BAE80860-8266-3F64-4195-0AC71FFBAB37}"/>
+            </a:ext>
+          </a:extLst>
+        </p:cNvPr>
+        <p:cNvGrpSpPr/>
+        <p:nvPr/>
+      </p:nvGrpSpPr>
+      <p:grpSpPr>
+        <a:xfrm>
+          <a:off x="0" y="0"/>
+          <a:ext cx="0" cy="0"/>
+          <a:chOff x="0" y="0"/>
+          <a:chExt cx="0" cy="0"/>
+        </a:xfrm>
+      </p:grpSpPr>
+      <p:sp useBgFill="1">
+        <p:nvSpPr>
+          <p:cNvPr id="39" name="Rectangle 38">
+            <a:extLst>
+              <a:ext uri="{FF2B5EF4-FFF2-40B4-BE49-F238E27FC236}">
+                <a16:creationId xmlns:a16="http://schemas.microsoft.com/office/drawing/2014/main" id="{402B0106-D313-6070-7B14-8F910596D8EB}"/>
+              </a:ext>
+              <a:ext uri="{C183D7F6-B498-43B3-948B-1728B52AA6E4}">
+                <adec:decorative xmlns:adec="http://schemas.microsoft.com/office/drawing/2017/decorative" val="1"/>
+              </a:ext>
+            </a:extLst>
+          </p:cNvPr>
+          <p:cNvSpPr>
+            <a:spLocks noGrp="1" noRot="1" noChangeAspect="1" noMove="1" noResize="1" noEditPoints="1" noAdjustHandles="1" noChangeArrowheads="1" noChangeShapeType="1" noTextEdit="1"/>
+          </p:cNvSpPr>
+          <p:nvPr>
+            <p:extLst>
+              <p:ext uri="{386F3935-93C4-4BCD-93E2-E3B085C9AB24}">
+                <p16:designElem xmlns:p16="http://schemas.microsoft.com/office/powerpoint/2015/main" val="1"/>
+              </p:ext>
+            </p:extLst>
+          </p:nvPr>
+        </p:nvSpPr>
+        <p:spPr>
+          <a:xfrm>
+            <a:off x="0" y="0"/>
+            <a:ext cx="12188952" cy="6858000"/>
+          </a:xfrm>
+          <a:prstGeom prst="rect">
+            <a:avLst/>
+          </a:prstGeom>
+          <a:ln w="9525" cap="flat">
+            <a:noFill/>
+            <a:prstDash val="solid"/>
+            <a:miter/>
+          </a:ln>
+        </p:spPr>
+        <p:txBody>
+          <a:bodyPr rtlCol="0" anchor="ctr"/>
+          <a:lstStyle/>
+          <a:p>
+            <a:endParaRPr lang="en-US">
+              <a:solidFill>
+                <a:schemeClr val="tx1"/>
+              </a:solidFill>
+            </a:endParaRPr>
+          </a:p>
+        </p:txBody>
+      </p:sp>
+      <p:sp>
+        <p:nvSpPr>
+          <p:cNvPr id="41" name="Color Fill">
+            <a:extLst>
+              <a:ext uri="{FF2B5EF4-FFF2-40B4-BE49-F238E27FC236}">
+                <a16:creationId xmlns:a16="http://schemas.microsoft.com/office/drawing/2014/main" id="{A7B5C660-3A8D-9DEB-5937-3B2CAD2EE6A6}"/>
               </a:ext>
               <a:ext uri="{C183D7F6-B498-43B3-948B-1728B52AA6E4}">
                 <adec:decorative xmlns:adec="http://schemas.microsoft.com/office/drawing/2017/decorative" val="1"/>
@@ -45513,1815 +47369,10 @@
       </p:sp>
       <p:grpSp>
         <p:nvGrpSpPr>
-          <p:cNvPr id="26" name="Group 25">
+          <p:cNvPr id="43" name="Group 42">
             <a:extLst>
               <a:ext uri="{FF2B5EF4-FFF2-40B4-BE49-F238E27FC236}">
-                <a16:creationId xmlns:a16="http://schemas.microsoft.com/office/drawing/2014/main" id="{477DA76C-608C-86DD-1E89-8C52AF137FE0}"/>
-              </a:ext>
-              <a:ext uri="{C183D7F6-B498-43B3-948B-1728B52AA6E4}">
-                <adec:decorative xmlns:adec="http://schemas.microsoft.com/office/drawing/2017/decorative" val="1"/>
-              </a:ext>
-            </a:extLst>
-          </p:cNvPr>
-          <p:cNvGrpSpPr>
-            <a:grpSpLocks noGrp="1" noUngrp="1" noRot="1" noChangeAspect="1" noMove="1" noResize="1"/>
-          </p:cNvGrpSpPr>
-          <p:nvPr>
-            <p:extLst>
-              <p:ext uri="{386F3935-93C4-4BCD-93E2-E3B085C9AB24}">
-                <p16:designElem xmlns:p16="http://schemas.microsoft.com/office/powerpoint/2015/main" val="1"/>
-              </p:ext>
-            </p:extLst>
-          </p:nvPr>
-        </p:nvGrpSpPr>
-        <p:grpSpPr>
-          <a:xfrm>
-            <a:off x="7649180" y="-1190"/>
-            <a:ext cx="4263283" cy="6859191"/>
-            <a:chOff x="7649180" y="-1190"/>
-            <a:chExt cx="4263283" cy="6859191"/>
-          </a:xfrm>
-        </p:grpSpPr>
-        <p:sp>
-          <p:nvSpPr>
-            <p:cNvPr id="27" name="Oval 26">
-              <a:extLst>
-                <a:ext uri="{FF2B5EF4-FFF2-40B4-BE49-F238E27FC236}">
-                  <a16:creationId xmlns:a16="http://schemas.microsoft.com/office/drawing/2014/main" id="{41DFCA93-17D9-8F20-5C14-BE2B48751F5A}"/>
-                </a:ext>
-                <a:ext uri="{C183D7F6-B498-43B3-948B-1728B52AA6E4}">
-                  <adec:decorative xmlns:adec="http://schemas.microsoft.com/office/drawing/2017/decorative" val="1"/>
-                </a:ext>
-              </a:extLst>
-            </p:cNvPr>
-            <p:cNvSpPr/>
-            <p:nvPr>
-              <p:extLst>
-                <p:ext uri="{386F3935-93C4-4BCD-93E2-E3B085C9AB24}">
-                  <p16:designElem xmlns:p16="http://schemas.microsoft.com/office/powerpoint/2015/main" val="1"/>
-                </p:ext>
-              </p:extLst>
-            </p:nvPr>
-          </p:nvSpPr>
-          <p:spPr>
-            <a:xfrm>
-              <a:off x="11202463" y="453951"/>
-              <a:ext cx="608046" cy="608046"/>
-            </a:xfrm>
-            <a:prstGeom prst="ellipse">
-              <a:avLst/>
-            </a:prstGeom>
-            <a:solidFill>
-              <a:schemeClr val="accent1">
-                <a:lumMod val="60000"/>
-                <a:lumOff val="40000"/>
-                <a:alpha val="60000"/>
-              </a:schemeClr>
-            </a:solidFill>
-            <a:ln w="9331" cap="flat">
-              <a:noFill/>
-              <a:prstDash val="solid"/>
-              <a:miter/>
-            </a:ln>
-          </p:spPr>
-          <p:txBody>
-            <a:bodyPr rtlCol="0" anchor="ctr"/>
-            <a:lstStyle/>
-            <a:p>
-              <a:endParaRPr lang="en-US">
-                <a:solidFill>
-                  <a:schemeClr val="tx1"/>
-                </a:solidFill>
-              </a:endParaRPr>
-            </a:p>
-          </p:txBody>
-        </p:sp>
-        <p:sp>
-          <p:nvSpPr>
-            <p:cNvPr id="28" name="Graphic 18">
-              <a:extLst>
-                <a:ext uri="{FF2B5EF4-FFF2-40B4-BE49-F238E27FC236}">
-                  <a16:creationId xmlns:a16="http://schemas.microsoft.com/office/drawing/2014/main" id="{20E3E4F4-638F-BDFC-63EB-6E6E3EFC144C}"/>
-                </a:ext>
-                <a:ext uri="{C183D7F6-B498-43B3-948B-1728B52AA6E4}">
-                  <adec:decorative xmlns:adec="http://schemas.microsoft.com/office/drawing/2017/decorative" val="1"/>
-                </a:ext>
-              </a:extLst>
-            </p:cNvPr>
-            <p:cNvSpPr/>
-            <p:nvPr>
-              <p:extLst>
-                <p:ext uri="{386F3935-93C4-4BCD-93E2-E3B085C9AB24}">
-                  <p16:designElem xmlns:p16="http://schemas.microsoft.com/office/powerpoint/2015/main" val="1"/>
-                </p:ext>
-              </p:extLst>
-            </p:nvPr>
-          </p:nvSpPr>
-          <p:spPr>
-            <a:xfrm>
-              <a:off x="7649180" y="4581409"/>
-              <a:ext cx="856614" cy="1305524"/>
-            </a:xfrm>
-            <a:custGeom>
-              <a:avLst/>
-              <a:gdLst>
-                <a:gd name="connsiteX0" fmla="*/ 3413379 w 3413378"/>
-                <a:gd name="connsiteY0" fmla="*/ 3266028 h 6532054"/>
-                <a:gd name="connsiteX1" fmla="*/ 1706689 w 3413378"/>
-                <a:gd name="connsiteY1" fmla="*/ 6532055 h 6532054"/>
-                <a:gd name="connsiteX2" fmla="*/ 0 w 3413378"/>
-                <a:gd name="connsiteY2" fmla="*/ 3266028 h 6532054"/>
-                <a:gd name="connsiteX3" fmla="*/ 1706689 w 3413378"/>
-                <a:gd name="connsiteY3" fmla="*/ 0 h 6532054"/>
-                <a:gd name="connsiteX4" fmla="*/ 3413379 w 3413378"/>
-                <a:gd name="connsiteY4" fmla="*/ 3266028 h 6532054"/>
-              </a:gdLst>
-              <a:ahLst/>
-              <a:cxnLst>
-                <a:cxn ang="0">
-                  <a:pos x="connsiteX0" y="connsiteY0"/>
-                </a:cxn>
-                <a:cxn ang="0">
-                  <a:pos x="connsiteX1" y="connsiteY1"/>
-                </a:cxn>
-                <a:cxn ang="0">
-                  <a:pos x="connsiteX2" y="connsiteY2"/>
-                </a:cxn>
-                <a:cxn ang="0">
-                  <a:pos x="connsiteX3" y="connsiteY3"/>
-                </a:cxn>
-                <a:cxn ang="0">
-                  <a:pos x="connsiteX4" y="connsiteY4"/>
-                </a:cxn>
-              </a:cxnLst>
-              <a:rect l="l" t="t" r="r" b="b"/>
-              <a:pathLst>
-                <a:path w="3413378" h="6532054">
-                  <a:moveTo>
-                    <a:pt x="3413379" y="3266028"/>
-                  </a:moveTo>
-                  <a:cubicBezTo>
-                    <a:pt x="3413379" y="5069777"/>
-                    <a:pt x="1706689" y="6532055"/>
-                    <a:pt x="1706689" y="6532055"/>
-                  </a:cubicBezTo>
-                  <a:cubicBezTo>
-                    <a:pt x="1706689" y="6532055"/>
-                    <a:pt x="0" y="5069777"/>
-                    <a:pt x="0" y="3266028"/>
-                  </a:cubicBezTo>
-                  <a:cubicBezTo>
-                    <a:pt x="0" y="1462278"/>
-                    <a:pt x="1706689" y="0"/>
-                    <a:pt x="1706689" y="0"/>
-                  </a:cubicBezTo>
-                  <a:cubicBezTo>
-                    <a:pt x="1706689" y="0"/>
-                    <a:pt x="3413379" y="1462278"/>
-                    <a:pt x="3413379" y="3266028"/>
-                  </a:cubicBezTo>
-                  <a:close/>
-                </a:path>
-              </a:pathLst>
-            </a:custGeom>
-            <a:pattFill prst="pct5">
-              <a:fgClr>
-                <a:schemeClr val="accent4">
-                  <a:lumMod val="60000"/>
-                  <a:lumOff val="40000"/>
-                </a:schemeClr>
-              </a:fgClr>
-              <a:bgClr>
-                <a:schemeClr val="accent1">
-                  <a:lumMod val="75000"/>
-                </a:schemeClr>
-              </a:bgClr>
-            </a:pattFill>
-            <a:ln w="9525" cap="flat">
-              <a:noFill/>
-              <a:prstDash val="solid"/>
-              <a:miter/>
-            </a:ln>
-          </p:spPr>
-          <p:txBody>
-            <a:bodyPr rtlCol="0" anchor="ctr"/>
-            <a:lstStyle/>
-            <a:p>
-              <a:endParaRPr lang="en-US"/>
-            </a:p>
-          </p:txBody>
-        </p:sp>
-        <p:sp>
-          <p:nvSpPr>
-            <p:cNvPr id="29" name="Oval 28">
-              <a:extLst>
-                <a:ext uri="{FF2B5EF4-FFF2-40B4-BE49-F238E27FC236}">
-                  <a16:creationId xmlns:a16="http://schemas.microsoft.com/office/drawing/2014/main" id="{D2D1C22F-C8F8-F0B9-3EB8-79DE4967F7F9}"/>
-                </a:ext>
-                <a:ext uri="{C183D7F6-B498-43B3-948B-1728B52AA6E4}">
-                  <adec:decorative xmlns:adec="http://schemas.microsoft.com/office/drawing/2017/decorative" val="1"/>
-                </a:ext>
-              </a:extLst>
-            </p:cNvPr>
-            <p:cNvSpPr/>
-            <p:nvPr>
-              <p:extLst>
-                <p:ext uri="{386F3935-93C4-4BCD-93E2-E3B085C9AB24}">
-                  <p16:designElem xmlns:p16="http://schemas.microsoft.com/office/powerpoint/2015/main" val="1"/>
-                </p:ext>
-              </p:extLst>
-            </p:nvPr>
-          </p:nvSpPr>
-          <p:spPr>
-            <a:xfrm>
-              <a:off x="8666922" y="5224794"/>
-              <a:ext cx="439469" cy="439469"/>
-            </a:xfrm>
-            <a:prstGeom prst="ellipse">
-              <a:avLst/>
-            </a:prstGeom>
-            <a:solidFill>
-              <a:schemeClr val="accent5"/>
-            </a:solidFill>
-            <a:ln>
-              <a:noFill/>
-            </a:ln>
-          </p:spPr>
-          <p:style>
-            <a:lnRef idx="2">
-              <a:schemeClr val="accent1">
-                <a:shade val="50000"/>
-              </a:schemeClr>
-            </a:lnRef>
-            <a:fillRef idx="1">
-              <a:schemeClr val="accent1"/>
-            </a:fillRef>
-            <a:effectRef idx="0">
-              <a:schemeClr val="accent1"/>
-            </a:effectRef>
-            <a:fontRef idx="minor">
-              <a:schemeClr val="lt1"/>
-            </a:fontRef>
-          </p:style>
-          <p:txBody>
-            <a:bodyPr rtlCol="0" anchor="ctr"/>
-            <a:lstStyle/>
-            <a:p>
-              <a:pPr algn="ctr"/>
-              <a:endParaRPr lang="en-US"/>
-            </a:p>
-          </p:txBody>
-        </p:sp>
-        <p:sp>
-          <p:nvSpPr>
-            <p:cNvPr id="30" name="Freeform: Shape 29">
-              <a:extLst>
-                <a:ext uri="{FF2B5EF4-FFF2-40B4-BE49-F238E27FC236}">
-                  <a16:creationId xmlns:a16="http://schemas.microsoft.com/office/drawing/2014/main" id="{2E70DEEE-8C72-8B55-003C-F2D7A15D80D6}"/>
-                </a:ext>
-                <a:ext uri="{C183D7F6-B498-43B3-948B-1728B52AA6E4}">
-                  <adec:decorative xmlns:adec="http://schemas.microsoft.com/office/drawing/2017/decorative" val="1"/>
-                </a:ext>
-              </a:extLst>
-            </p:cNvPr>
-            <p:cNvSpPr/>
-            <p:nvPr>
-              <p:extLst>
-                <p:ext uri="{386F3935-93C4-4BCD-93E2-E3B085C9AB24}">
-                  <p16:designElem xmlns:p16="http://schemas.microsoft.com/office/powerpoint/2015/main" val="1"/>
-                </p:ext>
-              </p:extLst>
-            </p:nvPr>
-          </p:nvSpPr>
-          <p:spPr>
-            <a:xfrm>
-              <a:off x="8314482" y="-1190"/>
-              <a:ext cx="3597981" cy="1501977"/>
-            </a:xfrm>
-            <a:custGeom>
-              <a:avLst/>
-              <a:gdLst>
-                <a:gd name="connsiteX0" fmla="*/ 0 w 3597981"/>
-                <a:gd name="connsiteY0" fmla="*/ 0 h 1501977"/>
-                <a:gd name="connsiteX1" fmla="*/ 3597981 w 3597981"/>
-                <a:gd name="connsiteY1" fmla="*/ 0 h 1501977"/>
-                <a:gd name="connsiteX2" fmla="*/ 3590068 w 3597981"/>
-                <a:gd name="connsiteY2" fmla="*/ 51850 h 1501977"/>
-                <a:gd name="connsiteX3" fmla="*/ 1810819 w 3597981"/>
-                <a:gd name="connsiteY3" fmla="*/ 1501977 h 1501977"/>
-                <a:gd name="connsiteX4" fmla="*/ 0 w 3597981"/>
-                <a:gd name="connsiteY4" fmla="*/ 1501977 h 1501977"/>
-              </a:gdLst>
-              <a:ahLst/>
-              <a:cxnLst>
-                <a:cxn ang="0">
-                  <a:pos x="connsiteX0" y="connsiteY0"/>
-                </a:cxn>
-                <a:cxn ang="0">
-                  <a:pos x="connsiteX1" y="connsiteY1"/>
-                </a:cxn>
-                <a:cxn ang="0">
-                  <a:pos x="connsiteX2" y="connsiteY2"/>
-                </a:cxn>
-                <a:cxn ang="0">
-                  <a:pos x="connsiteX3" y="connsiteY3"/>
-                </a:cxn>
-                <a:cxn ang="0">
-                  <a:pos x="connsiteX4" y="connsiteY4"/>
-                </a:cxn>
-              </a:cxnLst>
-              <a:rect l="l" t="t" r="r" b="b"/>
-              <a:pathLst>
-                <a:path w="3597981" h="1501977">
-                  <a:moveTo>
-                    <a:pt x="0" y="0"/>
-                  </a:moveTo>
-                  <a:lnTo>
-                    <a:pt x="3597981" y="0"/>
-                  </a:lnTo>
-                  <a:lnTo>
-                    <a:pt x="3590068" y="51850"/>
-                  </a:lnTo>
-                  <a:cubicBezTo>
-                    <a:pt x="3420721" y="879443"/>
-                    <a:pt x="2688479" y="1501977"/>
-                    <a:pt x="1810819" y="1501977"/>
-                  </a:cubicBezTo>
-                  <a:lnTo>
-                    <a:pt x="0" y="1501977"/>
-                  </a:lnTo>
-                  <a:close/>
-                </a:path>
-              </a:pathLst>
-            </a:custGeom>
-            <a:solidFill>
-              <a:schemeClr val="accent1">
-                <a:lumMod val="75000"/>
-                <a:alpha val="65000"/>
-              </a:schemeClr>
-            </a:solidFill>
-            <a:ln w="9331" cap="flat">
-              <a:noFill/>
-              <a:prstDash val="solid"/>
-              <a:miter/>
-            </a:ln>
-          </p:spPr>
-          <p:txBody>
-            <a:bodyPr rtlCol="0" anchor="ctr"/>
-            <a:lstStyle/>
-            <a:p>
-              <a:endParaRPr lang="en-US" dirty="0"/>
-            </a:p>
-          </p:txBody>
-        </p:sp>
-        <p:sp>
-          <p:nvSpPr>
-            <p:cNvPr id="31" name="Freeform: Shape 30">
-              <a:extLst>
-                <a:ext uri="{FF2B5EF4-FFF2-40B4-BE49-F238E27FC236}">
-                  <a16:creationId xmlns:a16="http://schemas.microsoft.com/office/drawing/2014/main" id="{5384CBE0-A463-897D-FB44-0AA163316C83}"/>
-                </a:ext>
-                <a:ext uri="{C183D7F6-B498-43B3-948B-1728B52AA6E4}">
-                  <adec:decorative xmlns:adec="http://schemas.microsoft.com/office/drawing/2017/decorative" val="1"/>
-                </a:ext>
-              </a:extLst>
-            </p:cNvPr>
-            <p:cNvSpPr/>
-            <p:nvPr>
-              <p:extLst>
-                <p:ext uri="{386F3935-93C4-4BCD-93E2-E3B085C9AB24}">
-                  <p16:designElem xmlns:p16="http://schemas.microsoft.com/office/powerpoint/2015/main" val="1"/>
-                </p:ext>
-              </p:extLst>
-            </p:nvPr>
-          </p:nvSpPr>
-          <p:spPr>
-            <a:xfrm>
-              <a:off x="8288140" y="5358010"/>
-              <a:ext cx="3597678" cy="1499991"/>
-            </a:xfrm>
-            <a:custGeom>
-              <a:avLst/>
-              <a:gdLst>
-                <a:gd name="connsiteX0" fmla="*/ 1786859 w 3597678"/>
-                <a:gd name="connsiteY0" fmla="*/ 0 h 1499991"/>
-                <a:gd name="connsiteX1" fmla="*/ 3597678 w 3597678"/>
-                <a:gd name="connsiteY1" fmla="*/ 0 h 1499991"/>
-                <a:gd name="connsiteX2" fmla="*/ 3597678 w 3597678"/>
-                <a:gd name="connsiteY2" fmla="*/ 1499991 h 1499991"/>
-                <a:gd name="connsiteX3" fmla="*/ 0 w 3597678"/>
-                <a:gd name="connsiteY3" fmla="*/ 1499991 h 1499991"/>
-                <a:gd name="connsiteX4" fmla="*/ 7610 w 3597678"/>
-                <a:gd name="connsiteY4" fmla="*/ 1450127 h 1499991"/>
-                <a:gd name="connsiteX5" fmla="*/ 1786859 w 3597678"/>
-                <a:gd name="connsiteY5" fmla="*/ 0 h 1499991"/>
-              </a:gdLst>
-              <a:ahLst/>
-              <a:cxnLst>
-                <a:cxn ang="0">
-                  <a:pos x="connsiteX0" y="connsiteY0"/>
-                </a:cxn>
-                <a:cxn ang="0">
-                  <a:pos x="connsiteX1" y="connsiteY1"/>
-                </a:cxn>
-                <a:cxn ang="0">
-                  <a:pos x="connsiteX2" y="connsiteY2"/>
-                </a:cxn>
-                <a:cxn ang="0">
-                  <a:pos x="connsiteX3" y="connsiteY3"/>
-                </a:cxn>
-                <a:cxn ang="0">
-                  <a:pos x="connsiteX4" y="connsiteY4"/>
-                </a:cxn>
-                <a:cxn ang="0">
-                  <a:pos x="connsiteX5" y="connsiteY5"/>
-                </a:cxn>
-              </a:cxnLst>
-              <a:rect l="l" t="t" r="r" b="b"/>
-              <a:pathLst>
-                <a:path w="3597678" h="1499991">
-                  <a:moveTo>
-                    <a:pt x="1786859" y="0"/>
-                  </a:moveTo>
-                  <a:lnTo>
-                    <a:pt x="3597678" y="0"/>
-                  </a:lnTo>
-                  <a:lnTo>
-                    <a:pt x="3597678" y="1499991"/>
-                  </a:lnTo>
-                  <a:lnTo>
-                    <a:pt x="0" y="1499991"/>
-                  </a:lnTo>
-                  <a:lnTo>
-                    <a:pt x="7610" y="1450127"/>
-                  </a:lnTo>
-                  <a:cubicBezTo>
-                    <a:pt x="176957" y="622534"/>
-                    <a:pt x="909198" y="0"/>
-                    <a:pt x="1786859" y="0"/>
-                  </a:cubicBezTo>
-                  <a:close/>
-                </a:path>
-              </a:pathLst>
-            </a:custGeom>
-            <a:solidFill>
-              <a:schemeClr val="accent1">
-                <a:lumMod val="60000"/>
-                <a:lumOff val="40000"/>
-                <a:alpha val="60000"/>
-              </a:schemeClr>
-            </a:solidFill>
-            <a:ln w="9331" cap="flat">
-              <a:noFill/>
-              <a:prstDash val="solid"/>
-              <a:miter/>
-            </a:ln>
-          </p:spPr>
-          <p:txBody>
-            <a:bodyPr rtlCol="0" anchor="ctr"/>
-            <a:lstStyle/>
-            <a:p>
-              <a:endParaRPr lang="en-US" dirty="0"/>
-            </a:p>
-          </p:txBody>
-        </p:sp>
-        <p:sp>
-          <p:nvSpPr>
-            <p:cNvPr id="32" name="Graphic 9">
-              <a:extLst>
-                <a:ext uri="{FF2B5EF4-FFF2-40B4-BE49-F238E27FC236}">
-                  <a16:creationId xmlns:a16="http://schemas.microsoft.com/office/drawing/2014/main" id="{5A9330B3-BB38-80F0-2E3B-B45FA7B07648}"/>
-                </a:ext>
-                <a:ext uri="{C183D7F6-B498-43B3-948B-1728B52AA6E4}">
-                  <adec:decorative xmlns:adec="http://schemas.microsoft.com/office/drawing/2017/decorative" val="1"/>
-                </a:ext>
-              </a:extLst>
-            </p:cNvPr>
-            <p:cNvSpPr/>
-            <p:nvPr>
-              <p:extLst>
-                <p:ext uri="{386F3935-93C4-4BCD-93E2-E3B085C9AB24}">
-                  <p16:designElem xmlns:p16="http://schemas.microsoft.com/office/powerpoint/2015/main" val="1"/>
-                </p:ext>
-              </p:extLst>
-            </p:nvPr>
-          </p:nvSpPr>
-          <p:spPr>
-            <a:xfrm>
-              <a:off x="8389791" y="1693710"/>
-              <a:ext cx="3496027" cy="3496025"/>
-            </a:xfrm>
-            <a:custGeom>
-              <a:avLst/>
-              <a:gdLst>
-                <a:gd name="connsiteX0" fmla="*/ 6861546 w 6861545"/>
-                <a:gd name="connsiteY0" fmla="*/ 6861546 h 6861545"/>
-                <a:gd name="connsiteX1" fmla="*/ 3435812 w 6861545"/>
-                <a:gd name="connsiteY1" fmla="*/ 6861546 h 6861545"/>
-                <a:gd name="connsiteX2" fmla="*/ 0 w 6861545"/>
-                <a:gd name="connsiteY2" fmla="*/ 3425734 h 6861545"/>
-                <a:gd name="connsiteX3" fmla="*/ 0 w 6861545"/>
-                <a:gd name="connsiteY3" fmla="*/ 0 h 6861545"/>
-                <a:gd name="connsiteX4" fmla="*/ 3425734 w 6861545"/>
-                <a:gd name="connsiteY4" fmla="*/ 0 h 6861545"/>
-                <a:gd name="connsiteX5" fmla="*/ 6861546 w 6861545"/>
-                <a:gd name="connsiteY5" fmla="*/ 3435812 h 6861545"/>
-                <a:gd name="connsiteX6" fmla="*/ 6861546 w 6861545"/>
-                <a:gd name="connsiteY6" fmla="*/ 6861546 h 6861545"/>
-              </a:gdLst>
-              <a:ahLst/>
-              <a:cxnLst>
-                <a:cxn ang="0">
-                  <a:pos x="connsiteX0" y="connsiteY0"/>
-                </a:cxn>
-                <a:cxn ang="0">
-                  <a:pos x="connsiteX1" y="connsiteY1"/>
-                </a:cxn>
-                <a:cxn ang="0">
-                  <a:pos x="connsiteX2" y="connsiteY2"/>
-                </a:cxn>
-                <a:cxn ang="0">
-                  <a:pos x="connsiteX3" y="connsiteY3"/>
-                </a:cxn>
-                <a:cxn ang="0">
-                  <a:pos x="connsiteX4" y="connsiteY4"/>
-                </a:cxn>
-                <a:cxn ang="0">
-                  <a:pos x="connsiteX5" y="connsiteY5"/>
-                </a:cxn>
-                <a:cxn ang="0">
-                  <a:pos x="connsiteX6" y="connsiteY6"/>
-                </a:cxn>
-              </a:cxnLst>
-              <a:rect l="l" t="t" r="r" b="b"/>
-              <a:pathLst>
-                <a:path w="6861545" h="6861545">
-                  <a:moveTo>
-                    <a:pt x="6861546" y="6861546"/>
-                  </a:moveTo>
-                  <a:lnTo>
-                    <a:pt x="3435812" y="6861546"/>
-                  </a:lnTo>
-                  <a:cubicBezTo>
-                    <a:pt x="1538245" y="6861546"/>
-                    <a:pt x="0" y="5323301"/>
-                    <a:pt x="0" y="3425734"/>
-                  </a:cubicBezTo>
-                  <a:lnTo>
-                    <a:pt x="0" y="0"/>
-                  </a:lnTo>
-                  <a:lnTo>
-                    <a:pt x="3425734" y="0"/>
-                  </a:lnTo>
-                  <a:cubicBezTo>
-                    <a:pt x="5323301" y="0"/>
-                    <a:pt x="6861546" y="1538245"/>
-                    <a:pt x="6861546" y="3435812"/>
-                  </a:cubicBezTo>
-                  <a:lnTo>
-                    <a:pt x="6861546" y="6861546"/>
-                  </a:lnTo>
-                  <a:close/>
-                </a:path>
-              </a:pathLst>
-            </a:custGeom>
-            <a:solidFill>
-              <a:srgbClr val="FFFFFF"/>
-            </a:solidFill>
-            <a:ln w="38100" cap="flat">
-              <a:solidFill>
-                <a:srgbClr val="F7F7F7"/>
-              </a:solidFill>
-              <a:prstDash val="solid"/>
-              <a:miter/>
-            </a:ln>
-          </p:spPr>
-          <p:txBody>
-            <a:bodyPr rtlCol="0" anchor="ctr"/>
-            <a:lstStyle/>
-            <a:p>
-              <a:endParaRPr lang="en-US" dirty="0"/>
-            </a:p>
-          </p:txBody>
-        </p:sp>
-      </p:grpSp>
-      <p:sp>
-        <p:nvSpPr>
-          <p:cNvPr id="34" name="Texture">
-            <a:extLst>
-              <a:ext uri="{FF2B5EF4-FFF2-40B4-BE49-F238E27FC236}">
-                <a16:creationId xmlns:a16="http://schemas.microsoft.com/office/drawing/2014/main" id="{EB16DD9C-0E5C-47A9-42B6-3CDDF0D59B5B}"/>
-              </a:ext>
-              <a:ext uri="{C183D7F6-B498-43B3-948B-1728B52AA6E4}">
-                <adec:decorative xmlns:adec="http://schemas.microsoft.com/office/drawing/2017/decorative" val="1"/>
-              </a:ext>
-            </a:extLst>
-          </p:cNvPr>
-          <p:cNvSpPr>
-            <a:spLocks noGrp="1" noRot="1" noChangeAspect="1" noMove="1" noResize="1" noEditPoints="1" noAdjustHandles="1" noChangeArrowheads="1" noChangeShapeType="1" noTextEdit="1"/>
-          </p:cNvSpPr>
-          <p:nvPr>
-            <p:extLst>
-              <p:ext uri="{386F3935-93C4-4BCD-93E2-E3B085C9AB24}">
-                <p16:designElem xmlns:p16="http://schemas.microsoft.com/office/powerpoint/2015/main" val="1"/>
-              </p:ext>
-            </p:extLst>
-          </p:nvPr>
-        </p:nvSpPr>
-        <p:spPr>
-          <a:xfrm>
-            <a:off x="3048" y="0"/>
-            <a:ext cx="12188952" cy="6858000"/>
-          </a:xfrm>
-          <a:prstGeom prst="rect">
-            <a:avLst/>
-          </a:prstGeom>
-          <a:blipFill dpi="0" rotWithShape="1">
-            <a:blip r:embed="rId2">
-              <a:alphaModFix amt="6000"/>
-            </a:blip>
-            <a:srcRect/>
-            <a:tile tx="0" ty="0" sx="100000" sy="100000" flip="none" algn="tl"/>
-          </a:blipFill>
-          <a:ln w="9525" cap="flat">
-            <a:noFill/>
-            <a:prstDash val="solid"/>
-            <a:miter/>
-          </a:ln>
-        </p:spPr>
-        <p:txBody>
-          <a:bodyPr rtlCol="0" anchor="ctr"/>
-          <a:lstStyle/>
-          <a:p>
-            <a:endParaRPr lang="en-US" dirty="0"/>
-          </a:p>
-        </p:txBody>
-      </p:sp>
-      <p:sp>
-        <p:nvSpPr>
-          <p:cNvPr id="2" name="Nadpis 1">
-            <a:extLst>
-              <a:ext uri="{FF2B5EF4-FFF2-40B4-BE49-F238E27FC236}">
-                <a16:creationId xmlns:a16="http://schemas.microsoft.com/office/drawing/2014/main" id="{68658457-ADB3-B4AA-AAF6-A1ADD15FA09A}"/>
-              </a:ext>
-            </a:extLst>
-          </p:cNvPr>
-          <p:cNvSpPr>
-            <a:spLocks noGrp="1"/>
-          </p:cNvSpPr>
-          <p:nvPr>
-            <p:ph type="title"/>
-          </p:nvPr>
-        </p:nvSpPr>
-        <p:spPr>
-          <a:xfrm>
-            <a:off x="574116" y="1993611"/>
-            <a:ext cx="7639509" cy="1616731"/>
-          </a:xfrm>
-          <a:solidFill>
-            <a:schemeClr val="accent4">
-              <a:lumMod val="50000"/>
-            </a:schemeClr>
-          </a:solidFill>
-        </p:spPr>
-        <p:txBody>
-          <a:bodyPr vert="horz" lIns="91440" tIns="45720" rIns="91440" bIns="45720" rtlCol="0" anchor="b">
-            <a:normAutofit/>
-          </a:bodyPr>
-          <a:lstStyle/>
-          <a:p>
-            <a:pPr>
-              <a:lnSpc>
-                <a:spcPts val="1425"/>
-              </a:lnSpc>
-            </a:pPr>
-            <a:r>
-              <a:rPr lang="cs-CZ" sz="1400" b="0" dirty="0">
-                <a:solidFill>
-                  <a:srgbClr val="569CD6"/>
-                </a:solidFill>
-                <a:effectLst/>
-                <a:latin typeface="Consolas" panose="020B0609020204030204" pitchFamily="49" charset="0"/>
-              </a:rPr>
-              <a:t>&lt;?</a:t>
-            </a:r>
-            <a:r>
-              <a:rPr lang="cs-CZ" sz="1400" b="0" dirty="0" err="1">
-                <a:solidFill>
-                  <a:srgbClr val="569CD6"/>
-                </a:solidFill>
-                <a:effectLst/>
-                <a:latin typeface="Consolas" panose="020B0609020204030204" pitchFamily="49" charset="0"/>
-              </a:rPr>
-              <a:t>php</a:t>
-            </a:r>
-            <a:r>
-              <a:rPr lang="cs-CZ" sz="1400" b="0" dirty="0">
-                <a:solidFill>
-                  <a:srgbClr val="D4D4D4"/>
-                </a:solidFill>
-                <a:effectLst/>
-                <a:latin typeface="Consolas" panose="020B0609020204030204" pitchFamily="49" charset="0"/>
-              </a:rPr>
-              <a:t> </a:t>
-            </a:r>
-            <a:r>
-              <a:rPr lang="cs-CZ" sz="1400" b="0" dirty="0" err="1">
-                <a:solidFill>
-                  <a:srgbClr val="C586C0"/>
-                </a:solidFill>
-                <a:effectLst/>
-                <a:latin typeface="Consolas" panose="020B0609020204030204" pitchFamily="49" charset="0"/>
-              </a:rPr>
-              <a:t>if</a:t>
-            </a:r>
-            <a:r>
-              <a:rPr lang="cs-CZ" sz="1400" b="0" dirty="0">
-                <a:solidFill>
-                  <a:srgbClr val="D4D4D4"/>
-                </a:solidFill>
-                <a:effectLst/>
-                <a:latin typeface="Consolas" panose="020B0609020204030204" pitchFamily="49" charset="0"/>
-              </a:rPr>
-              <a:t> (</a:t>
-            </a:r>
-            <a:r>
-              <a:rPr lang="cs-CZ" sz="1400" b="0" dirty="0" err="1">
-                <a:solidFill>
-                  <a:srgbClr val="DCDCAA"/>
-                </a:solidFill>
-                <a:effectLst/>
-                <a:latin typeface="Consolas" panose="020B0609020204030204" pitchFamily="49" charset="0"/>
-              </a:rPr>
-              <a:t>isset</a:t>
-            </a:r>
-            <a:r>
-              <a:rPr lang="cs-CZ" sz="1400" b="0" dirty="0">
-                <a:solidFill>
-                  <a:srgbClr val="D4D4D4"/>
-                </a:solidFill>
-                <a:effectLst/>
-                <a:latin typeface="Consolas" panose="020B0609020204030204" pitchFamily="49" charset="0"/>
-              </a:rPr>
-              <a:t>(</a:t>
-            </a:r>
-            <a:r>
-              <a:rPr lang="cs-CZ" sz="1400" b="0" dirty="0">
-                <a:solidFill>
-                  <a:srgbClr val="9CDCFE"/>
-                </a:solidFill>
-                <a:effectLst/>
-                <a:latin typeface="Consolas" panose="020B0609020204030204" pitchFamily="49" charset="0"/>
-              </a:rPr>
-              <a:t>$_SESSION</a:t>
-            </a:r>
-            <a:r>
-              <a:rPr lang="cs-CZ" sz="1400" b="0" dirty="0">
-                <a:solidFill>
-                  <a:srgbClr val="D4D4D4"/>
-                </a:solidFill>
-                <a:effectLst/>
-                <a:latin typeface="Consolas" panose="020B0609020204030204" pitchFamily="49" charset="0"/>
-              </a:rPr>
-              <a:t>[</a:t>
-            </a:r>
-            <a:r>
-              <a:rPr lang="cs-CZ" sz="1400" b="0" dirty="0">
-                <a:solidFill>
-                  <a:srgbClr val="CE9178"/>
-                </a:solidFill>
-                <a:effectLst/>
-                <a:latin typeface="Consolas" panose="020B0609020204030204" pitchFamily="49" charset="0"/>
-              </a:rPr>
-              <a:t>"</a:t>
-            </a:r>
-            <a:r>
-              <a:rPr lang="cs-CZ" sz="1400" b="0" dirty="0" err="1">
-                <a:solidFill>
-                  <a:srgbClr val="CE9178"/>
-                </a:solidFill>
-                <a:effectLst/>
-                <a:latin typeface="Consolas" panose="020B0609020204030204" pitchFamily="49" charset="0"/>
-              </a:rPr>
-              <a:t>upPer</a:t>
-            </a:r>
-            <a:r>
-              <a:rPr lang="cs-CZ" sz="1400" b="0" dirty="0">
-                <a:solidFill>
-                  <a:srgbClr val="CE9178"/>
-                </a:solidFill>
-                <a:effectLst/>
-                <a:latin typeface="Consolas" panose="020B0609020204030204" pitchFamily="49" charset="0"/>
-              </a:rPr>
-              <a:t>"</a:t>
-            </a:r>
-            <a:r>
-              <a:rPr lang="cs-CZ" sz="1400" b="0" dirty="0">
-                <a:solidFill>
-                  <a:srgbClr val="D4D4D4"/>
-                </a:solidFill>
-                <a:effectLst/>
-                <a:latin typeface="Consolas" panose="020B0609020204030204" pitchFamily="49" charset="0"/>
-              </a:rPr>
-              <a:t>]) &amp;&amp; </a:t>
-            </a:r>
-            <a:r>
-              <a:rPr lang="cs-CZ" sz="1400" b="0" dirty="0">
-                <a:solidFill>
-                  <a:srgbClr val="9CDCFE"/>
-                </a:solidFill>
-                <a:effectLst/>
-                <a:latin typeface="Consolas" panose="020B0609020204030204" pitchFamily="49" charset="0"/>
-              </a:rPr>
-              <a:t>$_SESSION</a:t>
-            </a:r>
-            <a:r>
-              <a:rPr lang="cs-CZ" sz="1400" b="0" dirty="0">
-                <a:solidFill>
-                  <a:srgbClr val="D4D4D4"/>
-                </a:solidFill>
-                <a:effectLst/>
-                <a:latin typeface="Consolas" panose="020B0609020204030204" pitchFamily="49" charset="0"/>
-              </a:rPr>
-              <a:t>[</a:t>
-            </a:r>
-            <a:r>
-              <a:rPr lang="cs-CZ" sz="1400" b="0" dirty="0">
-                <a:solidFill>
-                  <a:srgbClr val="CE9178"/>
-                </a:solidFill>
-                <a:effectLst/>
-                <a:latin typeface="Consolas" panose="020B0609020204030204" pitchFamily="49" charset="0"/>
-              </a:rPr>
-              <a:t>"</a:t>
-            </a:r>
-            <a:r>
-              <a:rPr lang="cs-CZ" sz="1400" b="0" dirty="0" err="1">
-                <a:solidFill>
-                  <a:srgbClr val="CE9178"/>
-                </a:solidFill>
-                <a:effectLst/>
-                <a:latin typeface="Consolas" panose="020B0609020204030204" pitchFamily="49" charset="0"/>
-              </a:rPr>
-              <a:t>upPer</a:t>
-            </a:r>
-            <a:r>
-              <a:rPr lang="cs-CZ" sz="1400" b="0" dirty="0">
-                <a:solidFill>
-                  <a:srgbClr val="CE9178"/>
-                </a:solidFill>
-                <a:effectLst/>
-                <a:latin typeface="Consolas" panose="020B0609020204030204" pitchFamily="49" charset="0"/>
-              </a:rPr>
-              <a:t>"</a:t>
-            </a:r>
-            <a:r>
-              <a:rPr lang="cs-CZ" sz="1400" b="0" dirty="0">
-                <a:solidFill>
-                  <a:srgbClr val="D4D4D4"/>
-                </a:solidFill>
-                <a:effectLst/>
-                <a:latin typeface="Consolas" panose="020B0609020204030204" pitchFamily="49" charset="0"/>
-              </a:rPr>
-              <a:t>] == </a:t>
-            </a:r>
-            <a:r>
-              <a:rPr lang="cs-CZ" sz="1400" b="0" dirty="0" err="1">
-                <a:solidFill>
-                  <a:srgbClr val="569CD6"/>
-                </a:solidFill>
-                <a:effectLst/>
-                <a:latin typeface="Consolas" panose="020B0609020204030204" pitchFamily="49" charset="0"/>
-              </a:rPr>
-              <a:t>true</a:t>
-            </a:r>
-            <a:r>
-              <a:rPr lang="cs-CZ" sz="1400" b="0" dirty="0">
-                <a:solidFill>
-                  <a:srgbClr val="D4D4D4"/>
-                </a:solidFill>
-                <a:effectLst/>
-                <a:latin typeface="Consolas" panose="020B0609020204030204" pitchFamily="49" charset="0"/>
-              </a:rPr>
-              <a:t>) : </a:t>
-            </a:r>
-            <a:r>
-              <a:rPr lang="cs-CZ" sz="1400" b="0" dirty="0">
-                <a:solidFill>
-                  <a:srgbClr val="569CD6"/>
-                </a:solidFill>
-                <a:effectLst/>
-                <a:latin typeface="Consolas" panose="020B0609020204030204" pitchFamily="49" charset="0"/>
-              </a:rPr>
-              <a:t>?&gt;</a:t>
-            </a:r>
-            <a:br>
-              <a:rPr lang="cs-CZ" sz="1400" b="0" dirty="0">
-                <a:solidFill>
-                  <a:srgbClr val="CCCCCC"/>
-                </a:solidFill>
-                <a:effectLst/>
-                <a:latin typeface="Consolas" panose="020B0609020204030204" pitchFamily="49" charset="0"/>
-              </a:rPr>
-            </a:br>
-            <a:r>
-              <a:rPr lang="cs-CZ" sz="1400" b="0" dirty="0">
-                <a:solidFill>
-                  <a:srgbClr val="CCCCCC"/>
-                </a:solidFill>
-                <a:effectLst/>
-                <a:latin typeface="Consolas" panose="020B0609020204030204" pitchFamily="49" charset="0"/>
-              </a:rPr>
-              <a:t>    </a:t>
-            </a:r>
-            <a:r>
-              <a:rPr lang="cs-CZ" sz="1400" b="0" dirty="0">
-                <a:solidFill>
-                  <a:srgbClr val="808080"/>
-                </a:solidFill>
-                <a:effectLst/>
-                <a:latin typeface="Consolas" panose="020B0609020204030204" pitchFamily="49" charset="0"/>
-              </a:rPr>
-              <a:t>&lt;</a:t>
-            </a:r>
-            <a:r>
-              <a:rPr lang="cs-CZ" sz="1400" b="0" dirty="0" err="1">
-                <a:solidFill>
-                  <a:srgbClr val="569CD6"/>
-                </a:solidFill>
-                <a:effectLst/>
-                <a:latin typeface="Consolas" panose="020B0609020204030204" pitchFamily="49" charset="0"/>
-              </a:rPr>
-              <a:t>button</a:t>
-            </a:r>
-            <a:r>
-              <a:rPr lang="cs-CZ" sz="1400" b="0" dirty="0">
-                <a:solidFill>
-                  <a:srgbClr val="CCCCCC"/>
-                </a:solidFill>
-                <a:effectLst/>
-                <a:latin typeface="Consolas" panose="020B0609020204030204" pitchFamily="49" charset="0"/>
-              </a:rPr>
-              <a:t> </a:t>
-            </a:r>
-            <a:r>
-              <a:rPr lang="cs-CZ" sz="1400" b="0" dirty="0">
-                <a:solidFill>
-                  <a:srgbClr val="9CDCFE"/>
-                </a:solidFill>
-                <a:effectLst/>
-                <a:latin typeface="Consolas" panose="020B0609020204030204" pitchFamily="49" charset="0"/>
-              </a:rPr>
-              <a:t>type</a:t>
-            </a:r>
-            <a:r>
-              <a:rPr lang="cs-CZ" sz="1400" b="0" dirty="0">
-                <a:solidFill>
-                  <a:srgbClr val="CCCCCC"/>
-                </a:solidFill>
-                <a:effectLst/>
-                <a:latin typeface="Consolas" panose="020B0609020204030204" pitchFamily="49" charset="0"/>
-              </a:rPr>
-              <a:t>=</a:t>
-            </a:r>
-            <a:r>
-              <a:rPr lang="cs-CZ" sz="1400" b="0" dirty="0">
-                <a:solidFill>
-                  <a:srgbClr val="CE9178"/>
-                </a:solidFill>
-                <a:effectLst/>
-                <a:latin typeface="Consolas" panose="020B0609020204030204" pitchFamily="49" charset="0"/>
-              </a:rPr>
-              <a:t>"</a:t>
-            </a:r>
-            <a:r>
-              <a:rPr lang="cs-CZ" sz="1400" b="0" dirty="0" err="1">
-                <a:solidFill>
-                  <a:srgbClr val="CE9178"/>
-                </a:solidFill>
-                <a:effectLst/>
-                <a:latin typeface="Consolas" panose="020B0609020204030204" pitchFamily="49" charset="0"/>
-              </a:rPr>
-              <a:t>button</a:t>
-            </a:r>
-            <a:r>
-              <a:rPr lang="cs-CZ" sz="1400" b="0" dirty="0">
-                <a:solidFill>
-                  <a:srgbClr val="CE9178"/>
-                </a:solidFill>
-                <a:effectLst/>
-                <a:latin typeface="Consolas" panose="020B0609020204030204" pitchFamily="49" charset="0"/>
-              </a:rPr>
-              <a:t>"</a:t>
-            </a:r>
-            <a:r>
-              <a:rPr lang="cs-CZ" sz="1400" b="0" dirty="0">
-                <a:solidFill>
-                  <a:srgbClr val="CCCCCC"/>
-                </a:solidFill>
-                <a:effectLst/>
-                <a:latin typeface="Consolas" panose="020B0609020204030204" pitchFamily="49" charset="0"/>
-              </a:rPr>
-              <a:t> </a:t>
-            </a:r>
-            <a:r>
-              <a:rPr lang="cs-CZ" sz="1400" b="0" dirty="0" err="1">
-                <a:solidFill>
-                  <a:srgbClr val="9CDCFE"/>
-                </a:solidFill>
-                <a:effectLst/>
-                <a:latin typeface="Consolas" panose="020B0609020204030204" pitchFamily="49" charset="0"/>
-              </a:rPr>
-              <a:t>class</a:t>
-            </a:r>
-            <a:r>
-              <a:rPr lang="cs-CZ" sz="1400" b="0" dirty="0">
-                <a:solidFill>
-                  <a:srgbClr val="CCCCCC"/>
-                </a:solidFill>
-                <a:effectLst/>
-                <a:latin typeface="Consolas" panose="020B0609020204030204" pitchFamily="49" charset="0"/>
-              </a:rPr>
-              <a:t>=</a:t>
-            </a:r>
-            <a:r>
-              <a:rPr lang="cs-CZ" sz="1400" b="0" dirty="0">
-                <a:solidFill>
-                  <a:srgbClr val="CE9178"/>
-                </a:solidFill>
-                <a:effectLst/>
-                <a:latin typeface="Consolas" panose="020B0609020204030204" pitchFamily="49" charset="0"/>
-              </a:rPr>
-              <a:t>"</a:t>
-            </a:r>
-            <a:r>
-              <a:rPr lang="cs-CZ" sz="1400" b="0" dirty="0" err="1">
-                <a:solidFill>
-                  <a:srgbClr val="CE9178"/>
-                </a:solidFill>
-                <a:effectLst/>
-                <a:latin typeface="Consolas" panose="020B0609020204030204" pitchFamily="49" charset="0"/>
-              </a:rPr>
-              <a:t>btn</a:t>
-            </a:r>
-            <a:r>
-              <a:rPr lang="cs-CZ" sz="1400" b="0" dirty="0">
-                <a:solidFill>
-                  <a:srgbClr val="CE9178"/>
-                </a:solidFill>
-                <a:effectLst/>
-                <a:latin typeface="Consolas" panose="020B0609020204030204" pitchFamily="49" charset="0"/>
-              </a:rPr>
-              <a:t> </a:t>
-            </a:r>
-            <a:r>
-              <a:rPr lang="cs-CZ" sz="1400" b="0" dirty="0" err="1">
-                <a:solidFill>
-                  <a:srgbClr val="CE9178"/>
-                </a:solidFill>
-                <a:effectLst/>
-                <a:latin typeface="Consolas" panose="020B0609020204030204" pitchFamily="49" charset="0"/>
-              </a:rPr>
-              <a:t>btn-warning</a:t>
-            </a:r>
-            <a:r>
-              <a:rPr lang="cs-CZ" sz="1400" b="0" dirty="0">
-                <a:solidFill>
-                  <a:srgbClr val="CE9178"/>
-                </a:solidFill>
-                <a:effectLst/>
-                <a:latin typeface="Consolas" panose="020B0609020204030204" pitchFamily="49" charset="0"/>
-              </a:rPr>
-              <a:t> mt-1 mb-1"</a:t>
-            </a:r>
-            <a:r>
-              <a:rPr lang="cs-CZ" sz="1400" b="0" dirty="0">
-                <a:solidFill>
-                  <a:srgbClr val="CCCCCC"/>
-                </a:solidFill>
-                <a:effectLst/>
-                <a:latin typeface="Consolas" panose="020B0609020204030204" pitchFamily="49" charset="0"/>
-              </a:rPr>
-              <a:t> </a:t>
-            </a:r>
-            <a:r>
-              <a:rPr lang="cs-CZ" sz="1400" b="0" dirty="0" err="1">
-                <a:solidFill>
-                  <a:srgbClr val="9CDCFE"/>
-                </a:solidFill>
-                <a:effectLst/>
-                <a:latin typeface="Consolas" panose="020B0609020204030204" pitchFamily="49" charset="0"/>
-              </a:rPr>
-              <a:t>onclick</a:t>
-            </a:r>
-            <a:r>
-              <a:rPr lang="cs-CZ" sz="1400" b="0" dirty="0">
-                <a:solidFill>
-                  <a:srgbClr val="CCCCCC"/>
-                </a:solidFill>
-                <a:effectLst/>
-                <a:latin typeface="Consolas" panose="020B0609020204030204" pitchFamily="49" charset="0"/>
-              </a:rPr>
-              <a:t>=</a:t>
-            </a:r>
-            <a:r>
-              <a:rPr lang="cs-CZ" sz="1400" b="0" dirty="0">
-                <a:solidFill>
-                  <a:srgbClr val="CE9178"/>
-                </a:solidFill>
-                <a:effectLst/>
-                <a:latin typeface="Consolas" panose="020B0609020204030204" pitchFamily="49" charset="0"/>
-              </a:rPr>
-              <a:t>"</a:t>
-            </a:r>
-            <a:r>
-              <a:rPr lang="cs-CZ" sz="1400" b="0" dirty="0" err="1">
-                <a:solidFill>
-                  <a:srgbClr val="DCDCAA"/>
-                </a:solidFill>
-                <a:effectLst/>
-                <a:latin typeface="Consolas" panose="020B0609020204030204" pitchFamily="49" charset="0"/>
-              </a:rPr>
-              <a:t>openRenameModal</a:t>
-            </a:r>
-            <a:r>
-              <a:rPr lang="cs-CZ" sz="1400" b="0" dirty="0">
-                <a:solidFill>
-                  <a:srgbClr val="CE9178"/>
-                </a:solidFill>
-                <a:effectLst/>
-                <a:latin typeface="Consolas" panose="020B0609020204030204" pitchFamily="49" charset="0"/>
-              </a:rPr>
-              <a:t>('</a:t>
-            </a:r>
-            <a:r>
-              <a:rPr lang="cs-CZ" sz="1400" b="0" dirty="0">
-                <a:solidFill>
-                  <a:srgbClr val="569CD6"/>
-                </a:solidFill>
-                <a:effectLst/>
-                <a:latin typeface="Consolas" panose="020B0609020204030204" pitchFamily="49" charset="0"/>
-              </a:rPr>
-              <a:t>&lt;?=</a:t>
-            </a:r>
-            <a:r>
-              <a:rPr lang="cs-CZ" sz="1400" b="0" dirty="0">
-                <a:solidFill>
-                  <a:srgbClr val="D4D4D4"/>
-                </a:solidFill>
-                <a:effectLst/>
-                <a:latin typeface="Consolas" panose="020B0609020204030204" pitchFamily="49" charset="0"/>
-              </a:rPr>
-              <a:t> </a:t>
-            </a:r>
-            <a:r>
-              <a:rPr lang="cs-CZ" sz="1400" b="0" dirty="0" err="1">
-                <a:solidFill>
-                  <a:srgbClr val="DCDCAA"/>
-                </a:solidFill>
-                <a:effectLst/>
-                <a:latin typeface="Consolas" panose="020B0609020204030204" pitchFamily="49" charset="0"/>
-              </a:rPr>
-              <a:t>htmlspecialchars</a:t>
-            </a:r>
-            <a:r>
-              <a:rPr lang="cs-CZ" sz="1400" b="0" dirty="0">
-                <a:solidFill>
-                  <a:srgbClr val="D4D4D4"/>
-                </a:solidFill>
-                <a:effectLst/>
-                <a:latin typeface="Consolas" panose="020B0609020204030204" pitchFamily="49" charset="0"/>
-              </a:rPr>
-              <a:t>(</a:t>
-            </a:r>
-            <a:r>
-              <a:rPr lang="cs-CZ" sz="1400" b="0" dirty="0" err="1">
-                <a:solidFill>
-                  <a:srgbClr val="DCDCAA"/>
-                </a:solidFill>
-                <a:effectLst/>
-                <a:latin typeface="Consolas" panose="020B0609020204030204" pitchFamily="49" charset="0"/>
-              </a:rPr>
-              <a:t>addslashes</a:t>
-            </a:r>
-            <a:r>
-              <a:rPr lang="cs-CZ" sz="1400" b="0" dirty="0">
-                <a:solidFill>
-                  <a:srgbClr val="D4D4D4"/>
-                </a:solidFill>
-                <a:effectLst/>
-                <a:latin typeface="Consolas" panose="020B0609020204030204" pitchFamily="49" charset="0"/>
-              </a:rPr>
-              <a:t>(</a:t>
-            </a:r>
-            <a:r>
-              <a:rPr lang="cs-CZ" sz="1400" b="0" dirty="0">
-                <a:solidFill>
-                  <a:srgbClr val="9CDCFE"/>
-                </a:solidFill>
-                <a:effectLst/>
-                <a:latin typeface="Consolas" panose="020B0609020204030204" pitchFamily="49" charset="0"/>
-              </a:rPr>
-              <a:t>$</a:t>
-            </a:r>
-            <a:r>
-              <a:rPr lang="cs-CZ" sz="1400" b="0" dirty="0" err="1">
-                <a:solidFill>
-                  <a:srgbClr val="9CDCFE"/>
-                </a:solidFill>
-                <a:effectLst/>
-                <a:latin typeface="Consolas" panose="020B0609020204030204" pitchFamily="49" charset="0"/>
-              </a:rPr>
-              <a:t>file</a:t>
-            </a:r>
-            <a:r>
-              <a:rPr lang="cs-CZ" sz="1400" b="0" dirty="0">
-                <a:solidFill>
-                  <a:srgbClr val="D4D4D4"/>
-                </a:solidFill>
-                <a:effectLst/>
-                <a:latin typeface="Consolas" panose="020B0609020204030204" pitchFamily="49" charset="0"/>
-              </a:rPr>
-              <a:t>)) </a:t>
-            </a:r>
-            <a:r>
-              <a:rPr lang="cs-CZ" sz="1400" b="0" dirty="0">
-                <a:solidFill>
-                  <a:srgbClr val="569CD6"/>
-                </a:solidFill>
-                <a:effectLst/>
-                <a:latin typeface="Consolas" panose="020B0609020204030204" pitchFamily="49" charset="0"/>
-              </a:rPr>
-              <a:t>?&gt;</a:t>
-            </a:r>
-            <a:r>
-              <a:rPr lang="cs-CZ" sz="1400" b="0" dirty="0">
-                <a:solidFill>
-                  <a:srgbClr val="CE9178"/>
-                </a:solidFill>
-                <a:effectLst/>
-                <a:latin typeface="Consolas" panose="020B0609020204030204" pitchFamily="49" charset="0"/>
-              </a:rPr>
-              <a:t>‘,  '</a:t>
-            </a:r>
-            <a:r>
-              <a:rPr lang="cs-CZ" sz="1400" b="0" dirty="0">
-                <a:solidFill>
-                  <a:srgbClr val="569CD6"/>
-                </a:solidFill>
-                <a:effectLst/>
-                <a:latin typeface="Consolas" panose="020B0609020204030204" pitchFamily="49" charset="0"/>
-              </a:rPr>
-              <a:t>&lt;?=</a:t>
-            </a:r>
-            <a:r>
-              <a:rPr lang="cs-CZ" sz="1400" b="0" dirty="0">
-                <a:solidFill>
-                  <a:srgbClr val="D4D4D4"/>
-                </a:solidFill>
-                <a:effectLst/>
-                <a:latin typeface="Consolas" panose="020B0609020204030204" pitchFamily="49" charset="0"/>
-              </a:rPr>
-              <a:t> </a:t>
-            </a:r>
-            <a:r>
-              <a:rPr lang="cs-CZ" sz="1400" b="0" dirty="0" err="1">
-                <a:solidFill>
-                  <a:srgbClr val="DCDCAA"/>
-                </a:solidFill>
-                <a:effectLst/>
-                <a:latin typeface="Consolas" panose="020B0609020204030204" pitchFamily="49" charset="0"/>
-              </a:rPr>
-              <a:t>htmlspecialchars</a:t>
-            </a:r>
-            <a:r>
-              <a:rPr lang="cs-CZ" sz="1400" b="0" dirty="0">
-                <a:solidFill>
-                  <a:srgbClr val="D4D4D4"/>
-                </a:solidFill>
-                <a:effectLst/>
-                <a:latin typeface="Consolas" panose="020B0609020204030204" pitchFamily="49" charset="0"/>
-              </a:rPr>
-              <a:t>(</a:t>
-            </a:r>
-            <a:r>
-              <a:rPr lang="cs-CZ" sz="1400" b="0" dirty="0" err="1">
-                <a:solidFill>
-                  <a:srgbClr val="DCDCAA"/>
-                </a:solidFill>
-                <a:effectLst/>
-                <a:latin typeface="Consolas" panose="020B0609020204030204" pitchFamily="49" charset="0"/>
-              </a:rPr>
-              <a:t>addslashes</a:t>
-            </a:r>
-            <a:r>
-              <a:rPr lang="cs-CZ" sz="1400" b="0" dirty="0">
-                <a:solidFill>
-                  <a:srgbClr val="D4D4D4"/>
-                </a:solidFill>
-                <a:effectLst/>
-                <a:latin typeface="Consolas" panose="020B0609020204030204" pitchFamily="49" charset="0"/>
-              </a:rPr>
-              <a:t>(</a:t>
-            </a:r>
-            <a:r>
-              <a:rPr lang="cs-CZ" sz="1400" b="0" dirty="0">
-                <a:solidFill>
-                  <a:srgbClr val="9CDCFE"/>
-                </a:solidFill>
-                <a:effectLst/>
-                <a:latin typeface="Consolas" panose="020B0609020204030204" pitchFamily="49" charset="0"/>
-              </a:rPr>
-              <a:t>$</a:t>
-            </a:r>
-            <a:r>
-              <a:rPr lang="cs-CZ" sz="1400" b="0" dirty="0" err="1">
-                <a:solidFill>
-                  <a:srgbClr val="9CDCFE"/>
-                </a:solidFill>
-                <a:effectLst/>
-                <a:latin typeface="Consolas" panose="020B0609020204030204" pitchFamily="49" charset="0"/>
-              </a:rPr>
-              <a:t>currentPath</a:t>
-            </a:r>
-            <a:r>
-              <a:rPr lang="cs-CZ" sz="1400" b="0" dirty="0">
-                <a:solidFill>
-                  <a:srgbClr val="D4D4D4"/>
-                </a:solidFill>
-                <a:effectLst/>
-                <a:latin typeface="Consolas" panose="020B0609020204030204" pitchFamily="49" charset="0"/>
-              </a:rPr>
-              <a:t> . </a:t>
-            </a:r>
-            <a:r>
-              <a:rPr lang="cs-CZ" sz="1400" b="0" dirty="0">
-                <a:solidFill>
-                  <a:srgbClr val="CE9178"/>
-                </a:solidFill>
-                <a:effectLst/>
-                <a:latin typeface="Consolas" panose="020B0609020204030204" pitchFamily="49" charset="0"/>
-              </a:rPr>
-              <a:t>'/'</a:t>
-            </a:r>
-            <a:r>
-              <a:rPr lang="cs-CZ" sz="1400" b="0" dirty="0">
-                <a:solidFill>
-                  <a:srgbClr val="D4D4D4"/>
-                </a:solidFill>
-                <a:effectLst/>
-                <a:latin typeface="Consolas" panose="020B0609020204030204" pitchFamily="49" charset="0"/>
-              </a:rPr>
-              <a:t> . </a:t>
-            </a:r>
-            <a:r>
-              <a:rPr lang="cs-CZ" sz="1400" b="0" dirty="0">
-                <a:solidFill>
-                  <a:srgbClr val="9CDCFE"/>
-                </a:solidFill>
-                <a:effectLst/>
-                <a:latin typeface="Consolas" panose="020B0609020204030204" pitchFamily="49" charset="0"/>
-              </a:rPr>
-              <a:t>$</a:t>
-            </a:r>
-            <a:r>
-              <a:rPr lang="cs-CZ" sz="1400" b="0" dirty="0" err="1">
-                <a:solidFill>
-                  <a:srgbClr val="9CDCFE"/>
-                </a:solidFill>
-                <a:effectLst/>
-                <a:latin typeface="Consolas" panose="020B0609020204030204" pitchFamily="49" charset="0"/>
-              </a:rPr>
-              <a:t>file</a:t>
-            </a:r>
-            <a:r>
-              <a:rPr lang="cs-CZ" sz="1400" b="0" dirty="0">
-                <a:solidFill>
-                  <a:srgbClr val="D4D4D4"/>
-                </a:solidFill>
-                <a:effectLst/>
-                <a:latin typeface="Consolas" panose="020B0609020204030204" pitchFamily="49" charset="0"/>
-              </a:rPr>
-              <a:t>)) </a:t>
-            </a:r>
-            <a:r>
-              <a:rPr lang="cs-CZ" sz="1400" b="0" dirty="0">
-                <a:solidFill>
-                  <a:srgbClr val="569CD6"/>
-                </a:solidFill>
-                <a:effectLst/>
-                <a:latin typeface="Consolas" panose="020B0609020204030204" pitchFamily="49" charset="0"/>
-              </a:rPr>
-              <a:t>?&gt;</a:t>
-            </a:r>
-            <a:r>
-              <a:rPr lang="cs-CZ" sz="1400" b="0" dirty="0">
-                <a:solidFill>
-                  <a:srgbClr val="CE9178"/>
-                </a:solidFill>
-                <a:effectLst/>
-                <a:latin typeface="Consolas" panose="020B0609020204030204" pitchFamily="49" charset="0"/>
-              </a:rPr>
-              <a:t>')"</a:t>
-            </a:r>
-            <a:r>
-              <a:rPr lang="cs-CZ" sz="1400" b="0" dirty="0">
-                <a:solidFill>
-                  <a:srgbClr val="808080"/>
-                </a:solidFill>
-                <a:effectLst/>
-                <a:latin typeface="Consolas" panose="020B0609020204030204" pitchFamily="49" charset="0"/>
-              </a:rPr>
-              <a:t>&gt;</a:t>
-            </a:r>
-            <a:r>
-              <a:rPr lang="cs-CZ" sz="1400" b="0" dirty="0" err="1">
-                <a:solidFill>
-                  <a:srgbClr val="CCCCCC"/>
-                </a:solidFill>
-                <a:effectLst/>
-                <a:latin typeface="Consolas" panose="020B0609020204030204" pitchFamily="49" charset="0"/>
-              </a:rPr>
-              <a:t>Rename</a:t>
-            </a:r>
-            <a:r>
-              <a:rPr lang="cs-CZ" sz="1400" b="0" dirty="0">
-                <a:solidFill>
-                  <a:srgbClr val="808080"/>
-                </a:solidFill>
-                <a:effectLst/>
-                <a:latin typeface="Consolas" panose="020B0609020204030204" pitchFamily="49" charset="0"/>
-              </a:rPr>
-              <a:t>&lt;/</a:t>
-            </a:r>
-            <a:r>
-              <a:rPr lang="cs-CZ" sz="1400" b="0" dirty="0" err="1">
-                <a:solidFill>
-                  <a:srgbClr val="569CD6"/>
-                </a:solidFill>
-                <a:effectLst/>
-                <a:latin typeface="Consolas" panose="020B0609020204030204" pitchFamily="49" charset="0"/>
-              </a:rPr>
-              <a:t>button</a:t>
-            </a:r>
-            <a:r>
-              <a:rPr lang="cs-CZ" sz="1400" b="0" dirty="0">
-                <a:solidFill>
-                  <a:srgbClr val="808080"/>
-                </a:solidFill>
-                <a:effectLst/>
-                <a:latin typeface="Consolas" panose="020B0609020204030204" pitchFamily="49" charset="0"/>
-              </a:rPr>
-              <a:t>&gt;</a:t>
-            </a:r>
-            <a:br>
-              <a:rPr lang="cs-CZ" sz="1400" b="0" dirty="0">
-                <a:solidFill>
-                  <a:srgbClr val="808080"/>
-                </a:solidFill>
-                <a:effectLst/>
-                <a:latin typeface="Consolas" panose="020B0609020204030204" pitchFamily="49" charset="0"/>
-              </a:rPr>
-            </a:br>
-            <a:br>
-              <a:rPr lang="cs-CZ" sz="1400" b="0" dirty="0">
-                <a:solidFill>
-                  <a:srgbClr val="CCCCCC"/>
-                </a:solidFill>
-                <a:effectLst/>
-                <a:latin typeface="Consolas" panose="020B0609020204030204" pitchFamily="49" charset="0"/>
-              </a:rPr>
-            </a:br>
-            <a:r>
-              <a:rPr lang="cs-CZ" sz="1400" b="0" dirty="0">
-                <a:solidFill>
-                  <a:srgbClr val="569CD6"/>
-                </a:solidFill>
-                <a:effectLst/>
-                <a:latin typeface="Consolas" panose="020B0609020204030204" pitchFamily="49" charset="0"/>
-              </a:rPr>
-              <a:t>&lt;?</a:t>
-            </a:r>
-            <a:r>
-              <a:rPr lang="cs-CZ" sz="1400" b="0" dirty="0" err="1">
-                <a:solidFill>
-                  <a:srgbClr val="569CD6"/>
-                </a:solidFill>
-                <a:effectLst/>
-                <a:latin typeface="Consolas" panose="020B0609020204030204" pitchFamily="49" charset="0"/>
-              </a:rPr>
-              <a:t>php</a:t>
-            </a:r>
-            <a:r>
-              <a:rPr lang="cs-CZ" sz="1400" b="0" dirty="0">
-                <a:solidFill>
-                  <a:srgbClr val="D4D4D4"/>
-                </a:solidFill>
-                <a:effectLst/>
-                <a:latin typeface="Consolas" panose="020B0609020204030204" pitchFamily="49" charset="0"/>
-              </a:rPr>
-              <a:t> </a:t>
-            </a:r>
-            <a:r>
-              <a:rPr lang="cs-CZ" sz="1400" b="0" dirty="0" err="1">
-                <a:solidFill>
-                  <a:srgbClr val="C586C0"/>
-                </a:solidFill>
-                <a:effectLst/>
-                <a:latin typeface="Consolas" panose="020B0609020204030204" pitchFamily="49" charset="0"/>
-              </a:rPr>
-              <a:t>endif</a:t>
-            </a:r>
-            <a:r>
-              <a:rPr lang="cs-CZ" sz="1400" b="0" dirty="0">
-                <a:solidFill>
-                  <a:srgbClr val="D4D4D4"/>
-                </a:solidFill>
-                <a:effectLst/>
-                <a:latin typeface="Consolas" panose="020B0609020204030204" pitchFamily="49" charset="0"/>
-              </a:rPr>
-              <a:t>; </a:t>
-            </a:r>
-            <a:r>
-              <a:rPr lang="cs-CZ" sz="1400" b="0" dirty="0">
-                <a:solidFill>
-                  <a:srgbClr val="569CD6"/>
-                </a:solidFill>
-                <a:effectLst/>
-                <a:latin typeface="Consolas" panose="020B0609020204030204" pitchFamily="49" charset="0"/>
-              </a:rPr>
-              <a:t>?&gt;</a:t>
-            </a:r>
-            <a:br>
-              <a:rPr lang="cs-CZ" sz="800" b="0" dirty="0">
-                <a:solidFill>
-                  <a:srgbClr val="CCCCCC"/>
-                </a:solidFill>
-                <a:effectLst/>
-                <a:latin typeface="Consolas" panose="020B0609020204030204" pitchFamily="49" charset="0"/>
-              </a:rPr>
-            </a:br>
-            <a:endParaRPr lang="cs-CZ" sz="800" b="0" dirty="0">
-              <a:solidFill>
-                <a:srgbClr val="CCCCCC"/>
-              </a:solidFill>
-              <a:effectLst/>
-              <a:latin typeface="Consolas" panose="020B0609020204030204" pitchFamily="49" charset="0"/>
-            </a:endParaRPr>
-          </a:p>
-        </p:txBody>
-      </p:sp>
-      <p:pic>
-        <p:nvPicPr>
-          <p:cNvPr id="6" name="Graphic 5" descr="Zámek">
-            <a:extLst>
-              <a:ext uri="{FF2B5EF4-FFF2-40B4-BE49-F238E27FC236}">
-                <a16:creationId xmlns:a16="http://schemas.microsoft.com/office/drawing/2014/main" id="{DEE5FEC6-8ADC-EC1B-D199-D159D0BC4F09}"/>
-              </a:ext>
-            </a:extLst>
-          </p:cNvPr>
-          <p:cNvPicPr>
-            <a:picLocks noChangeAspect="1"/>
-          </p:cNvPicPr>
-          <p:nvPr/>
-        </p:nvPicPr>
-        <p:blipFill>
-          <a:blip r:embed="rId3">
-            <a:extLst>
-              <a:ext uri="{28A0092B-C50C-407E-A947-70E740481C1C}">
-                <a14:useLocalDpi xmlns:a14="http://schemas.microsoft.com/office/drawing/2010/main" val="0"/>
-              </a:ext>
-              <a:ext uri="{96DAC541-7B7A-43D3-8B79-37D633B846F1}">
-                <asvg:svgBlip xmlns:asvg="http://schemas.microsoft.com/office/drawing/2016/SVG/main" r:embed="rId4"/>
-              </a:ext>
-            </a:extLst>
-          </a:blip>
-          <a:stretch>
-            <a:fillRect/>
-          </a:stretch>
-        </p:blipFill>
-        <p:spPr>
-          <a:xfrm>
-            <a:off x="8891720" y="2251775"/>
-            <a:ext cx="2398656" cy="2398656"/>
-          </a:xfrm>
-          <a:prstGeom prst="rect">
-            <a:avLst/>
-          </a:prstGeom>
-        </p:spPr>
-      </p:pic>
-      <p:sp>
-        <p:nvSpPr>
-          <p:cNvPr id="5" name="Nadpis 1">
-            <a:extLst>
-              <a:ext uri="{FF2B5EF4-FFF2-40B4-BE49-F238E27FC236}">
-                <a16:creationId xmlns:a16="http://schemas.microsoft.com/office/drawing/2014/main" id="{4FCC4E97-20A0-00D7-1AA6-5CDEA830755D}"/>
-              </a:ext>
-            </a:extLst>
-          </p:cNvPr>
-          <p:cNvSpPr txBox="1">
-            <a:spLocks/>
-          </p:cNvSpPr>
-          <p:nvPr/>
-        </p:nvSpPr>
-        <p:spPr>
-          <a:xfrm>
-            <a:off x="457200" y="668049"/>
-            <a:ext cx="7685037" cy="1325563"/>
-          </a:xfrm>
-          <a:prstGeom prst="rect">
-            <a:avLst/>
-          </a:prstGeom>
-        </p:spPr>
-        <p:txBody>
-          <a:bodyPr vert="horz" lIns="91440" tIns="45720" rIns="91440" bIns="45720" rtlCol="0" anchor="b">
-            <a:normAutofit/>
-          </a:bodyPr>
-          <a:lstStyle>
-            <a:lvl1pPr algn="l" defTabSz="914400" rtl="0" eaLnBrk="1" latinLnBrk="0" hangingPunct="1">
-              <a:lnSpc>
-                <a:spcPct val="90000"/>
-              </a:lnSpc>
-              <a:spcBef>
-                <a:spcPct val="0"/>
-              </a:spcBef>
-              <a:buNone/>
-              <a:defRPr sz="4400" kern="1200">
-                <a:solidFill>
-                  <a:schemeClr val="tx1"/>
-                </a:solidFill>
-                <a:latin typeface="+mj-lt"/>
-                <a:ea typeface="+mj-ea"/>
-                <a:cs typeface="+mj-cs"/>
-              </a:defRPr>
-            </a:lvl1pPr>
-          </a:lstStyle>
-          <a:p>
-            <a:r>
-              <a:rPr lang="cs-CZ" dirty="0"/>
-              <a:t>Tlačítko na hlavní stránce</a:t>
-            </a:r>
-          </a:p>
-        </p:txBody>
-      </p:sp>
-    </p:spTree>
-    <p:extLst>
-      <p:ext uri="{BB962C8B-B14F-4D97-AF65-F5344CB8AC3E}">
-        <p14:creationId xmlns:p14="http://schemas.microsoft.com/office/powerpoint/2010/main" val="2627313966"/>
-      </p:ext>
-    </p:extLst>
-  </p:cSld>
-  <p:clrMapOvr>
-    <a:masterClrMapping/>
-  </p:clrMapOvr>
-</p:sld>
-</file>
-
-<file path=ppt/slides/slide17.xml><?xml version="1.0" encoding="utf-8"?>
-<p:sld xmlns:a="http://schemas.openxmlformats.org/drawingml/2006/main" xmlns:r="http://schemas.openxmlformats.org/officeDocument/2006/relationships" xmlns:p="http://schemas.openxmlformats.org/presentationml/2006/main">
-  <p:cSld>
-    <p:bg>
-      <p:bgPr>
-        <a:solidFill>
-          <a:schemeClr val="bg2"/>
-        </a:solidFill>
-        <a:effectLst/>
-      </p:bgPr>
-    </p:bg>
-    <p:spTree>
-      <p:nvGrpSpPr>
-        <p:cNvPr id="1" name="">
-          <a:extLst>
-            <a:ext uri="{FF2B5EF4-FFF2-40B4-BE49-F238E27FC236}">
-              <a16:creationId xmlns:a16="http://schemas.microsoft.com/office/drawing/2014/main" id="{C459B41A-B3EF-7952-99D0-1AC8A87D918B}"/>
-            </a:ext>
-          </a:extLst>
-        </p:cNvPr>
-        <p:cNvGrpSpPr/>
-        <p:nvPr/>
-      </p:nvGrpSpPr>
-      <p:grpSpPr>
-        <a:xfrm>
-          <a:off x="0" y="0"/>
-          <a:ext cx="0" cy="0"/>
-          <a:chOff x="0" y="0"/>
-          <a:chExt cx="0" cy="0"/>
-        </a:xfrm>
-      </p:grpSpPr>
-      <p:sp useBgFill="1">
-        <p:nvSpPr>
-          <p:cNvPr id="9" name="Rectangle 8">
-            <a:extLst>
-              <a:ext uri="{FF2B5EF4-FFF2-40B4-BE49-F238E27FC236}">
-                <a16:creationId xmlns:a16="http://schemas.microsoft.com/office/drawing/2014/main" id="{AEEDD3BF-9ADE-4FB9-43E9-27D7221C904E}"/>
-              </a:ext>
-              <a:ext uri="{C183D7F6-B498-43B3-948B-1728B52AA6E4}">
-                <adec:decorative xmlns:adec="http://schemas.microsoft.com/office/drawing/2017/decorative" val="1"/>
-              </a:ext>
-            </a:extLst>
-          </p:cNvPr>
-          <p:cNvSpPr>
-            <a:spLocks noGrp="1" noRot="1" noChangeAspect="1" noMove="1" noResize="1" noEditPoints="1" noAdjustHandles="1" noChangeArrowheads="1" noChangeShapeType="1" noTextEdit="1"/>
-          </p:cNvSpPr>
-          <p:nvPr>
-            <p:extLst>
-              <p:ext uri="{386F3935-93C4-4BCD-93E2-E3B085C9AB24}">
-                <p16:designElem xmlns:p16="http://schemas.microsoft.com/office/powerpoint/2015/main" val="1"/>
-              </p:ext>
-            </p:extLst>
-          </p:nvPr>
-        </p:nvSpPr>
-        <p:spPr>
-          <a:xfrm>
-            <a:off x="0" y="0"/>
-            <a:ext cx="12188952" cy="6858000"/>
-          </a:xfrm>
-          <a:prstGeom prst="rect">
-            <a:avLst/>
-          </a:prstGeom>
-          <a:ln w="9525" cap="flat">
-            <a:noFill/>
-            <a:prstDash val="solid"/>
-            <a:miter/>
-          </a:ln>
-        </p:spPr>
-        <p:txBody>
-          <a:bodyPr rtlCol="0" anchor="ctr"/>
-          <a:lstStyle/>
-          <a:p>
-            <a:endParaRPr lang="en-US">
-              <a:solidFill>
-                <a:schemeClr val="tx1"/>
-              </a:solidFill>
-            </a:endParaRPr>
-          </a:p>
-        </p:txBody>
-      </p:sp>
-      <p:sp>
-        <p:nvSpPr>
-          <p:cNvPr id="11" name="Color Fill">
-            <a:extLst>
-              <a:ext uri="{FF2B5EF4-FFF2-40B4-BE49-F238E27FC236}">
-                <a16:creationId xmlns:a16="http://schemas.microsoft.com/office/drawing/2014/main" id="{5EC4AC27-074E-BF26-3CBB-690D54584483}"/>
-              </a:ext>
-              <a:ext uri="{C183D7F6-B498-43B3-948B-1728B52AA6E4}">
-                <adec:decorative xmlns:adec="http://schemas.microsoft.com/office/drawing/2017/decorative" val="1"/>
-              </a:ext>
-            </a:extLst>
-          </p:cNvPr>
-          <p:cNvSpPr>
-            <a:spLocks noGrp="1" noRot="1" noChangeAspect="1" noMove="1" noResize="1" noEditPoints="1" noAdjustHandles="1" noChangeArrowheads="1" noChangeShapeType="1" noTextEdit="1"/>
-          </p:cNvSpPr>
-          <p:nvPr>
-            <p:extLst>
-              <p:ext uri="{386F3935-93C4-4BCD-93E2-E3B085C9AB24}">
-                <p16:designElem xmlns:p16="http://schemas.microsoft.com/office/powerpoint/2015/main" val="1"/>
-              </p:ext>
-            </p:extLst>
-          </p:nvPr>
-        </p:nvSpPr>
-        <p:spPr>
-          <a:xfrm>
-            <a:off x="0" y="0"/>
-            <a:ext cx="12188952" cy="6858000"/>
-          </a:xfrm>
-          <a:prstGeom prst="rect">
-            <a:avLst/>
-          </a:prstGeom>
-          <a:solidFill>
-            <a:schemeClr val="bg2">
-              <a:lumMod val="75000"/>
-              <a:lumOff val="25000"/>
-              <a:alpha val="40000"/>
-            </a:schemeClr>
-          </a:solidFill>
-          <a:ln w="9525" cap="flat">
-            <a:noFill/>
-            <a:prstDash val="solid"/>
-            <a:miter/>
-          </a:ln>
-        </p:spPr>
-        <p:txBody>
-          <a:bodyPr rtlCol="0" anchor="ctr"/>
-          <a:lstStyle/>
-          <a:p>
-            <a:endParaRPr lang="en-US" dirty="0">
-              <a:solidFill>
-                <a:schemeClr val="bg2">
-                  <a:lumMod val="75000"/>
-                  <a:lumOff val="25000"/>
-                </a:schemeClr>
-              </a:solidFill>
-            </a:endParaRPr>
-          </a:p>
-        </p:txBody>
-      </p:sp>
-      <p:grpSp>
-        <p:nvGrpSpPr>
-          <p:cNvPr id="13" name="Group 12">
-            <a:extLst>
-              <a:ext uri="{FF2B5EF4-FFF2-40B4-BE49-F238E27FC236}">
-                <a16:creationId xmlns:a16="http://schemas.microsoft.com/office/drawing/2014/main" id="{EF0FB1FD-51AD-22AA-234F-386280A908A8}"/>
+                <a16:creationId xmlns:a16="http://schemas.microsoft.com/office/drawing/2014/main" id="{2A1C0365-5F51-7E44-FB3D-738B68214F4D}"/>
               </a:ext>
               <a:ext uri="{C183D7F6-B498-43B3-948B-1728B52AA6E4}">
                 <adec:decorative xmlns:adec="http://schemas.microsoft.com/office/drawing/2017/decorative" val="1"/>
@@ -47349,10 +47400,10 @@
         </p:grpSpPr>
         <p:sp>
           <p:nvSpPr>
-            <p:cNvPr id="14" name="Oval 13">
+            <p:cNvPr id="44" name="Oval 43">
               <a:extLst>
                 <a:ext uri="{FF2B5EF4-FFF2-40B4-BE49-F238E27FC236}">
-                  <a16:creationId xmlns:a16="http://schemas.microsoft.com/office/drawing/2014/main" id="{07F48EB5-A4A0-394E-8670-D4B514940B70}"/>
+                  <a16:creationId xmlns:a16="http://schemas.microsoft.com/office/drawing/2014/main" id="{2CE72270-08D0-DFB5-C9E1-EBCEE3DD7B5A}"/>
                 </a:ext>
                 <a:ext uri="{C183D7F6-B498-43B3-948B-1728B52AA6E4}">
                   <adec:decorative xmlns:adec="http://schemas.microsoft.com/office/drawing/2017/decorative" val="1"/>
@@ -47410,10 +47461,10 @@
         </p:sp>
         <p:sp>
           <p:nvSpPr>
-            <p:cNvPr id="15" name="Freeform: Shape 14">
+            <p:cNvPr id="45" name="Freeform: Shape 44">
               <a:extLst>
                 <a:ext uri="{FF2B5EF4-FFF2-40B4-BE49-F238E27FC236}">
-                  <a16:creationId xmlns:a16="http://schemas.microsoft.com/office/drawing/2014/main" id="{DB079073-CC47-5813-58FC-B4D9D37889AA}"/>
+                  <a16:creationId xmlns:a16="http://schemas.microsoft.com/office/drawing/2014/main" id="{9B4F9535-7116-4F06-1D86-D9BE93420E29}"/>
                 </a:ext>
                 <a:ext uri="{C183D7F6-B498-43B3-948B-1728B52AA6E4}">
                   <adec:decorative xmlns:adec="http://schemas.microsoft.com/office/drawing/2017/decorative" val="1"/>
@@ -47514,10 +47565,10 @@
         </p:sp>
         <p:sp>
           <p:nvSpPr>
-            <p:cNvPr id="16" name="Freeform: Shape 15">
+            <p:cNvPr id="46" name="Freeform: Shape 45">
               <a:extLst>
                 <a:ext uri="{FF2B5EF4-FFF2-40B4-BE49-F238E27FC236}">
-                  <a16:creationId xmlns:a16="http://schemas.microsoft.com/office/drawing/2014/main" id="{1205822D-92D5-EA7A-1CC3-305BD6E04A0B}"/>
+                  <a16:creationId xmlns:a16="http://schemas.microsoft.com/office/drawing/2014/main" id="{371F9A1B-716E-F05F-2A1A-6E8775D8EFB2}"/>
                 </a:ext>
                 <a:ext uri="{C183D7F6-B498-43B3-948B-1728B52AA6E4}">
                   <adec:decorative xmlns:adec="http://schemas.microsoft.com/office/drawing/2017/decorative" val="1"/>
@@ -47644,10 +47695,10 @@
         </p:sp>
         <p:sp>
           <p:nvSpPr>
-            <p:cNvPr id="17" name="Freeform: Shape 16">
+            <p:cNvPr id="47" name="Freeform: Shape 46">
               <a:extLst>
                 <a:ext uri="{FF2B5EF4-FFF2-40B4-BE49-F238E27FC236}">
-                  <a16:creationId xmlns:a16="http://schemas.microsoft.com/office/drawing/2014/main" id="{C13EAF86-4738-E12C-EBAA-8E2EB75B8D94}"/>
+                  <a16:creationId xmlns:a16="http://schemas.microsoft.com/office/drawing/2014/main" id="{F0B4ED4F-D2DD-7F7F-1AC8-8EBEACF19504}"/>
                 </a:ext>
                 <a:ext uri="{C183D7F6-B498-43B3-948B-1728B52AA6E4}">
                   <adec:decorative xmlns:adec="http://schemas.microsoft.com/office/drawing/2017/decorative" val="1"/>
@@ -47785,10 +47836,10 @@
         </p:sp>
         <p:sp>
           <p:nvSpPr>
-            <p:cNvPr id="18" name="Graphic 9">
+            <p:cNvPr id="48" name="Graphic 9">
               <a:extLst>
                 <a:ext uri="{FF2B5EF4-FFF2-40B4-BE49-F238E27FC236}">
-                  <a16:creationId xmlns:a16="http://schemas.microsoft.com/office/drawing/2014/main" id="{0E3C9E3F-AD47-4826-8F8C-EA3A7EED3BE1}"/>
+                  <a16:creationId xmlns:a16="http://schemas.microsoft.com/office/drawing/2014/main" id="{8AB0E390-600D-C0FE-BCC9-12DD6FBD9B4E}"/>
                 </a:ext>
                 <a:ext uri="{C183D7F6-B498-43B3-948B-1728B52AA6E4}">
                   <adec:decorative xmlns:adec="http://schemas.microsoft.com/office/drawing/2017/decorative" val="1"/>
@@ -47914,10 +47965,10 @@
       </p:grpSp>
       <p:sp>
         <p:nvSpPr>
-          <p:cNvPr id="20" name="Texture">
+          <p:cNvPr id="50" name="Texture">
             <a:extLst>
               <a:ext uri="{FF2B5EF4-FFF2-40B4-BE49-F238E27FC236}">
-                <a16:creationId xmlns:a16="http://schemas.microsoft.com/office/drawing/2014/main" id="{49123BDE-2172-DA83-3888-2BD5F2EB17B8}"/>
+                <a16:creationId xmlns:a16="http://schemas.microsoft.com/office/drawing/2014/main" id="{F58E14A6-42E4-09AD-7184-AC04AA9609A7}"/>
               </a:ext>
               <a:ext uri="{C183D7F6-B498-43B3-948B-1728B52AA6E4}">
                 <adec:decorative xmlns:adec="http://schemas.microsoft.com/office/drawing/2017/decorative" val="1"/>
@@ -47966,10 +48017,10 @@
       </p:sp>
       <p:sp useBgFill="1">
         <p:nvSpPr>
-          <p:cNvPr id="22" name="Background Fill">
+          <p:cNvPr id="52" name="Background Fill">
             <a:extLst>
               <a:ext uri="{FF2B5EF4-FFF2-40B4-BE49-F238E27FC236}">
-                <a16:creationId xmlns:a16="http://schemas.microsoft.com/office/drawing/2014/main" id="{C0966DA1-2FCE-0511-AE5E-6E6BC2D7D231}"/>
+                <a16:creationId xmlns:a16="http://schemas.microsoft.com/office/drawing/2014/main" id="{CF9D547F-E374-7F8D-6A04-525C055C2E56}"/>
               </a:ext>
               <a:ext uri="{C183D7F6-B498-43B3-948B-1728B52AA6E4}">
                 <adec:decorative xmlns:adec="http://schemas.microsoft.com/office/drawing/2017/decorative" val="1"/>
@@ -48015,10 +48066,10 @@
       </p:sp>
       <p:sp>
         <p:nvSpPr>
-          <p:cNvPr id="24" name="Color Fill">
+          <p:cNvPr id="54" name="Color Fill">
             <a:extLst>
               <a:ext uri="{FF2B5EF4-FFF2-40B4-BE49-F238E27FC236}">
-                <a16:creationId xmlns:a16="http://schemas.microsoft.com/office/drawing/2014/main" id="{CE0B417B-CC17-6A9C-C937-D5E062C35458}"/>
+                <a16:creationId xmlns:a16="http://schemas.microsoft.com/office/drawing/2014/main" id="{C786CDB7-B86B-AC1A-0A63-874443F18355}"/>
               </a:ext>
               <a:ext uri="{C183D7F6-B498-43B3-948B-1728B52AA6E4}">
                 <adec:decorative xmlns:adec="http://schemas.microsoft.com/office/drawing/2017/decorative" val="1"/>
@@ -48038,7 +48089,7 @@
         </p:nvSpPr>
         <p:spPr>
           <a:xfrm>
-            <a:off x="0" y="0"/>
+            <a:off x="11952" y="0"/>
             <a:ext cx="12188952" cy="6858000"/>
           </a:xfrm>
           <a:prstGeom prst="rect">
@@ -48074,10 +48125,10 @@
       </p:sp>
       <p:grpSp>
         <p:nvGrpSpPr>
-          <p:cNvPr id="26" name="Group 25">
+          <p:cNvPr id="56" name="Group 55">
             <a:extLst>
               <a:ext uri="{FF2B5EF4-FFF2-40B4-BE49-F238E27FC236}">
-                <a16:creationId xmlns:a16="http://schemas.microsoft.com/office/drawing/2014/main" id="{52A60C56-5EA7-889C-2132-AE7CBA9EAEF0}"/>
+                <a16:creationId xmlns:a16="http://schemas.microsoft.com/office/drawing/2014/main" id="{B48B1337-2B85-1B30-17A9-914A730DC265}"/>
               </a:ext>
               <a:ext uri="{C183D7F6-B498-43B3-948B-1728B52AA6E4}">
                 <adec:decorative xmlns:adec="http://schemas.microsoft.com/office/drawing/2017/decorative" val="1"/>
@@ -48097,18 +48148,18 @@
         </p:nvGrpSpPr>
         <p:grpSpPr>
           <a:xfrm>
-            <a:off x="7649180" y="-1190"/>
-            <a:ext cx="4263283" cy="6859191"/>
-            <a:chOff x="7649180" y="-1190"/>
-            <a:chExt cx="4263283" cy="6859191"/>
+            <a:off x="7739089" y="-3532"/>
+            <a:ext cx="4461815" cy="6861532"/>
+            <a:chOff x="7739089" y="-3532"/>
+            <a:chExt cx="4461815" cy="6861532"/>
           </a:xfrm>
         </p:grpSpPr>
         <p:sp>
           <p:nvSpPr>
-            <p:cNvPr id="27" name="Oval 26">
+            <p:cNvPr id="57" name="Oval 56">
               <a:extLst>
                 <a:ext uri="{FF2B5EF4-FFF2-40B4-BE49-F238E27FC236}">
-                  <a16:creationId xmlns:a16="http://schemas.microsoft.com/office/drawing/2014/main" id="{60C6E181-6450-6EDA-E42C-57DF8B94400B}"/>
+                  <a16:creationId xmlns:a16="http://schemas.microsoft.com/office/drawing/2014/main" id="{961F4FF3-6BA5-1794-E1BC-169A91ADC4CF}"/>
                 </a:ext>
                 <a:ext uri="{C183D7F6-B498-43B3-948B-1728B52AA6E4}">
                   <adec:decorative xmlns:adec="http://schemas.microsoft.com/office/drawing/2017/decorative" val="1"/>
@@ -48126,183 +48177,17 @@
           </p:nvSpPr>
           <p:spPr>
             <a:xfrm>
-              <a:off x="11202463" y="453951"/>
-              <a:ext cx="608046" cy="608046"/>
+              <a:off x="8907984" y="4121414"/>
+              <a:ext cx="514757" cy="516940"/>
             </a:xfrm>
             <a:prstGeom prst="ellipse">
               <a:avLst/>
             </a:prstGeom>
             <a:solidFill>
-              <a:schemeClr val="accent1">
+              <a:schemeClr val="accent3">
                 <a:lumMod val="60000"/>
                 <a:lumOff val="40000"/>
-                <a:alpha val="60000"/>
               </a:schemeClr>
-            </a:solidFill>
-            <a:ln w="9331" cap="flat">
-              <a:noFill/>
-              <a:prstDash val="solid"/>
-              <a:miter/>
-            </a:ln>
-          </p:spPr>
-          <p:txBody>
-            <a:bodyPr rtlCol="0" anchor="ctr"/>
-            <a:lstStyle/>
-            <a:p>
-              <a:endParaRPr lang="en-US">
-                <a:solidFill>
-                  <a:schemeClr val="tx1"/>
-                </a:solidFill>
-              </a:endParaRPr>
-            </a:p>
-          </p:txBody>
-        </p:sp>
-        <p:sp>
-          <p:nvSpPr>
-            <p:cNvPr id="28" name="Graphic 18">
-              <a:extLst>
-                <a:ext uri="{FF2B5EF4-FFF2-40B4-BE49-F238E27FC236}">
-                  <a16:creationId xmlns:a16="http://schemas.microsoft.com/office/drawing/2014/main" id="{B16BA71E-CEC7-7CBC-AED0-0F64890524A3}"/>
-                </a:ext>
-                <a:ext uri="{C183D7F6-B498-43B3-948B-1728B52AA6E4}">
-                  <adec:decorative xmlns:adec="http://schemas.microsoft.com/office/drawing/2017/decorative" val="1"/>
-                </a:ext>
-              </a:extLst>
-            </p:cNvPr>
-            <p:cNvSpPr/>
-            <p:nvPr>
-              <p:extLst>
-                <p:ext uri="{386F3935-93C4-4BCD-93E2-E3B085C9AB24}">
-                  <p16:designElem xmlns:p16="http://schemas.microsoft.com/office/powerpoint/2015/main" val="1"/>
-                </p:ext>
-              </p:extLst>
-            </p:nvPr>
-          </p:nvSpPr>
-          <p:spPr>
-            <a:xfrm>
-              <a:off x="7649180" y="4581409"/>
-              <a:ext cx="856614" cy="1305524"/>
-            </a:xfrm>
-            <a:custGeom>
-              <a:avLst/>
-              <a:gdLst>
-                <a:gd name="connsiteX0" fmla="*/ 3413379 w 3413378"/>
-                <a:gd name="connsiteY0" fmla="*/ 3266028 h 6532054"/>
-                <a:gd name="connsiteX1" fmla="*/ 1706689 w 3413378"/>
-                <a:gd name="connsiteY1" fmla="*/ 6532055 h 6532054"/>
-                <a:gd name="connsiteX2" fmla="*/ 0 w 3413378"/>
-                <a:gd name="connsiteY2" fmla="*/ 3266028 h 6532054"/>
-                <a:gd name="connsiteX3" fmla="*/ 1706689 w 3413378"/>
-                <a:gd name="connsiteY3" fmla="*/ 0 h 6532054"/>
-                <a:gd name="connsiteX4" fmla="*/ 3413379 w 3413378"/>
-                <a:gd name="connsiteY4" fmla="*/ 3266028 h 6532054"/>
-              </a:gdLst>
-              <a:ahLst/>
-              <a:cxnLst>
-                <a:cxn ang="0">
-                  <a:pos x="connsiteX0" y="connsiteY0"/>
-                </a:cxn>
-                <a:cxn ang="0">
-                  <a:pos x="connsiteX1" y="connsiteY1"/>
-                </a:cxn>
-                <a:cxn ang="0">
-                  <a:pos x="connsiteX2" y="connsiteY2"/>
-                </a:cxn>
-                <a:cxn ang="0">
-                  <a:pos x="connsiteX3" y="connsiteY3"/>
-                </a:cxn>
-                <a:cxn ang="0">
-                  <a:pos x="connsiteX4" y="connsiteY4"/>
-                </a:cxn>
-              </a:cxnLst>
-              <a:rect l="l" t="t" r="r" b="b"/>
-              <a:pathLst>
-                <a:path w="3413378" h="6532054">
-                  <a:moveTo>
-                    <a:pt x="3413379" y="3266028"/>
-                  </a:moveTo>
-                  <a:cubicBezTo>
-                    <a:pt x="3413379" y="5069777"/>
-                    <a:pt x="1706689" y="6532055"/>
-                    <a:pt x="1706689" y="6532055"/>
-                  </a:cubicBezTo>
-                  <a:cubicBezTo>
-                    <a:pt x="1706689" y="6532055"/>
-                    <a:pt x="0" y="5069777"/>
-                    <a:pt x="0" y="3266028"/>
-                  </a:cubicBezTo>
-                  <a:cubicBezTo>
-                    <a:pt x="0" y="1462278"/>
-                    <a:pt x="1706689" y="0"/>
-                    <a:pt x="1706689" y="0"/>
-                  </a:cubicBezTo>
-                  <a:cubicBezTo>
-                    <a:pt x="1706689" y="0"/>
-                    <a:pt x="3413379" y="1462278"/>
-                    <a:pt x="3413379" y="3266028"/>
-                  </a:cubicBezTo>
-                  <a:close/>
-                </a:path>
-              </a:pathLst>
-            </a:custGeom>
-            <a:pattFill prst="pct5">
-              <a:fgClr>
-                <a:schemeClr val="accent4">
-                  <a:lumMod val="60000"/>
-                  <a:lumOff val="40000"/>
-                </a:schemeClr>
-              </a:fgClr>
-              <a:bgClr>
-                <a:schemeClr val="accent1">
-                  <a:lumMod val="75000"/>
-                </a:schemeClr>
-              </a:bgClr>
-            </a:pattFill>
-            <a:ln w="9525" cap="flat">
-              <a:noFill/>
-              <a:prstDash val="solid"/>
-              <a:miter/>
-            </a:ln>
-          </p:spPr>
-          <p:txBody>
-            <a:bodyPr rtlCol="0" anchor="ctr"/>
-            <a:lstStyle/>
-            <a:p>
-              <a:endParaRPr lang="en-US"/>
-            </a:p>
-          </p:txBody>
-        </p:sp>
-        <p:sp>
-          <p:nvSpPr>
-            <p:cNvPr id="29" name="Oval 28">
-              <a:extLst>
-                <a:ext uri="{FF2B5EF4-FFF2-40B4-BE49-F238E27FC236}">
-                  <a16:creationId xmlns:a16="http://schemas.microsoft.com/office/drawing/2014/main" id="{DE5A5DC8-FC58-4C49-85E8-D79AA762C2EF}"/>
-                </a:ext>
-                <a:ext uri="{C183D7F6-B498-43B3-948B-1728B52AA6E4}">
-                  <adec:decorative xmlns:adec="http://schemas.microsoft.com/office/drawing/2017/decorative" val="1"/>
-                </a:ext>
-              </a:extLst>
-            </p:cNvPr>
-            <p:cNvSpPr/>
-            <p:nvPr>
-              <p:extLst>
-                <p:ext uri="{386F3935-93C4-4BCD-93E2-E3B085C9AB24}">
-                  <p16:designElem xmlns:p16="http://schemas.microsoft.com/office/powerpoint/2015/main" val="1"/>
-                </p:ext>
-              </p:extLst>
-            </p:nvPr>
-          </p:nvSpPr>
-          <p:spPr>
-            <a:xfrm>
-              <a:off x="8666922" y="5224794"/>
-              <a:ext cx="439469" cy="439469"/>
-            </a:xfrm>
-            <a:prstGeom prst="ellipse">
-              <a:avLst/>
-            </a:prstGeom>
-            <a:solidFill>
-              <a:schemeClr val="accent5"/>
             </a:solidFill>
             <a:ln>
               <a:noFill/>
@@ -48328,17 +48213,17 @@
             <a:bodyPr rtlCol="0" anchor="ctr"/>
             <a:lstStyle/>
             <a:p>
-              <a:pPr algn="ctr"/>
-              <a:endParaRPr lang="en-US"/>
+              <a:pPr lvl="0" algn="ctr"/>
+              <a:endParaRPr lang="en-US" dirty="0"/>
             </a:p>
           </p:txBody>
         </p:sp>
         <p:sp>
           <p:nvSpPr>
-            <p:cNvPr id="30" name="Freeform: Shape 29">
+            <p:cNvPr id="58" name="Freeform: Shape 57">
               <a:extLst>
                 <a:ext uri="{FF2B5EF4-FFF2-40B4-BE49-F238E27FC236}">
-                  <a16:creationId xmlns:a16="http://schemas.microsoft.com/office/drawing/2014/main" id="{4CFB8476-1945-C912-2A27-BC1C95805282}"/>
+                  <a16:creationId xmlns:a16="http://schemas.microsoft.com/office/drawing/2014/main" id="{8077A8BE-42EC-D7DD-CED3-BBDAE684A3C2}"/>
                 </a:ext>
                 <a:ext uri="{C183D7F6-B498-43B3-948B-1728B52AA6E4}">
                   <adec:decorative xmlns:adec="http://schemas.microsoft.com/office/drawing/2017/decorative" val="1"/>
@@ -48356,22 +48241,28 @@
           </p:nvSpPr>
           <p:spPr>
             <a:xfrm>
-              <a:off x="8314482" y="-1190"/>
-              <a:ext cx="3597981" cy="1501977"/>
+              <a:off x="8348375" y="4121414"/>
+              <a:ext cx="3266317" cy="2736586"/>
             </a:xfrm>
             <a:custGeom>
               <a:avLst/>
               <a:gdLst>
-                <a:gd name="connsiteX0" fmla="*/ 0 w 3597981"/>
-                <a:gd name="connsiteY0" fmla="*/ 0 h 1501977"/>
-                <a:gd name="connsiteX1" fmla="*/ 3597981 w 3597981"/>
-                <a:gd name="connsiteY1" fmla="*/ 0 h 1501977"/>
-                <a:gd name="connsiteX2" fmla="*/ 3590068 w 3597981"/>
-                <a:gd name="connsiteY2" fmla="*/ 51850 h 1501977"/>
-                <a:gd name="connsiteX3" fmla="*/ 1810819 w 3597981"/>
-                <a:gd name="connsiteY3" fmla="*/ 1501977 h 1501977"/>
-                <a:gd name="connsiteX4" fmla="*/ 0 w 3597981"/>
-                <a:gd name="connsiteY4" fmla="*/ 1501977 h 1501977"/>
+                <a:gd name="connsiteX0" fmla="*/ 1635557 w 3266317"/>
+                <a:gd name="connsiteY0" fmla="*/ 0 h 2736586"/>
+                <a:gd name="connsiteX1" fmla="*/ 3266317 w 3266317"/>
+                <a:gd name="connsiteY1" fmla="*/ 0 h 2736586"/>
+                <a:gd name="connsiteX2" fmla="*/ 3266317 w 3266317"/>
+                <a:gd name="connsiteY2" fmla="*/ 1630760 h 2736586"/>
+                <a:gd name="connsiteX3" fmla="*/ 2892838 w 3266317"/>
+                <a:gd name="connsiteY3" fmla="*/ 2671131 h 2736586"/>
+                <a:gd name="connsiteX4" fmla="*/ 2833348 w 3266317"/>
+                <a:gd name="connsiteY4" fmla="*/ 2736586 h 2736586"/>
+                <a:gd name="connsiteX5" fmla="*/ 0 w 3266317"/>
+                <a:gd name="connsiteY5" fmla="*/ 2736586 h 2736586"/>
+                <a:gd name="connsiteX6" fmla="*/ 0 w 3266317"/>
+                <a:gd name="connsiteY6" fmla="*/ 1635558 h 2736586"/>
+                <a:gd name="connsiteX7" fmla="*/ 1635557 w 3266317"/>
+                <a:gd name="connsiteY7" fmla="*/ 0 h 2736586"/>
               </a:gdLst>
               <a:ahLst/>
               <a:cxnLst>
@@ -48390,136 +48281,46 @@
                 <a:cxn ang="0">
                   <a:pos x="connsiteX4" y="connsiteY4"/>
                 </a:cxn>
+                <a:cxn ang="0">
+                  <a:pos x="connsiteX5" y="connsiteY5"/>
+                </a:cxn>
+                <a:cxn ang="0">
+                  <a:pos x="connsiteX6" y="connsiteY6"/>
+                </a:cxn>
+                <a:cxn ang="0">
+                  <a:pos x="connsiteX7" y="connsiteY7"/>
+                </a:cxn>
               </a:cxnLst>
               <a:rect l="l" t="t" r="r" b="b"/>
               <a:pathLst>
-                <a:path w="3597981" h="1501977">
+                <a:path w="3266317" h="2736586">
                   <a:moveTo>
-                    <a:pt x="0" y="0"/>
+                    <a:pt x="1635557" y="0"/>
                   </a:moveTo>
                   <a:lnTo>
-                    <a:pt x="3597981" y="0"/>
+                    <a:pt x="3266317" y="0"/>
                   </a:lnTo>
                   <a:lnTo>
-                    <a:pt x="3590068" y="51850"/>
+                    <a:pt x="3266317" y="1630760"/>
                   </a:lnTo>
                   <a:cubicBezTo>
-                    <a:pt x="3420721" y="879443"/>
-                    <a:pt x="2688479" y="1501977"/>
-                    <a:pt x="1810819" y="1501977"/>
+                    <a:pt x="3266317" y="2025955"/>
+                    <a:pt x="3126159" y="2388411"/>
+                    <a:pt x="2892838" y="2671131"/>
                   </a:cubicBezTo>
                   <a:lnTo>
-                    <a:pt x="0" y="1501977"/>
-                  </a:lnTo>
-                  <a:close/>
-                </a:path>
-              </a:pathLst>
-            </a:custGeom>
-            <a:solidFill>
-              <a:schemeClr val="accent1">
-                <a:lumMod val="75000"/>
-                <a:alpha val="65000"/>
-              </a:schemeClr>
-            </a:solidFill>
-            <a:ln w="9331" cap="flat">
-              <a:noFill/>
-              <a:prstDash val="solid"/>
-              <a:miter/>
-            </a:ln>
-          </p:spPr>
-          <p:txBody>
-            <a:bodyPr rtlCol="0" anchor="ctr"/>
-            <a:lstStyle/>
-            <a:p>
-              <a:endParaRPr lang="en-US" dirty="0"/>
-            </a:p>
-          </p:txBody>
-        </p:sp>
-        <p:sp>
-          <p:nvSpPr>
-            <p:cNvPr id="31" name="Freeform: Shape 30">
-              <a:extLst>
-                <a:ext uri="{FF2B5EF4-FFF2-40B4-BE49-F238E27FC236}">
-                  <a16:creationId xmlns:a16="http://schemas.microsoft.com/office/drawing/2014/main" id="{C6955E69-5A99-70F6-4B76-9A1BF0B00837}"/>
-                </a:ext>
-                <a:ext uri="{C183D7F6-B498-43B3-948B-1728B52AA6E4}">
-                  <adec:decorative xmlns:adec="http://schemas.microsoft.com/office/drawing/2017/decorative" val="1"/>
-                </a:ext>
-              </a:extLst>
-            </p:cNvPr>
-            <p:cNvSpPr/>
-            <p:nvPr>
-              <p:extLst>
-                <p:ext uri="{386F3935-93C4-4BCD-93E2-E3B085C9AB24}">
-                  <p16:designElem xmlns:p16="http://schemas.microsoft.com/office/powerpoint/2015/main" val="1"/>
-                </p:ext>
-              </p:extLst>
-            </p:nvPr>
-          </p:nvSpPr>
-          <p:spPr>
-            <a:xfrm>
-              <a:off x="8288140" y="5358010"/>
-              <a:ext cx="3597678" cy="1499991"/>
-            </a:xfrm>
-            <a:custGeom>
-              <a:avLst/>
-              <a:gdLst>
-                <a:gd name="connsiteX0" fmla="*/ 1786859 w 3597678"/>
-                <a:gd name="connsiteY0" fmla="*/ 0 h 1499991"/>
-                <a:gd name="connsiteX1" fmla="*/ 3597678 w 3597678"/>
-                <a:gd name="connsiteY1" fmla="*/ 0 h 1499991"/>
-                <a:gd name="connsiteX2" fmla="*/ 3597678 w 3597678"/>
-                <a:gd name="connsiteY2" fmla="*/ 1499991 h 1499991"/>
-                <a:gd name="connsiteX3" fmla="*/ 0 w 3597678"/>
-                <a:gd name="connsiteY3" fmla="*/ 1499991 h 1499991"/>
-                <a:gd name="connsiteX4" fmla="*/ 7610 w 3597678"/>
-                <a:gd name="connsiteY4" fmla="*/ 1450127 h 1499991"/>
-                <a:gd name="connsiteX5" fmla="*/ 1786859 w 3597678"/>
-                <a:gd name="connsiteY5" fmla="*/ 0 h 1499991"/>
-              </a:gdLst>
-              <a:ahLst/>
-              <a:cxnLst>
-                <a:cxn ang="0">
-                  <a:pos x="connsiteX0" y="connsiteY0"/>
-                </a:cxn>
-                <a:cxn ang="0">
-                  <a:pos x="connsiteX1" y="connsiteY1"/>
-                </a:cxn>
-                <a:cxn ang="0">
-                  <a:pos x="connsiteX2" y="connsiteY2"/>
-                </a:cxn>
-                <a:cxn ang="0">
-                  <a:pos x="connsiteX3" y="connsiteY3"/>
-                </a:cxn>
-                <a:cxn ang="0">
-                  <a:pos x="connsiteX4" y="connsiteY4"/>
-                </a:cxn>
-                <a:cxn ang="0">
-                  <a:pos x="connsiteX5" y="connsiteY5"/>
-                </a:cxn>
-              </a:cxnLst>
-              <a:rect l="l" t="t" r="r" b="b"/>
-              <a:pathLst>
-                <a:path w="3597678" h="1499991">
-                  <a:moveTo>
-                    <a:pt x="1786859" y="0"/>
-                  </a:moveTo>
-                  <a:lnTo>
-                    <a:pt x="3597678" y="0"/>
+                    <a:pt x="2833348" y="2736586"/>
                   </a:lnTo>
                   <a:lnTo>
-                    <a:pt x="3597678" y="1499991"/>
+                    <a:pt x="0" y="2736586"/>
                   </a:lnTo>
                   <a:lnTo>
-                    <a:pt x="0" y="1499991"/>
-                  </a:lnTo>
-                  <a:lnTo>
-                    <a:pt x="7610" y="1450127"/>
+                    <a:pt x="0" y="1635558"/>
                   </a:lnTo>
                   <a:cubicBezTo>
-                    <a:pt x="176957" y="622534"/>
-                    <a:pt x="909198" y="0"/>
-                    <a:pt x="1786859" y="0"/>
+                    <a:pt x="0" y="732255"/>
+                    <a:pt x="732254" y="0"/>
+                    <a:pt x="1635557" y="0"/>
                   </a:cubicBezTo>
                   <a:close/>
                 </a:path>
@@ -48542,16 +48343,17 @@
             <a:bodyPr rtlCol="0" anchor="ctr"/>
             <a:lstStyle/>
             <a:p>
-              <a:endParaRPr lang="en-US" dirty="0"/>
+              <a:pPr lvl="0"/>
+              <a:endParaRPr lang="en-US"/>
             </a:p>
           </p:txBody>
         </p:sp>
         <p:sp>
           <p:nvSpPr>
-            <p:cNvPr id="32" name="Graphic 9">
+            <p:cNvPr id="59" name="Freeform: Shape 58">
               <a:extLst>
                 <a:ext uri="{FF2B5EF4-FFF2-40B4-BE49-F238E27FC236}">
-                  <a16:creationId xmlns:a16="http://schemas.microsoft.com/office/drawing/2014/main" id="{F9E3C031-C3DB-A236-184B-60AF8612B6C0}"/>
+                  <a16:creationId xmlns:a16="http://schemas.microsoft.com/office/drawing/2014/main" id="{8B281975-A065-0E6E-8BC2-7714ED81D41D}"/>
                 </a:ext>
                 <a:ext uri="{C183D7F6-B498-43B3-948B-1728B52AA6E4}">
                   <adec:decorative xmlns:adec="http://schemas.microsoft.com/office/drawing/2017/decorative" val="1"/>
@@ -48569,8 +48371,151 @@
           </p:nvSpPr>
           <p:spPr>
             <a:xfrm>
-              <a:off x="8389791" y="1693710"/>
-              <a:ext cx="3496027" cy="3496025"/>
+              <a:off x="11764579" y="3404614"/>
+              <a:ext cx="436325" cy="1309674"/>
+            </a:xfrm>
+            <a:custGeom>
+              <a:avLst/>
+              <a:gdLst>
+                <a:gd name="connsiteX0" fmla="*/ 470325 w 477612"/>
+                <a:gd name="connsiteY0" fmla="*/ 0 h 1433600"/>
+                <a:gd name="connsiteX1" fmla="*/ 475607 w 477612"/>
+                <a:gd name="connsiteY1" fmla="*/ 3701 h 1433600"/>
+                <a:gd name="connsiteX2" fmla="*/ 477612 w 477612"/>
+                <a:gd name="connsiteY2" fmla="*/ 5160 h 1433600"/>
+                <a:gd name="connsiteX3" fmla="*/ 477612 w 477612"/>
+                <a:gd name="connsiteY3" fmla="*/ 1428441 h 1433600"/>
+                <a:gd name="connsiteX4" fmla="*/ 475607 w 477612"/>
+                <a:gd name="connsiteY4" fmla="*/ 1429900 h 1433600"/>
+                <a:gd name="connsiteX5" fmla="*/ 470325 w 477612"/>
+                <a:gd name="connsiteY5" fmla="*/ 1433600 h 1433600"/>
+                <a:gd name="connsiteX6" fmla="*/ 0 w 477612"/>
+                <a:gd name="connsiteY6" fmla="*/ 716800 h 1433600"/>
+                <a:gd name="connsiteX7" fmla="*/ 470325 w 477612"/>
+                <a:gd name="connsiteY7" fmla="*/ 0 h 1433600"/>
+              </a:gdLst>
+              <a:ahLst/>
+              <a:cxnLst>
+                <a:cxn ang="0">
+                  <a:pos x="connsiteX0" y="connsiteY0"/>
+                </a:cxn>
+                <a:cxn ang="0">
+                  <a:pos x="connsiteX1" y="connsiteY1"/>
+                </a:cxn>
+                <a:cxn ang="0">
+                  <a:pos x="connsiteX2" y="connsiteY2"/>
+                </a:cxn>
+                <a:cxn ang="0">
+                  <a:pos x="connsiteX3" y="connsiteY3"/>
+                </a:cxn>
+                <a:cxn ang="0">
+                  <a:pos x="connsiteX4" y="connsiteY4"/>
+                </a:cxn>
+                <a:cxn ang="0">
+                  <a:pos x="connsiteX5" y="connsiteY5"/>
+                </a:cxn>
+                <a:cxn ang="0">
+                  <a:pos x="connsiteX6" y="connsiteY6"/>
+                </a:cxn>
+                <a:cxn ang="0">
+                  <a:pos x="connsiteX7" y="connsiteY7"/>
+                </a:cxn>
+              </a:cxnLst>
+              <a:rect l="l" t="t" r="r" b="b"/>
+              <a:pathLst>
+                <a:path w="477612" h="1433600">
+                  <a:moveTo>
+                    <a:pt x="470325" y="0"/>
+                  </a:moveTo>
+                  <a:cubicBezTo>
+                    <a:pt x="470325" y="0"/>
+                    <a:pt x="472162" y="1254"/>
+                    <a:pt x="475607" y="3701"/>
+                  </a:cubicBezTo>
+                  <a:lnTo>
+                    <a:pt x="477612" y="5160"/>
+                  </a:lnTo>
+                  <a:lnTo>
+                    <a:pt x="477612" y="1428441"/>
+                  </a:lnTo>
+                  <a:lnTo>
+                    <a:pt x="475607" y="1429900"/>
+                  </a:lnTo>
+                  <a:cubicBezTo>
+                    <a:pt x="472162" y="1432347"/>
+                    <a:pt x="470325" y="1433600"/>
+                    <a:pt x="470325" y="1433600"/>
+                  </a:cubicBezTo>
+                  <a:cubicBezTo>
+                    <a:pt x="470325" y="1433600"/>
+                    <a:pt x="0" y="1112672"/>
+                    <a:pt x="0" y="716800"/>
+                  </a:cubicBezTo>
+                  <a:cubicBezTo>
+                    <a:pt x="0" y="320929"/>
+                    <a:pt x="470325" y="0"/>
+                    <a:pt x="470325" y="0"/>
+                  </a:cubicBezTo>
+                  <a:close/>
+                </a:path>
+              </a:pathLst>
+            </a:custGeom>
+            <a:pattFill prst="pct5">
+              <a:fgClr>
+                <a:schemeClr val="tx2">
+                  <a:lumMod val="75000"/>
+                  <a:lumOff val="25000"/>
+                </a:schemeClr>
+              </a:fgClr>
+              <a:bgClr>
+                <a:schemeClr val="accent1">
+                  <a:lumMod val="60000"/>
+                  <a:lumOff val="40000"/>
+                </a:schemeClr>
+              </a:bgClr>
+            </a:pattFill>
+            <a:ln w="9525" cap="flat">
+              <a:noFill/>
+              <a:prstDash val="solid"/>
+              <a:miter/>
+            </a:ln>
+          </p:spPr>
+          <p:txBody>
+            <a:bodyPr wrap="square" rtlCol="0" anchor="ctr">
+              <a:noAutofit/>
+            </a:bodyPr>
+            <a:lstStyle/>
+            <a:p>
+              <a:pPr lvl="0"/>
+              <a:endParaRPr lang="en-US" dirty="0"/>
+            </a:p>
+          </p:txBody>
+        </p:sp>
+        <p:sp>
+          <p:nvSpPr>
+            <p:cNvPr id="60" name="Graphic 9">
+              <a:extLst>
+                <a:ext uri="{FF2B5EF4-FFF2-40B4-BE49-F238E27FC236}">
+                  <a16:creationId xmlns:a16="http://schemas.microsoft.com/office/drawing/2014/main" id="{EFD64D25-5271-802E-15A2-B0B0F4BB5B9F}"/>
+                </a:ext>
+                <a:ext uri="{C183D7F6-B498-43B3-948B-1728B52AA6E4}">
+                  <adec:decorative xmlns:adec="http://schemas.microsoft.com/office/drawing/2017/decorative" val="1"/>
+                </a:ext>
+              </a:extLst>
+            </p:cNvPr>
+            <p:cNvSpPr/>
+            <p:nvPr>
+              <p:extLst>
+                <p:ext uri="{386F3935-93C4-4BCD-93E2-E3B085C9AB24}">
+                  <p16:designElem xmlns:p16="http://schemas.microsoft.com/office/powerpoint/2015/main" val="1"/>
+                </p:ext>
+              </p:extLst>
+            </p:nvPr>
+          </p:nvSpPr>
+          <p:spPr>
+            <a:xfrm>
+              <a:off x="7739089" y="-3532"/>
+              <a:ext cx="3875603" cy="3875603"/>
             </a:xfrm>
             <a:custGeom>
               <a:avLst/>
@@ -48647,12 +48592,139 @@
               </a:pathLst>
             </a:custGeom>
             <a:solidFill>
-              <a:srgbClr val="FFFFFF"/>
+              <a:schemeClr val="accent1">
+                <a:alpha val="60000"/>
+              </a:schemeClr>
             </a:solidFill>
-            <a:ln w="38100" cap="flat">
-              <a:solidFill>
-                <a:srgbClr val="F7F7F7"/>
-              </a:solidFill>
+            <a:ln w="9331" cap="flat">
+              <a:noFill/>
+              <a:prstDash val="solid"/>
+              <a:miter/>
+            </a:ln>
+          </p:spPr>
+          <p:txBody>
+            <a:bodyPr rtlCol="0" anchor="ctr"/>
+            <a:lstStyle/>
+            <a:p>
+              <a:endParaRPr lang="en-US"/>
+            </a:p>
+          </p:txBody>
+        </p:sp>
+        <p:sp>
+          <p:nvSpPr>
+            <p:cNvPr id="61" name="Graphic 9">
+              <a:extLst>
+                <a:ext uri="{FF2B5EF4-FFF2-40B4-BE49-F238E27FC236}">
+                  <a16:creationId xmlns:a16="http://schemas.microsoft.com/office/drawing/2014/main" id="{7CCA540C-1580-84F1-C228-32D8A558D88C}"/>
+                </a:ext>
+                <a:ext uri="{C183D7F6-B498-43B3-948B-1728B52AA6E4}">
+                  <adec:decorative xmlns:adec="http://schemas.microsoft.com/office/drawing/2017/decorative" val="1"/>
+                </a:ext>
+              </a:extLst>
+            </p:cNvPr>
+            <p:cNvSpPr/>
+            <p:nvPr>
+              <p:extLst>
+                <p:ext uri="{386F3935-93C4-4BCD-93E2-E3B085C9AB24}">
+                  <p16:designElem xmlns:p16="http://schemas.microsoft.com/office/powerpoint/2015/main" val="1"/>
+                </p:ext>
+              </p:extLst>
+            </p:nvPr>
+          </p:nvSpPr>
+          <p:spPr>
+            <a:xfrm>
+              <a:off x="7931792" y="168275"/>
+              <a:ext cx="3499104" cy="3499104"/>
+            </a:xfrm>
+            <a:custGeom>
+              <a:avLst/>
+              <a:gdLst>
+                <a:gd name="connsiteX0" fmla="*/ 6861546 w 6861545"/>
+                <a:gd name="connsiteY0" fmla="*/ 6861546 h 6861545"/>
+                <a:gd name="connsiteX1" fmla="*/ 3435812 w 6861545"/>
+                <a:gd name="connsiteY1" fmla="*/ 6861546 h 6861545"/>
+                <a:gd name="connsiteX2" fmla="*/ 0 w 6861545"/>
+                <a:gd name="connsiteY2" fmla="*/ 3425734 h 6861545"/>
+                <a:gd name="connsiteX3" fmla="*/ 0 w 6861545"/>
+                <a:gd name="connsiteY3" fmla="*/ 0 h 6861545"/>
+                <a:gd name="connsiteX4" fmla="*/ 3425734 w 6861545"/>
+                <a:gd name="connsiteY4" fmla="*/ 0 h 6861545"/>
+                <a:gd name="connsiteX5" fmla="*/ 6861546 w 6861545"/>
+                <a:gd name="connsiteY5" fmla="*/ 3435812 h 6861545"/>
+                <a:gd name="connsiteX6" fmla="*/ 6861546 w 6861545"/>
+                <a:gd name="connsiteY6" fmla="*/ 6861546 h 6861545"/>
+              </a:gdLst>
+              <a:ahLst/>
+              <a:cxnLst>
+                <a:cxn ang="0">
+                  <a:pos x="connsiteX0" y="connsiteY0"/>
+                </a:cxn>
+                <a:cxn ang="0">
+                  <a:pos x="connsiteX1" y="connsiteY1"/>
+                </a:cxn>
+                <a:cxn ang="0">
+                  <a:pos x="connsiteX2" y="connsiteY2"/>
+                </a:cxn>
+                <a:cxn ang="0">
+                  <a:pos x="connsiteX3" y="connsiteY3"/>
+                </a:cxn>
+                <a:cxn ang="0">
+                  <a:pos x="connsiteX4" y="connsiteY4"/>
+                </a:cxn>
+                <a:cxn ang="0">
+                  <a:pos x="connsiteX5" y="connsiteY5"/>
+                </a:cxn>
+                <a:cxn ang="0">
+                  <a:pos x="connsiteX6" y="connsiteY6"/>
+                </a:cxn>
+              </a:cxnLst>
+              <a:rect l="l" t="t" r="r" b="b"/>
+              <a:pathLst>
+                <a:path w="6861545" h="6861545">
+                  <a:moveTo>
+                    <a:pt x="6861546" y="6861546"/>
+                  </a:moveTo>
+                  <a:lnTo>
+                    <a:pt x="3435812" y="6861546"/>
+                  </a:lnTo>
+                  <a:cubicBezTo>
+                    <a:pt x="1538245" y="6861546"/>
+                    <a:pt x="0" y="5323301"/>
+                    <a:pt x="0" y="3425734"/>
+                  </a:cubicBezTo>
+                  <a:lnTo>
+                    <a:pt x="0" y="0"/>
+                  </a:lnTo>
+                  <a:lnTo>
+                    <a:pt x="3425734" y="0"/>
+                  </a:lnTo>
+                  <a:cubicBezTo>
+                    <a:pt x="5323301" y="0"/>
+                    <a:pt x="6861546" y="1538245"/>
+                    <a:pt x="6861546" y="3435812"/>
+                  </a:cubicBezTo>
+                  <a:lnTo>
+                    <a:pt x="6861546" y="6861546"/>
+                  </a:lnTo>
+                  <a:close/>
+                </a:path>
+              </a:pathLst>
+            </a:custGeom>
+            <a:pattFill prst="pct5">
+              <a:fgClr>
+                <a:schemeClr val="accent4">
+                  <a:lumMod val="60000"/>
+                  <a:lumOff val="40000"/>
+                </a:schemeClr>
+              </a:fgClr>
+              <a:bgClr>
+                <a:schemeClr val="accent1">
+                  <a:lumMod val="75000"/>
+                </a:schemeClr>
+              </a:bgClr>
+            </a:pattFill>
+            <a:ln w="9525" cap="flat">
+              <a:noFill/>
               <a:prstDash val="solid"/>
               <a:miter/>
             </a:ln>
@@ -48668,10 +48740,10 @@
       </p:grpSp>
       <p:sp>
         <p:nvSpPr>
-          <p:cNvPr id="34" name="Texture">
+          <p:cNvPr id="63" name="Texture">
             <a:extLst>
               <a:ext uri="{FF2B5EF4-FFF2-40B4-BE49-F238E27FC236}">
-                <a16:creationId xmlns:a16="http://schemas.microsoft.com/office/drawing/2014/main" id="{DCB7631F-DB1D-C33F-3925-4F5F6035A0C2}"/>
+                <a16:creationId xmlns:a16="http://schemas.microsoft.com/office/drawing/2014/main" id="{BAEE6968-4FF6-7654-4F94-63B03C665740}"/>
               </a:ext>
               <a:ext uri="{C183D7F6-B498-43B3-948B-1728B52AA6E4}">
                 <adec:decorative xmlns:adec="http://schemas.microsoft.com/office/drawing/2017/decorative" val="1"/>
@@ -48720,10 +48792,64 @@
       </p:sp>
       <p:sp>
         <p:nvSpPr>
-          <p:cNvPr id="2" name="Nadpis 1">
+          <p:cNvPr id="4" name="Nadpis 1">
             <a:extLst>
               <a:ext uri="{FF2B5EF4-FFF2-40B4-BE49-F238E27FC236}">
-                <a16:creationId xmlns:a16="http://schemas.microsoft.com/office/drawing/2014/main" id="{7A4AC2D9-4480-D022-0F72-B31F767B0180}"/>
+                <a16:creationId xmlns:a16="http://schemas.microsoft.com/office/drawing/2014/main" id="{AC281566-C3E1-797C-B1F3-4182EDEAAF1B}"/>
+              </a:ext>
+            </a:extLst>
+          </p:cNvPr>
+          <p:cNvSpPr txBox="1">
+            <a:spLocks/>
+          </p:cNvSpPr>
+          <p:nvPr/>
+        </p:nvSpPr>
+        <p:spPr>
+          <a:xfrm>
+            <a:off x="457200" y="668049"/>
+            <a:ext cx="7685037" cy="1325563"/>
+          </a:xfrm>
+          <a:prstGeom prst="rect">
+            <a:avLst/>
+          </a:prstGeom>
+        </p:spPr>
+        <p:txBody>
+          <a:bodyPr vert="horz" lIns="91440" tIns="45720" rIns="91440" bIns="45720" rtlCol="0" anchor="b">
+            <a:normAutofit/>
+          </a:bodyPr>
+          <a:lstStyle>
+            <a:lvl1pPr algn="l" defTabSz="914400" rtl="0" eaLnBrk="1" latinLnBrk="0" hangingPunct="1">
+              <a:lnSpc>
+                <a:spcPct val="90000"/>
+              </a:lnSpc>
+              <a:spcBef>
+                <a:spcPct val="0"/>
+              </a:spcBef>
+              <a:buNone/>
+              <a:defRPr sz="4400" kern="1200">
+                <a:solidFill>
+                  <a:schemeClr val="tx1"/>
+                </a:solidFill>
+                <a:latin typeface="+mj-lt"/>
+                <a:ea typeface="+mj-ea"/>
+                <a:cs typeface="+mj-cs"/>
+              </a:defRPr>
+            </a:lvl1pPr>
+          </a:lstStyle>
+          <a:p>
+            <a:r>
+              <a:rPr lang="cs-CZ" dirty="0"/>
+              <a:t>Funkce pro přejmenování</a:t>
+            </a:r>
+          </a:p>
+        </p:txBody>
+      </p:sp>
+      <p:sp>
+        <p:nvSpPr>
+          <p:cNvPr id="7" name="Nadpis 1">
+            <a:extLst>
+              <a:ext uri="{FF2B5EF4-FFF2-40B4-BE49-F238E27FC236}">
+                <a16:creationId xmlns:a16="http://schemas.microsoft.com/office/drawing/2014/main" id="{A4BAC6FB-F441-690B-CD9C-FDFF213BFF35}"/>
               </a:ext>
             </a:extLst>
           </p:cNvPr>
@@ -51385,103 +51511,10 @@
           </a:p>
         </p:txBody>
       </p:sp>
-      <p:pic>
-        <p:nvPicPr>
-          <p:cNvPr id="6" name="Graphic 5" descr="Zámek">
-            <a:extLst>
-              <a:ext uri="{FF2B5EF4-FFF2-40B4-BE49-F238E27FC236}">
-                <a16:creationId xmlns:a16="http://schemas.microsoft.com/office/drawing/2014/main" id="{46F30AB6-CAF2-40EC-4F43-17CD2D7BCD65}"/>
-              </a:ext>
-            </a:extLst>
-          </p:cNvPr>
-          <p:cNvPicPr>
-            <a:picLocks noChangeAspect="1"/>
-          </p:cNvPicPr>
-          <p:nvPr/>
-        </p:nvPicPr>
-        <p:blipFill>
-          <a:blip r:embed="rId3">
-            <a:extLst>
-              <a:ext uri="{28A0092B-C50C-407E-A947-70E740481C1C}">
-                <a14:useLocalDpi xmlns:a14="http://schemas.microsoft.com/office/drawing/2010/main" val="0"/>
-              </a:ext>
-              <a:ext uri="{96DAC541-7B7A-43D3-8B79-37D633B846F1}">
-                <asvg:svgBlip xmlns:asvg="http://schemas.microsoft.com/office/drawing/2016/SVG/main" r:embed="rId4"/>
-              </a:ext>
-            </a:extLst>
-          </a:blip>
-          <a:stretch>
-            <a:fillRect/>
-          </a:stretch>
-        </p:blipFill>
-        <p:spPr>
-          <a:xfrm>
-            <a:off x="8891720" y="2251775"/>
-            <a:ext cx="2398656" cy="2398656"/>
-          </a:xfrm>
-          <a:prstGeom prst="rect">
-            <a:avLst/>
-          </a:prstGeom>
-        </p:spPr>
-      </p:pic>
-      <p:sp>
-        <p:nvSpPr>
-          <p:cNvPr id="5" name="Nadpis 1">
-            <a:extLst>
-              <a:ext uri="{FF2B5EF4-FFF2-40B4-BE49-F238E27FC236}">
-                <a16:creationId xmlns:a16="http://schemas.microsoft.com/office/drawing/2014/main" id="{BDA3DE26-1012-8666-CBCC-771C08A67CC7}"/>
-              </a:ext>
-            </a:extLst>
-          </p:cNvPr>
-          <p:cNvSpPr txBox="1">
-            <a:spLocks/>
-          </p:cNvSpPr>
-          <p:nvPr/>
-        </p:nvSpPr>
-        <p:spPr>
-          <a:xfrm>
-            <a:off x="457200" y="668049"/>
-            <a:ext cx="7685037" cy="1325563"/>
-          </a:xfrm>
-          <a:prstGeom prst="rect">
-            <a:avLst/>
-          </a:prstGeom>
-        </p:spPr>
-        <p:txBody>
-          <a:bodyPr vert="horz" lIns="91440" tIns="45720" rIns="91440" bIns="45720" rtlCol="0" anchor="b">
-            <a:normAutofit/>
-          </a:bodyPr>
-          <a:lstStyle>
-            <a:lvl1pPr algn="l" defTabSz="914400" rtl="0" eaLnBrk="1" latinLnBrk="0" hangingPunct="1">
-              <a:lnSpc>
-                <a:spcPct val="90000"/>
-              </a:lnSpc>
-              <a:spcBef>
-                <a:spcPct val="0"/>
-              </a:spcBef>
-              <a:buNone/>
-              <a:defRPr sz="4400" kern="1200">
-                <a:solidFill>
-                  <a:schemeClr val="tx1"/>
-                </a:solidFill>
-                <a:latin typeface="+mj-lt"/>
-                <a:ea typeface="+mj-ea"/>
-                <a:cs typeface="+mj-cs"/>
-              </a:defRPr>
-            </a:lvl1pPr>
-          </a:lstStyle>
-          <a:p>
-            <a:r>
-              <a:rPr lang="cs-CZ" dirty="0"/>
-              <a:t>Funkce pro přejmenování</a:t>
-            </a:r>
-          </a:p>
-        </p:txBody>
-      </p:sp>
     </p:spTree>
     <p:extLst>
       <p:ext uri="{BB962C8B-B14F-4D97-AF65-F5344CB8AC3E}">
-        <p14:creationId xmlns:p14="http://schemas.microsoft.com/office/powerpoint/2010/main" val="3114309346"/>
+        <p14:creationId xmlns:p14="http://schemas.microsoft.com/office/powerpoint/2010/main" val="3037597633"/>
       </p:ext>
     </p:extLst>
   </p:cSld>

--- a/Documentation/USB RAID pole.pptx
+++ b/Documentation/USB RAID pole.pptx
@@ -6095,10 +6095,10 @@
             </a:lnSpc>
           </a:pPr>
           <a:r>
-            <a:rPr lang="cs-CZ"/>
+            <a:rPr lang="cs-CZ" dirty="0"/>
             <a:t>Versatilní webová aplikace</a:t>
           </a:r>
-          <a:endParaRPr lang="en-US"/>
+          <a:endParaRPr lang="en-US" dirty="0"/>
         </a:p>
       </dgm:t>
     </dgm:pt>
@@ -9701,10 +9701,10 @@
             <a:buNone/>
           </a:pPr>
           <a:r>
-            <a:rPr lang="cs-CZ" sz="1200" kern="1200"/>
+            <a:rPr lang="cs-CZ" sz="1200" kern="1200" dirty="0"/>
             <a:t>Versatilní webová aplikace</a:t>
           </a:r>
-          <a:endParaRPr lang="en-US" sz="1200" kern="1200"/>
+          <a:endParaRPr lang="en-US" sz="1200" kern="1200" dirty="0"/>
         </a:p>
       </dsp:txBody>
       <dsp:txXfrm>
@@ -21387,7 +21387,7 @@
           <a:p>
             <a:fld id="{D208048B-57AF-4F53-BC84-8E0A1033FBEC}" type="datetimeFigureOut">
               <a:rPr lang="en-US" smtClean="0"/>
-              <a:t>5/19/2025</a:t>
+              <a:t>5/20/2025</a:t>
             </a:fld>
             <a:endParaRPr lang="en-US"/>
           </a:p>
@@ -21585,7 +21585,7 @@
           <a:p>
             <a:fld id="{D208048B-57AF-4F53-BC84-8E0A1033FBEC}" type="datetimeFigureOut">
               <a:rPr lang="en-US" smtClean="0"/>
-              <a:t>5/19/2025</a:t>
+              <a:t>5/20/2025</a:t>
             </a:fld>
             <a:endParaRPr lang="en-US"/>
           </a:p>
@@ -23122,7 +23122,7 @@
           <a:p>
             <a:fld id="{D208048B-57AF-4F53-BC84-8E0A1033FBEC}" type="datetimeFigureOut">
               <a:rPr lang="en-US" smtClean="0"/>
-              <a:t>5/19/2025</a:t>
+              <a:t>5/20/2025</a:t>
             </a:fld>
             <a:endParaRPr lang="en-US"/>
           </a:p>
@@ -23322,7 +23322,7 @@
           <a:p>
             <a:fld id="{D208048B-57AF-4F53-BC84-8E0A1033FBEC}" type="datetimeFigureOut">
               <a:rPr lang="en-US" smtClean="0"/>
-              <a:t>5/19/2025</a:t>
+              <a:t>5/20/2025</a:t>
             </a:fld>
             <a:endParaRPr lang="en-US"/>
           </a:p>
@@ -23600,7 +23600,7 @@
           <a:p>
             <a:fld id="{D208048B-57AF-4F53-BC84-8E0A1033FBEC}" type="datetimeFigureOut">
               <a:rPr lang="en-US" smtClean="0"/>
-              <a:t>5/19/2025</a:t>
+              <a:t>5/20/2025</a:t>
             </a:fld>
             <a:endParaRPr lang="en-US"/>
           </a:p>
@@ -24578,7 +24578,7 @@
           <a:p>
             <a:fld id="{D208048B-57AF-4F53-BC84-8E0A1033FBEC}" type="datetimeFigureOut">
               <a:rPr lang="en-US" smtClean="0"/>
-              <a:t>5/19/2025</a:t>
+              <a:t>5/20/2025</a:t>
             </a:fld>
             <a:endParaRPr lang="en-US"/>
           </a:p>
@@ -25698,7 +25698,7 @@
           <a:p>
             <a:fld id="{D208048B-57AF-4F53-BC84-8E0A1033FBEC}" type="datetimeFigureOut">
               <a:rPr lang="en-US" smtClean="0"/>
-              <a:t>5/19/2025</a:t>
+              <a:t>5/20/2025</a:t>
             </a:fld>
             <a:endParaRPr lang="en-US"/>
           </a:p>
@@ -25845,7 +25845,7 @@
           <a:p>
             <a:fld id="{D208048B-57AF-4F53-BC84-8E0A1033FBEC}" type="datetimeFigureOut">
               <a:rPr lang="en-US" smtClean="0"/>
-              <a:t>5/19/2025</a:t>
+              <a:t>5/20/2025</a:t>
             </a:fld>
             <a:endParaRPr lang="en-US"/>
           </a:p>
@@ -25958,7 +25958,7 @@
           <a:p>
             <a:fld id="{D208048B-57AF-4F53-BC84-8E0A1033FBEC}" type="datetimeFigureOut">
               <a:rPr lang="en-US" smtClean="0"/>
-              <a:t>5/19/2025</a:t>
+              <a:t>5/20/2025</a:t>
             </a:fld>
             <a:endParaRPr lang="en-US"/>
           </a:p>
@@ -27604,7 +27604,7 @@
           <a:p>
             <a:fld id="{D208048B-57AF-4F53-BC84-8E0A1033FBEC}" type="datetimeFigureOut">
               <a:rPr lang="en-US" smtClean="0"/>
-              <a:t>5/19/2025</a:t>
+              <a:t>5/20/2025</a:t>
             </a:fld>
             <a:endParaRPr lang="en-US"/>
           </a:p>
@@ -29242,7 +29242,7 @@
           <a:p>
             <a:fld id="{D208048B-57AF-4F53-BC84-8E0A1033FBEC}" type="datetimeFigureOut">
               <a:rPr lang="en-US" smtClean="0"/>
-              <a:t>5/19/2025</a:t>
+              <a:t>5/20/2025</a:t>
             </a:fld>
             <a:endParaRPr lang="en-US"/>
           </a:p>
@@ -30165,7 +30165,7 @@
             <a:fld id="{D208048B-57AF-4F53-BC84-8E0A1033FBEC}" type="datetimeFigureOut">
               <a:rPr lang="en-US" smtClean="0"/>
               <a:pPr/>
-              <a:t>5/19/2025</a:t>
+              <a:t>5/20/2025</a:t>
             </a:fld>
             <a:endParaRPr lang="en-US" dirty="0"/>
           </a:p>
@@ -54665,7 +54665,7 @@
           <a:p>
             <a:r>
               <a:rPr lang="cs-CZ" dirty="0"/>
-              <a:t>Použití </a:t>
+              <a:t>Použité </a:t>
             </a:r>
             <a:r>
               <a:rPr lang="cs-CZ" dirty="0" err="1"/>
